--- a/Classes/Class1/javasw407class1.pptx
+++ b/Classes/Class1/javasw407class1.pptx
@@ -218,7 +218,7 @@
           <a:p>
             <a:fld id="{95E2A64F-C10D-5E45-8521-00DA76F6438F}" type="datetimeFigureOut">
               <a:rPr lang="en-US" smtClean="0"/>
-              <a:t>1/31/21</a:t>
+              <a:t>2/1/21</a:t>
             </a:fld>
             <a:endParaRPr lang="en-US"/>
           </a:p>
@@ -986,7 +986,7 @@
           <a:p>
             <a:fld id="{E0CF13B6-F484-0D47-B20D-2E1E5145E277}" type="datetimeFigureOut">
               <a:rPr lang="en-US" smtClean="0"/>
-              <a:t>1/31/21</a:t>
+              <a:t>2/1/21</a:t>
             </a:fld>
             <a:endParaRPr lang="en-US"/>
           </a:p>
@@ -1163,7 +1163,7 @@
           <a:p>
             <a:fld id="{E0CF13B6-F484-0D47-B20D-2E1E5145E277}" type="datetimeFigureOut">
               <a:rPr lang="en-US" smtClean="0"/>
-              <a:t>1/31/21</a:t>
+              <a:t>2/1/21</a:t>
             </a:fld>
             <a:endParaRPr lang="en-US"/>
           </a:p>
@@ -1343,7 +1343,7 @@
           <a:p>
             <a:fld id="{E0CF13B6-F484-0D47-B20D-2E1E5145E277}" type="datetimeFigureOut">
               <a:rPr lang="en-US" smtClean="0"/>
-              <a:t>1/31/21</a:t>
+              <a:t>2/1/21</a:t>
             </a:fld>
             <a:endParaRPr lang="en-US"/>
           </a:p>
@@ -1513,7 +1513,7 @@
           <a:p>
             <a:fld id="{E0CF13B6-F484-0D47-B20D-2E1E5145E277}" type="datetimeFigureOut">
               <a:rPr lang="en-US" smtClean="0"/>
-              <a:t>1/31/21</a:t>
+              <a:t>2/1/21</a:t>
             </a:fld>
             <a:endParaRPr lang="en-US"/>
           </a:p>
@@ -1834,7 +1834,7 @@
           <a:p>
             <a:fld id="{E0CF13B6-F484-0D47-B20D-2E1E5145E277}" type="datetimeFigureOut">
               <a:rPr lang="en-US" smtClean="0"/>
-              <a:t>1/31/21</a:t>
+              <a:t>2/1/21</a:t>
             </a:fld>
             <a:endParaRPr lang="en-US"/>
           </a:p>
@@ -2294,7 +2294,7 @@
           <a:p>
             <a:fld id="{E0CF13B6-F484-0D47-B20D-2E1E5145E277}" type="datetimeFigureOut">
               <a:rPr lang="en-US" smtClean="0"/>
-              <a:t>1/31/21</a:t>
+              <a:t>2/1/21</a:t>
             </a:fld>
             <a:endParaRPr lang="en-US"/>
           </a:p>
@@ -2705,7 +2705,7 @@
           <a:p>
             <a:fld id="{E0CF13B6-F484-0D47-B20D-2E1E5145E277}" type="datetimeFigureOut">
               <a:rPr lang="en-US" smtClean="0"/>
-              <a:t>1/31/21</a:t>
+              <a:t>2/1/21</a:t>
             </a:fld>
             <a:endParaRPr lang="en-US"/>
           </a:p>
@@ -2823,7 +2823,7 @@
           <a:p>
             <a:fld id="{E0CF13B6-F484-0D47-B20D-2E1E5145E277}" type="datetimeFigureOut">
               <a:rPr lang="en-US" smtClean="0"/>
-              <a:t>1/31/21</a:t>
+              <a:t>2/1/21</a:t>
             </a:fld>
             <a:endParaRPr lang="en-US"/>
           </a:p>
@@ -2940,7 +2940,7 @@
           <a:p>
             <a:fld id="{E0CF13B6-F484-0D47-B20D-2E1E5145E277}" type="datetimeFigureOut">
               <a:rPr lang="en-US" smtClean="0"/>
-              <a:t>1/31/21</a:t>
+              <a:t>2/1/21</a:t>
             </a:fld>
             <a:endParaRPr lang="en-US"/>
           </a:p>
@@ -3298,7 +3298,7 @@
           <a:p>
             <a:fld id="{E0CF13B6-F484-0D47-B20D-2E1E5145E277}" type="datetimeFigureOut">
               <a:rPr lang="en-US" smtClean="0"/>
-              <a:t>1/31/21</a:t>
+              <a:t>2/1/21</a:t>
             </a:fld>
             <a:endParaRPr lang="en-US"/>
           </a:p>
@@ -3805,7 +3805,7 @@
           <a:p>
             <a:fld id="{E0CF13B6-F484-0D47-B20D-2E1E5145E277}" type="datetimeFigureOut">
               <a:rPr lang="en-US" smtClean="0"/>
-              <a:t>1/31/21</a:t>
+              <a:t>2/1/21</a:t>
             </a:fld>
             <a:endParaRPr lang="en-US"/>
           </a:p>
@@ -4160,7 +4160,7 @@
           <a:p>
             <a:fld id="{E0CF13B6-F484-0D47-B20D-2E1E5145E277}" type="datetimeFigureOut">
               <a:rPr lang="en-US" smtClean="0"/>
-              <a:t>1/31/21</a:t>
+              <a:t>2/1/21</a:t>
             </a:fld>
             <a:endParaRPr lang="en-US"/>
           </a:p>
@@ -5692,7 +5692,9 @@
         </p:nvSpPr>
         <p:spPr/>
         <p:txBody>
-          <a:bodyPr/>
+          <a:bodyPr>
+            <a:normAutofit lnSpcReduction="10000"/>
+          </a:bodyPr>
           <a:lstStyle/>
           <a:p>
             <a:pPr marL="274320" lvl="1" indent="0">
@@ -5700,17 +5702,13 @@
             </a:pPr>
             <a:r>
               <a:rPr lang="en-US" b="1" dirty="0"/>
-              <a:t>git remote add origin &lt;</a:t>
+              <a:t>Create repository on </a:t>
             </a:r>
             <a:r>
               <a:rPr lang="en-US" b="1" dirty="0" err="1"/>
-              <a:t>new_github_repository_url</a:t>
-            </a:r>
-            <a:r>
-              <a:rPr lang="en-US" b="1" dirty="0"/>
-              <a:t>&gt;</a:t>
-            </a:r>
-            <a:endParaRPr lang="en-US" dirty="0"/>
+              <a:t>github.com</a:t>
+            </a:r>
+            <a:endParaRPr lang="en-US" b="1" dirty="0"/>
           </a:p>
           <a:p>
             <a:pPr marL="274320" lvl="1" indent="0">
@@ -5718,9 +5716,8 @@
             </a:pPr>
             <a:r>
               <a:rPr lang="en-US" b="1" dirty="0"/>
-              <a:t>git add .</a:t>
-            </a:r>
-            <a:endParaRPr lang="en-US" dirty="0"/>
+              <a:t>Open Terminal and navigate to working directory</a:t>
+            </a:r>
           </a:p>
           <a:p>
             <a:pPr marL="274320" lvl="1" indent="0">
@@ -5728,9 +5725,16 @@
             </a:pPr>
             <a:r>
               <a:rPr lang="en-US" b="1" dirty="0"/>
-              <a:t>git commit -m "initial commit"</a:t>
-            </a:r>
-            <a:endParaRPr lang="en-US" dirty="0"/>
+              <a:t>Git </a:t>
+            </a:r>
+            <a:r>
+              <a:rPr lang="en-US" b="1" dirty="0" err="1"/>
+              <a:t>init</a:t>
+            </a:r>
+            <a:r>
+              <a:rPr lang="en-US" b="1" dirty="0"/>
+              <a:t> (ls –la to see the .git file)</a:t>
+            </a:r>
           </a:p>
           <a:p>
             <a:pPr marL="274320" lvl="1" indent="0">
@@ -5738,11 +5742,120 @@
             </a:pPr>
             <a:r>
               <a:rPr lang="en-US" b="1" dirty="0"/>
-              <a:t>git push -u origin master</a:t>
-            </a:r>
-          </a:p>
-          <a:p>
-            <a:endParaRPr lang="en-US" dirty="0"/>
+              <a:t>Git status (check after you add/change files as well)</a:t>
+            </a:r>
+          </a:p>
+          <a:p>
+            <a:pPr marL="274320" lvl="1" indent="0">
+              <a:buNone/>
+            </a:pPr>
+            <a:r>
+              <a:rPr lang="en-US" b="1" dirty="0"/>
+              <a:t>Git add &lt;files&gt; (To add everything in directory, git add .)</a:t>
+            </a:r>
+          </a:p>
+          <a:p>
+            <a:pPr marL="274320" lvl="1" indent="0">
+              <a:buNone/>
+            </a:pPr>
+            <a:r>
+              <a:rPr lang="en-US" b="1" dirty="0"/>
+              <a:t>Git commit –m “First Commit”</a:t>
+            </a:r>
+          </a:p>
+          <a:p>
+            <a:pPr marL="274320" lvl="1" indent="0">
+              <a:buNone/>
+            </a:pPr>
+            <a:r>
+              <a:rPr lang="en-US" b="1" dirty="0"/>
+              <a:t>Git remote add origin “</a:t>
+            </a:r>
+            <a:r>
+              <a:rPr lang="en-US" dirty="0"/>
+              <a:t> </a:t>
+            </a:r>
+            <a:r>
+              <a:rPr lang="en-US" dirty="0">
+                <a:hlinkClick r:id="rId2"/>
+              </a:rPr>
+              <a:t>https://username@github.com/username/repo-name.git</a:t>
+            </a:r>
+            <a:r>
+              <a:rPr lang="en-US" b="1" dirty="0"/>
+              <a:t>” (Can also use new </a:t>
+            </a:r>
+            <a:r>
+              <a:rPr lang="en-US" b="1" dirty="0" err="1"/>
+              <a:t>github</a:t>
+            </a:r>
+            <a:r>
+              <a:rPr lang="en-US" b="1" dirty="0"/>
+              <a:t> repository </a:t>
+            </a:r>
+            <a:r>
+              <a:rPr lang="en-US" b="1" dirty="0" err="1"/>
+              <a:t>url</a:t>
+            </a:r>
+            <a:r>
+              <a:rPr lang="en-US" b="1" dirty="0"/>
+              <a:t>)</a:t>
+            </a:r>
+          </a:p>
+          <a:p>
+            <a:pPr marL="274320" lvl="1" indent="0">
+              <a:buNone/>
+            </a:pPr>
+            <a:r>
+              <a:rPr lang="en-US" b="1" dirty="0"/>
+              <a:t>Git remote –v </a:t>
+            </a:r>
+          </a:p>
+          <a:p>
+            <a:pPr marL="274320" lvl="1" indent="0">
+              <a:buNone/>
+            </a:pPr>
+            <a:r>
+              <a:rPr lang="en-US" b="1" dirty="0"/>
+              <a:t>To update any remotes -&gt; git remote set-</a:t>
+            </a:r>
+            <a:r>
+              <a:rPr lang="en-US" b="1" dirty="0" err="1"/>
+              <a:t>url</a:t>
+            </a:r>
+            <a:r>
+              <a:rPr lang="en-US" b="1" dirty="0"/>
+              <a:t> origin &lt;repo </a:t>
+            </a:r>
+            <a:r>
+              <a:rPr lang="en-US" b="1" dirty="0" err="1"/>
+              <a:t>url</a:t>
+            </a:r>
+            <a:r>
+              <a:rPr lang="en-US" b="1" dirty="0"/>
+              <a:t>&gt;</a:t>
+            </a:r>
+          </a:p>
+          <a:p>
+            <a:pPr marL="274320" lvl="1" indent="0">
+              <a:buNone/>
+            </a:pPr>
+            <a:r>
+              <a:rPr lang="en-US" b="1" dirty="0"/>
+              <a:t>Git push –u origin master (Can also do git push –u origin main)</a:t>
+            </a:r>
+          </a:p>
+          <a:p>
+            <a:pPr marL="274320" lvl="1" indent="0">
+              <a:buNone/>
+            </a:pPr>
+            <a:r>
+              <a:rPr lang="en-US" dirty="0">
+                <a:hlinkClick r:id="rId3"/>
+              </a:rPr>
+              <a:t>https://docs.github.com/en/github/importing-your-projects-to-github/adding-an-existing-project-to-github-using-the-command-line</a:t>
+            </a:r>
+            <a:endParaRPr lang="en-US" b="1" dirty="0"/>
           </a:p>
         </p:txBody>
       </p:sp>

--- a/Classes/Class1/javasw407class1.pptx
+++ b/Classes/Class1/javasw407class1.pptx
@@ -5693,7 +5693,7 @@
         <p:spPr/>
         <p:txBody>
           <a:bodyPr>
-            <a:normAutofit lnSpcReduction="10000"/>
+            <a:normAutofit fontScale="85000" lnSpcReduction="20000"/>
           </a:bodyPr>
           <a:lstStyle/>
           <a:p>
@@ -5749,19 +5749,31 @@
             <a:pPr marL="274320" lvl="1" indent="0">
               <a:buNone/>
             </a:pPr>
-            <a:r>
-              <a:rPr lang="en-US" b="1" dirty="0"/>
-              <a:t>Git add &lt;files&gt; (To add everything in directory, git add .)</a:t>
-            </a:r>
+            <a:endParaRPr lang="en-US" b="1" i="1" dirty="0"/>
           </a:p>
           <a:p>
             <a:pPr marL="274320" lvl="1" indent="0">
               <a:buNone/>
             </a:pPr>
             <a:r>
-              <a:rPr lang="en-US" b="1" dirty="0"/>
+              <a:rPr lang="en-US" b="1" i="1" dirty="0"/>
+              <a:t>Git add &lt;files&gt; (To add everything in directory, git add .)</a:t>
+            </a:r>
+          </a:p>
+          <a:p>
+            <a:pPr marL="274320" lvl="1" indent="0">
+              <a:buNone/>
+            </a:pPr>
+            <a:r>
+              <a:rPr lang="en-US" b="1" i="1" dirty="0"/>
               <a:t>Git commit –m “First Commit”</a:t>
             </a:r>
+          </a:p>
+          <a:p>
+            <a:pPr marL="274320" lvl="1" indent="0">
+              <a:buNone/>
+            </a:pPr>
+            <a:endParaRPr lang="en-US" b="1" dirty="0"/>
           </a:p>
           <a:p>
             <a:pPr marL="274320" lvl="1" indent="0">
@@ -5840,10 +5852,24 @@
             <a:pPr marL="274320" lvl="1" indent="0">
               <a:buNone/>
             </a:pPr>
-            <a:r>
-              <a:rPr lang="en-US" b="1" dirty="0"/>
+            <a:endParaRPr lang="en-US" b="1" i="1" dirty="0"/>
+          </a:p>
+          <a:p>
+            <a:pPr marL="274320" lvl="1" indent="0">
+              <a:buNone/>
+            </a:pPr>
+            <a:r>
+              <a:rPr lang="en-US" b="1" i="1" dirty="0"/>
               <a:t>Git push –u origin master (Can also do git push –u origin main)</a:t>
             </a:r>
+          </a:p>
+          <a:p>
+            <a:pPr marL="274320" lvl="1" indent="0">
+              <a:buNone/>
+            </a:pPr>
+            <a:endParaRPr lang="en-US" dirty="0">
+              <a:hlinkClick r:id="rId3"/>
+            </a:endParaRPr>
           </a:p>
           <a:p>
             <a:pPr marL="274320" lvl="1" indent="0">

--- a/Classes/Class1/javasw407class1.pptx
+++ b/Classes/Class1/javasw407class1.pptx
@@ -134,6 +134,1854 @@
     </p:extLst>
   </p:cmAuthor>
 </p:cmAuthorLst>
+</file>
+
+<file path=ppt/ink/ink1.xml><?xml version="1.0" encoding="utf-8"?>
+<inkml:ink xmlns:inkml="http://www.w3.org/2003/InkML">
+  <inkml:definitions>
+    <inkml:context xml:id="ctx0">
+      <inkml:inkSource xml:id="inkSrc0">
+        <inkml:traceFormat>
+          <inkml:channel name="X" type="integer" min="-2.14748E9" max="2.14748E9" units="cm"/>
+          <inkml:channel name="Y" type="integer" min="-2.14748E9" max="2.14748E9" units="cm"/>
+          <inkml:channel name="F" type="integer" max="32767" units="dev"/>
+        </inkml:traceFormat>
+        <inkml:channelProperties>
+          <inkml:channelProperty channel="X" name="resolution" value="1000" units="1/cm"/>
+          <inkml:channelProperty channel="Y" name="resolution" value="1000" units="1/cm"/>
+          <inkml:channelProperty channel="F" name="resolution" value="0" units="1/dev"/>
+        </inkml:channelProperties>
+      </inkml:inkSource>
+      <inkml:timestamp xml:id="ts0" timeString="2021-02-01T23:42:57.631"/>
+    </inkml:context>
+    <inkml:brush xml:id="br0">
+      <inkml:brushProperty name="width" value="0.1" units="cm"/>
+      <inkml:brushProperty name="height" value="0.1" units="cm"/>
+      <inkml:brushProperty name="color" value="#E71224"/>
+    </inkml:brush>
+  </inkml:definitions>
+  <inkml:trace contextRef="#ctx0" brushRef="#br0">1 1582 24575,'3'-69'0,"0"-1"0,6 10 0,6-23 0,4-13 0,1-2 0,-2 7 0,-3 17 0,0-10 0,2-1 0,0 5 0,6-21 0,2-10 0,1 4 0,-3 16 0,-3 28 0,10 4 0,-6 3 0,-1 5 0,-9 28 0,-3 4 0,-2 12 0,-1 4 0,21 7 0,-16 4 0,25 13 0,-15 5 0,8 2 0,2 13 0,2 5 0,14 36 0,-14-7 0,-7 5 0,-3 1 0,-6-2 0,-1 4 0,-2-1 0,-10-20 0,1 15 0,-1 1 0,-5-15 0,2 4 0,-1-5 0,-2-32 0,2 20 0,-1-37 0,2 5 0,-3-13 0,0 0 0</inkml:trace>
+</inkml:ink>
+</file>
+
+<file path=ppt/ink/ink10.xml><?xml version="1.0" encoding="utf-8"?>
+<inkml:ink xmlns:inkml="http://www.w3.org/2003/InkML">
+  <inkml:definitions>
+    <inkml:context xml:id="ctx0">
+      <inkml:inkSource xml:id="inkSrc0">
+        <inkml:traceFormat>
+          <inkml:channel name="X" type="integer" min="-2.14748E9" max="2.14748E9" units="cm"/>
+          <inkml:channel name="Y" type="integer" min="-2.14748E9" max="2.14748E9" units="cm"/>
+          <inkml:channel name="F" type="integer" max="32767" units="dev"/>
+        </inkml:traceFormat>
+        <inkml:channelProperties>
+          <inkml:channelProperty channel="X" name="resolution" value="1000" units="1/cm"/>
+          <inkml:channelProperty channel="Y" name="resolution" value="1000" units="1/cm"/>
+          <inkml:channelProperty channel="F" name="resolution" value="0" units="1/dev"/>
+        </inkml:channelProperties>
+      </inkml:inkSource>
+      <inkml:timestamp xml:id="ts0" timeString="2021-02-01T23:43:42.041"/>
+    </inkml:context>
+    <inkml:brush xml:id="br0">
+      <inkml:brushProperty name="width" value="0.1" units="cm"/>
+      <inkml:brushProperty name="height" value="0.1" units="cm"/>
+      <inkml:brushProperty name="color" value="#E71224"/>
+    </inkml:brush>
+  </inkml:definitions>
+  <inkml:trace contextRef="#ctx0" brushRef="#br0">1 1 24575,'28'0'0,"-1"0"0,7 0 0,-11 0 0,10 0 0,-22 0 0,18 21 0,-18 0 0,7 15 0,-14 46 0,-4-29 0,0 1 0,0 3 0,-5 22 0,-9-9 0,-2-1 0,-4 11 0,-3-16 0,-2-8 0,10-31 0,-8 12 0,18-30 0,-3 3 0,66-7 0,-6-18 0,12-2 0,16-4 0,-9 1 0,-23 2 0,1 0 0,31-9 0,11-2 0,-17 5 0,-15 6 0,-3 3 0,-4 3 0,-21 7 0,-14 1 0,0 4 0,-14 0 0,0 0 0</inkml:trace>
+</inkml:ink>
+</file>
+
+<file path=ppt/ink/ink11.xml><?xml version="1.0" encoding="utf-8"?>
+<inkml:ink xmlns:inkml="http://www.w3.org/2003/InkML">
+  <inkml:definitions>
+    <inkml:context xml:id="ctx0">
+      <inkml:inkSource xml:id="inkSrc0">
+        <inkml:traceFormat>
+          <inkml:channel name="X" type="integer" min="-2.14748E9" max="2.14748E9" units="cm"/>
+          <inkml:channel name="Y" type="integer" min="-2.14748E9" max="2.14748E9" units="cm"/>
+          <inkml:channel name="F" type="integer" max="32767" units="dev"/>
+        </inkml:traceFormat>
+        <inkml:channelProperties>
+          <inkml:channelProperty channel="X" name="resolution" value="1000" units="1/cm"/>
+          <inkml:channelProperty channel="Y" name="resolution" value="1000" units="1/cm"/>
+          <inkml:channelProperty channel="F" name="resolution" value="0" units="1/dev"/>
+        </inkml:channelProperties>
+      </inkml:inkSource>
+      <inkml:timestamp xml:id="ts0" timeString="2021-02-01T23:43:42.889"/>
+    </inkml:context>
+    <inkml:brush xml:id="br0">
+      <inkml:brushProperty name="width" value="0.1" units="cm"/>
+      <inkml:brushProperty name="height" value="0.1" units="cm"/>
+      <inkml:brushProperty name="color" value="#E71224"/>
+    </inkml:brush>
+  </inkml:definitions>
+  <inkml:trace contextRef="#ctx0" brushRef="#br0">1 1 24575,'98'1'0,"0"1"0,0 0 0,-16-1 0,-38-1 0,-7 0 0,0 0 0,-33 0 0,1 0 0</inkml:trace>
+</inkml:ink>
+</file>
+
+<file path=ppt/ink/ink12.xml><?xml version="1.0" encoding="utf-8"?>
+<inkml:ink xmlns:inkml="http://www.w3.org/2003/InkML">
+  <inkml:definitions>
+    <inkml:context xml:id="ctx0">
+      <inkml:inkSource xml:id="inkSrc0">
+        <inkml:traceFormat>
+          <inkml:channel name="X" type="integer" min="-2.14748E9" max="2.14748E9" units="cm"/>
+          <inkml:channel name="Y" type="integer" min="-2.14748E9" max="2.14748E9" units="cm"/>
+          <inkml:channel name="F" type="integer" max="32767" units="dev"/>
+        </inkml:traceFormat>
+        <inkml:channelProperties>
+          <inkml:channelProperty channel="X" name="resolution" value="1000" units="1/cm"/>
+          <inkml:channelProperty channel="Y" name="resolution" value="1000" units="1/cm"/>
+          <inkml:channelProperty channel="F" name="resolution" value="0" units="1/dev"/>
+        </inkml:channelProperties>
+      </inkml:inkSource>
+      <inkml:timestamp xml:id="ts0" timeString="2021-02-01T23:43:43.723"/>
+    </inkml:context>
+    <inkml:brush xml:id="br0">
+      <inkml:brushProperty name="width" value="0.1" units="cm"/>
+      <inkml:brushProperty name="height" value="0.1" units="cm"/>
+      <inkml:brushProperty name="color" value="#E71224"/>
+    </inkml:brush>
+  </inkml:definitions>
+  <inkml:trace contextRef="#ctx0" brushRef="#br0">0 1 24575,'0'90'0,"0"-1"0,0-2 0,0 0 0,0 3 0,0-5 0,0-31 0,0-3 0,0 16 0,0-10 0,0-32 0,0-18 0,0-4 0</inkml:trace>
+</inkml:ink>
+</file>
+
+<file path=ppt/ink/ink13.xml><?xml version="1.0" encoding="utf-8"?>
+<inkml:ink xmlns:inkml="http://www.w3.org/2003/InkML">
+  <inkml:definitions>
+    <inkml:context xml:id="ctx0">
+      <inkml:inkSource xml:id="inkSrc0">
+        <inkml:traceFormat>
+          <inkml:channel name="X" type="integer" min="-2.14748E9" max="2.14748E9" units="cm"/>
+          <inkml:channel name="Y" type="integer" min="-2.14748E9" max="2.14748E9" units="cm"/>
+          <inkml:channel name="F" type="integer" max="32767" units="dev"/>
+        </inkml:traceFormat>
+        <inkml:channelProperties>
+          <inkml:channelProperty channel="X" name="resolution" value="1000" units="1/cm"/>
+          <inkml:channelProperty channel="Y" name="resolution" value="1000" units="1/cm"/>
+          <inkml:channelProperty channel="F" name="resolution" value="0" units="1/dev"/>
+        </inkml:channelProperties>
+      </inkml:inkSource>
+      <inkml:timestamp xml:id="ts0" timeString="2021-02-01T23:43:45.121"/>
+    </inkml:context>
+    <inkml:brush xml:id="br0">
+      <inkml:brushProperty name="width" value="0.1" units="cm"/>
+      <inkml:brushProperty name="height" value="0.1" units="cm"/>
+      <inkml:brushProperty name="color" value="#E71224"/>
+    </inkml:brush>
+  </inkml:definitions>
+  <inkml:trace contextRef="#ctx0" brushRef="#br0">9 1 24575,'0'82'0,"0"-1"0,0 1 0,0 6 0,0 1 0,0 4 0,0-3 0,0 4 0,0 1 0,0-4-2255,0-13 1,0-4-1,0 1 0,0 4 2255,0-1 0,0 5 0,0 0 0,0 0 0,0-6 0,0 27 0,0-6 0,0-3 517,0-16 0,0-4 0,0 4-517,0 20 0,0 4 0,0-12 0,-8-17 0,16-7 0,44 3 0,29-3 0,4-15 0,-21-27 0,2-13 0,20-3-273,-21-5 1,12-1 0,11-2 0,8-2 0,6 0 0,5-2 0,2-1 0,0 0 0,-1 0 0,-3-1-1,-7 1 1,-7 0 272,10-2 0,-7 0 0,-5 0 0,-1-1 0,1-1 0,5 1 0,7-1 0,10 0-162,-35 3 1,7 0-1,4 0 1,4 0 0,4-1-1,3 0 1,2 1-1,3-1 1,1 0 0,0 0-1,1 0 1,-1 0 0,0 1-1,-3-1 1,-1 1-1,-3 0 1,-3 0 0,-4 0-1,-5 0 1,-4 1 161,22-1 0,-7 0 0,-5 0 0,-4 1 0,-2 0 0,-1 0 0,1 0 0,2 0 0,4 0 0,6 0-50,-6 1 1,5-1-1,5 1 1,4 0 0,1 0-1,2 0 1,0 0 0,-2 0-1,-2 0 1,-4 0 0,-4 0-1,-7 1 1,-6-1 0,-9 1 49,26 0 0,-14 1 0,-8-1 0,0-1 0,7-2-181,11-5 0,10-1 0,2-3 0,-5-1 0,-14 0 0,-21 0 181,-17-2 0,-7-3 738,24-8 1,9-4 0,-22 5-739,-32 5 861,-3-7 0,-16 24 1,-1-1-1</inkml:trace>
+</inkml:ink>
+</file>
+
+<file path=ppt/ink/ink14.xml><?xml version="1.0" encoding="utf-8"?>
+<inkml:ink xmlns:inkml="http://www.w3.org/2003/InkML">
+  <inkml:definitions>
+    <inkml:context xml:id="ctx0">
+      <inkml:inkSource xml:id="inkSrc0">
+        <inkml:traceFormat>
+          <inkml:channel name="X" type="integer" min="-2.14748E9" max="2.14748E9" units="cm"/>
+          <inkml:channel name="Y" type="integer" min="-2.14748E9" max="2.14748E9" units="cm"/>
+          <inkml:channel name="F" type="integer" max="32767" units="dev"/>
+        </inkml:traceFormat>
+        <inkml:channelProperties>
+          <inkml:channelProperty channel="X" name="resolution" value="1000" units="1/cm"/>
+          <inkml:channelProperty channel="Y" name="resolution" value="1000" units="1/cm"/>
+          <inkml:channelProperty channel="F" name="resolution" value="0" units="1/dev"/>
+        </inkml:channelProperties>
+      </inkml:inkSource>
+      <inkml:timestamp xml:id="ts0" timeString="2021-02-01T23:43:46.383"/>
+    </inkml:context>
+    <inkml:brush xml:id="br0">
+      <inkml:brushProperty name="width" value="0.1" units="cm"/>
+      <inkml:brushProperty name="height" value="0.1" units="cm"/>
+      <inkml:brushProperty name="color" value="#E71224"/>
+    </inkml:brush>
+  </inkml:definitions>
+  <inkml:trace contextRef="#ctx0" brushRef="#br0">51 0 24575,'28'0'0,"2"0"0,11 0 0,-6 0 0,17 0 0,-20 45 0,-4 0 0,-18 48 0,-26-27 0,-14 19 0,-6 6 0,2-4 0,9-16 0,7-5 0,0 0 0,-17 24 0,-14 22 0,10-13 0,33-49 0,50-71 0,14-21 0,14 0 0,-14 4 0,7-1 0,8 8 0,-9 7 0,-24 8 0,9-1 0,-1 1 0</inkml:trace>
+</inkml:ink>
+</file>
+
+<file path=ppt/ink/ink15.xml><?xml version="1.0" encoding="utf-8"?>
+<inkml:ink xmlns:inkml="http://www.w3.org/2003/InkML">
+  <inkml:definitions>
+    <inkml:context xml:id="ctx0">
+      <inkml:inkSource xml:id="inkSrc0">
+        <inkml:traceFormat>
+          <inkml:channel name="X" type="integer" min="-2.14748E9" max="2.14748E9" units="cm"/>
+          <inkml:channel name="Y" type="integer" min="-2.14748E9" max="2.14748E9" units="cm"/>
+          <inkml:channel name="F" type="integer" max="32767" units="dev"/>
+        </inkml:traceFormat>
+        <inkml:channelProperties>
+          <inkml:channelProperty channel="X" name="resolution" value="1000" units="1/cm"/>
+          <inkml:channelProperty channel="Y" name="resolution" value="1000" units="1/cm"/>
+          <inkml:channelProperty channel="F" name="resolution" value="0" units="1/dev"/>
+        </inkml:channelProperties>
+      </inkml:inkSource>
+      <inkml:timestamp xml:id="ts0" timeString="2021-02-01T23:43:47.449"/>
+    </inkml:context>
+    <inkml:brush xml:id="br0">
+      <inkml:brushProperty name="width" value="0.1" units="cm"/>
+      <inkml:brushProperty name="height" value="0.1" units="cm"/>
+      <inkml:brushProperty name="color" value="#E71224"/>
+    </inkml:brush>
+  </inkml:definitions>
+  <inkml:trace contextRef="#ctx0" brushRef="#br0">0 1 24575,'0'5'0,"0"8"0,0 19 0,0 24 0,0-16 0,0 12 0,0-26 0,0-13 0,0-5 0</inkml:trace>
+</inkml:ink>
+</file>
+
+<file path=ppt/ink/ink16.xml><?xml version="1.0" encoding="utf-8"?>
+<inkml:ink xmlns:inkml="http://www.w3.org/2003/InkML">
+  <inkml:definitions>
+    <inkml:context xml:id="ctx0">
+      <inkml:inkSource xml:id="inkSrc0">
+        <inkml:traceFormat>
+          <inkml:channel name="X" type="integer" min="-2.14748E9" max="2.14748E9" units="cm"/>
+          <inkml:channel name="Y" type="integer" min="-2.14748E9" max="2.14748E9" units="cm"/>
+          <inkml:channel name="F" type="integer" max="32767" units="dev"/>
+        </inkml:traceFormat>
+        <inkml:channelProperties>
+          <inkml:channelProperty channel="X" name="resolution" value="1000" units="1/cm"/>
+          <inkml:channelProperty channel="Y" name="resolution" value="1000" units="1/cm"/>
+          <inkml:channelProperty channel="F" name="resolution" value="0" units="1/dev"/>
+        </inkml:channelProperties>
+      </inkml:inkSource>
+      <inkml:timestamp xml:id="ts0" timeString="2021-02-01T23:43:48.881"/>
+    </inkml:context>
+    <inkml:brush xml:id="br0">
+      <inkml:brushProperty name="width" value="0.1" units="cm"/>
+      <inkml:brushProperty name="height" value="0.1" units="cm"/>
+      <inkml:brushProperty name="color" value="#E71224"/>
+    </inkml:brush>
+  </inkml:definitions>
+  <inkml:trace contextRef="#ctx0" brushRef="#br0">0 1 24575,'0'46'0,"0"18"0,0 2 0,0 12 0,0-12 0,0 11 0,0-35 0,0 14 0,0-10 0,0-28 0,0 17 0,0-26 0,0 11 0,0-4 0,0-7 0,0 2 0</inkml:trace>
+</inkml:ink>
+</file>
+
+<file path=ppt/ink/ink17.xml><?xml version="1.0" encoding="utf-8"?>
+<inkml:ink xmlns:inkml="http://www.w3.org/2003/InkML">
+  <inkml:definitions>
+    <inkml:context xml:id="ctx0">
+      <inkml:inkSource xml:id="inkSrc0">
+        <inkml:traceFormat>
+          <inkml:channel name="X" type="integer" min="-2.14748E9" max="2.14748E9" units="cm"/>
+          <inkml:channel name="Y" type="integer" min="-2.14748E9" max="2.14748E9" units="cm"/>
+          <inkml:channel name="F" type="integer" max="32767" units="dev"/>
+        </inkml:traceFormat>
+        <inkml:channelProperties>
+          <inkml:channelProperty channel="X" name="resolution" value="1000" units="1/cm"/>
+          <inkml:channelProperty channel="Y" name="resolution" value="1000" units="1/cm"/>
+          <inkml:channelProperty channel="F" name="resolution" value="0" units="1/dev"/>
+        </inkml:channelProperties>
+      </inkml:inkSource>
+      <inkml:timestamp xml:id="ts0" timeString="2021-02-01T23:43:50.508"/>
+    </inkml:context>
+    <inkml:brush xml:id="br0">
+      <inkml:brushProperty name="width" value="0.1" units="cm"/>
+      <inkml:brushProperty name="height" value="0.1" units="cm"/>
+      <inkml:brushProperty name="color" value="#E71224"/>
+    </inkml:brush>
+  </inkml:definitions>
+  <inkml:trace contextRef="#ctx0" brushRef="#br0">66 0 24575,'0'27'0,"0"17"0,0 8 0,0 6 0,0 36 0,0-28 0,0 0 0,0 26 0,0-14 0,0-9 0,0-27 0,18 11 0,7-31 0,25 8 0,13-26 0,-1-4 0,1 0 0,5 0 0,-23 0 0,26-7 0,-42-1 0,18-32 0,-33 15 0,8-46 0,-17 37 0,2-34 0,-13 39 0,-34-17 0,9 32 0,-19 3 0,-4 4 0,-4 3 0,-13 9 0,-1 3 0,6 4 0,6 0 0,4 2 0,20 0 0,-9 0 0,40-10 0,0-1 0,8-3 0</inkml:trace>
+</inkml:ink>
+</file>
+
+<file path=ppt/ink/ink18.xml><?xml version="1.0" encoding="utf-8"?>
+<inkml:ink xmlns:inkml="http://www.w3.org/2003/InkML">
+  <inkml:definitions>
+    <inkml:context xml:id="ctx0">
+      <inkml:inkSource xml:id="inkSrc0">
+        <inkml:traceFormat>
+          <inkml:channel name="X" type="integer" min="-2.14748E9" max="2.14748E9" units="cm"/>
+          <inkml:channel name="Y" type="integer" min="-2.14748E9" max="2.14748E9" units="cm"/>
+          <inkml:channel name="F" type="integer" max="32767" units="dev"/>
+        </inkml:traceFormat>
+        <inkml:channelProperties>
+          <inkml:channelProperty channel="X" name="resolution" value="1000" units="1/cm"/>
+          <inkml:channelProperty channel="Y" name="resolution" value="1000" units="1/cm"/>
+          <inkml:channelProperty channel="F" name="resolution" value="0" units="1/dev"/>
+        </inkml:channelProperties>
+      </inkml:inkSource>
+      <inkml:timestamp xml:id="ts0" timeString="2021-02-01T23:43:51.734"/>
+    </inkml:context>
+    <inkml:brush xml:id="br0">
+      <inkml:brushProperty name="width" value="0.1" units="cm"/>
+      <inkml:brushProperty name="height" value="0.1" units="cm"/>
+      <inkml:brushProperty name="color" value="#E71224"/>
+    </inkml:brush>
+  </inkml:definitions>
+  <inkml:trace contextRef="#ctx0" brushRef="#br0">1 445 24575,'74'-25'0,"4"-5"0,-14 5 0,3 0 0,-6 4 0,1 0-439,20-8 0,6-1 439,-18 10 0,2 0 0,-2 2-848,8-2 0,-1 2 848,11-2 0,-1 1 0,-2 4 0,-8 2 0,5 0 63,-3 0 0,-4 1-63,-24 0 0,16 5 0,-65-1 0,6 6 0,-11-7 0</inkml:trace>
+</inkml:ink>
+</file>
+
+<file path=ppt/ink/ink19.xml><?xml version="1.0" encoding="utf-8"?>
+<inkml:ink xmlns:inkml="http://www.w3.org/2003/InkML">
+  <inkml:definitions>
+    <inkml:context xml:id="ctx0">
+      <inkml:inkSource xml:id="inkSrc0">
+        <inkml:traceFormat>
+          <inkml:channel name="X" type="integer" min="-2.14748E9" max="2.14748E9" units="cm"/>
+          <inkml:channel name="Y" type="integer" min="-2.14748E9" max="2.14748E9" units="cm"/>
+          <inkml:channel name="F" type="integer" max="32767" units="dev"/>
+        </inkml:traceFormat>
+        <inkml:channelProperties>
+          <inkml:channelProperty channel="X" name="resolution" value="1000" units="1/cm"/>
+          <inkml:channelProperty channel="Y" name="resolution" value="1000" units="1/cm"/>
+          <inkml:channelProperty channel="F" name="resolution" value="0" units="1/dev"/>
+        </inkml:channelProperties>
+      </inkml:inkSource>
+      <inkml:timestamp xml:id="ts0" timeString="2021-02-01T23:43:53.190"/>
+    </inkml:context>
+    <inkml:brush xml:id="br0">
+      <inkml:brushProperty name="width" value="0.1" units="cm"/>
+      <inkml:brushProperty name="height" value="0.1" units="cm"/>
+      <inkml:brushProperty name="color" value="#E71224"/>
+    </inkml:brush>
+  </inkml:definitions>
+  <inkml:trace contextRef="#ctx0" brushRef="#br0">409 223 24575,'-14'26'0,"4"-2"0,10-17 0,0 5 0,0-5 0,0-3 0,7-24 0,-6-10 0,6-12 0,-7 1 0,0 1 0,0 13 0,0-2 0,0 15 0,0 3 0,-10-1 0,-8 3 0,-12 2 0,-55-4 0,37 9 0,-37-6 0,38 8 0,19 0 0,-7 0 0,27 9 0,2 44 0,11-5 0,4 17 0,4 1 0,5 0 0,8 9 0,3-3 0,-1-23 0,15 8 0,4-6 0,-7-26 0,22 6 0,2-3 0,-11-14 0,9 1 0,0-1 0,-14-8 0,44 2 0,-58-15 0,23-26 0,-35 3 0,1-57 0,-14 38 0,-11-2 0,-4 0 0,-8 7 0,-17 1 0,-6 3 0,-3 13 0,-38-14 0,37 32 0,0 1 0,-5 7 0,-25-2 0,1 3 0,10 0 0,24 0 0</inkml:trace>
+</inkml:ink>
+</file>
+
+<file path=ppt/ink/ink2.xml><?xml version="1.0" encoding="utf-8"?>
+<inkml:ink xmlns:inkml="http://www.w3.org/2003/InkML">
+  <inkml:definitions>
+    <inkml:context xml:id="ctx0">
+      <inkml:inkSource xml:id="inkSrc0">
+        <inkml:traceFormat>
+          <inkml:channel name="X" type="integer" min="-2.14748E9" max="2.14748E9" units="cm"/>
+          <inkml:channel name="Y" type="integer" min="-2.14748E9" max="2.14748E9" units="cm"/>
+          <inkml:channel name="F" type="integer" max="32767" units="dev"/>
+        </inkml:traceFormat>
+        <inkml:channelProperties>
+          <inkml:channelProperty channel="X" name="resolution" value="1000" units="1/cm"/>
+          <inkml:channelProperty channel="Y" name="resolution" value="1000" units="1/cm"/>
+          <inkml:channelProperty channel="F" name="resolution" value="0" units="1/dev"/>
+        </inkml:channelProperties>
+      </inkml:inkSource>
+      <inkml:timestamp xml:id="ts0" timeString="2021-02-01T23:42:58.625"/>
+    </inkml:context>
+    <inkml:brush xml:id="br0">
+      <inkml:brushProperty name="width" value="0.1" units="cm"/>
+      <inkml:brushProperty name="height" value="0.1" units="cm"/>
+      <inkml:brushProperty name="color" value="#E71224"/>
+    </inkml:brush>
+  </inkml:definitions>
+  <inkml:trace contextRef="#ctx0" brushRef="#br0">1 20 24575,'40'-2'0,"-5"-5"0,-34 2 0,2-1 0</inkml:trace>
+</inkml:ink>
+</file>
+
+<file path=ppt/ink/ink20.xml><?xml version="1.0" encoding="utf-8"?>
+<inkml:ink xmlns:inkml="http://www.w3.org/2003/InkML">
+  <inkml:definitions>
+    <inkml:context xml:id="ctx0">
+      <inkml:inkSource xml:id="inkSrc0">
+        <inkml:traceFormat>
+          <inkml:channel name="X" type="integer" min="-2.14748E9" max="2.14748E9" units="cm"/>
+          <inkml:channel name="Y" type="integer" min="-2.14748E9" max="2.14748E9" units="cm"/>
+          <inkml:channel name="F" type="integer" max="32767" units="dev"/>
+        </inkml:traceFormat>
+        <inkml:channelProperties>
+          <inkml:channelProperty channel="X" name="resolution" value="1000" units="1/cm"/>
+          <inkml:channelProperty channel="Y" name="resolution" value="1000" units="1/cm"/>
+          <inkml:channelProperty channel="F" name="resolution" value="0" units="1/dev"/>
+        </inkml:channelProperties>
+      </inkml:inkSource>
+      <inkml:timestamp xml:id="ts0" timeString="2021-02-01T23:43:54.678"/>
+    </inkml:context>
+    <inkml:brush xml:id="br0">
+      <inkml:brushProperty name="width" value="0.1" units="cm"/>
+      <inkml:brushProperty name="height" value="0.1" units="cm"/>
+      <inkml:brushProperty name="color" value="#E71224"/>
+    </inkml:brush>
+  </inkml:definitions>
+  <inkml:trace contextRef="#ctx0" brushRef="#br0">1 0 24575,'1'74'0,"0"0"0,3 24 0,2-23 0,3 12 0,2-1-1773,-1-9 0,2 0 0,1-5 1773,8 13 0,0-2 0,-5 9 0,1-2 97,6-9 0,-1-8-97,-2 9 573,0-22 0,2-1-573,14 11 0,4-23 0,18-19 0,7-6 0,21-1 0,-4-13 0,18-4 0,-9-2 0,-18-2 0,3 0 0,11 1 0,16 0 0,1-1 0,-13-2 1120,2-4 1,5-7-1121,-19-2 0,16-6 0,8-3 0,0-3 0,-5 0 0,-15 1-104,7-8 1,-13 0 0,12-9 103,-22 10 0,10-5 0,6-5 0,3-1 0,0-2 0,-4 2 0,-6 2 0,-10 5 0,23-18 0,-13 4 0,11-4 0,-18 14 0,10-5 0,5-3 0,2 0 0,-1 2 0,-5 5 0,-10 7 0,20-6 0,-11 10 0,13 1 0,-10 6 0,13 0 0,6-1 0,-1 3 0,-8 3 0,-15 5 0,18 3 0,-4 7 0,-3 1 0,15 1 0,-6 1 0,-23 0 0,1 1 0,-3 3 0,-8 1 0,-35-3 0,-2 9 0,-29-9 107,-7 2 1,2-3-1,-4 0 1</inkml:trace>
+</inkml:ink>
+</file>
+
+<file path=ppt/ink/ink21.xml><?xml version="1.0" encoding="utf-8"?>
+<inkml:ink xmlns:inkml="http://www.w3.org/2003/InkML">
+  <inkml:definitions>
+    <inkml:context xml:id="ctx0">
+      <inkml:inkSource xml:id="inkSrc0">
+        <inkml:traceFormat>
+          <inkml:channel name="X" type="integer" min="-2.14748E9" max="2.14748E9" units="cm"/>
+          <inkml:channel name="Y" type="integer" min="-2.14748E9" max="2.14748E9" units="cm"/>
+          <inkml:channel name="F" type="integer" max="32767" units="dev"/>
+        </inkml:traceFormat>
+        <inkml:channelProperties>
+          <inkml:channelProperty channel="X" name="resolution" value="1000" units="1/cm"/>
+          <inkml:channelProperty channel="Y" name="resolution" value="1000" units="1/cm"/>
+          <inkml:channelProperty channel="F" name="resolution" value="0" units="1/dev"/>
+        </inkml:channelProperties>
+      </inkml:inkSource>
+      <inkml:timestamp xml:id="ts0" timeString="2021-02-01T23:43:55.817"/>
+    </inkml:context>
+    <inkml:brush xml:id="br0">
+      <inkml:brushProperty name="width" value="0.1" units="cm"/>
+      <inkml:brushProperty name="height" value="0.1" units="cm"/>
+      <inkml:brushProperty name="color" value="#E71224"/>
+    </inkml:brush>
+  </inkml:definitions>
+  <inkml:trace contextRef="#ctx0" brushRef="#br0">62 16 24575,'69'-8'0,"-22"5"0,28-2 0,-27 5 0,-34 55 0,-15 41 0,-7 10 0,3-22 0,2-24 0,-2 1-213,0 11 0,-2 18 0,-2 5 0,-3-5 0,-5-19 213,-18-3 0,-3-12 0,6 6 0,2-2 0,0-7 0,2-5 261,-6 10-261,19-30 0,20-17 0,28-29 0,19-12 0,4-3 0,10-7 0,-5 7 0,-4 5 0,-29 19 201,7 2 0,-27 7 0,-2 0 0</inkml:trace>
+</inkml:ink>
+</file>
+
+<file path=ppt/ink/ink22.xml><?xml version="1.0" encoding="utf-8"?>
+<inkml:ink xmlns:inkml="http://www.w3.org/2003/InkML">
+  <inkml:definitions>
+    <inkml:context xml:id="ctx0">
+      <inkml:inkSource xml:id="inkSrc0">
+        <inkml:traceFormat>
+          <inkml:channel name="X" type="integer" min="-2.14748E9" max="2.14748E9" units="cm"/>
+          <inkml:channel name="Y" type="integer" min="-2.14748E9" max="2.14748E9" units="cm"/>
+          <inkml:channel name="F" type="integer" max="32767" units="dev"/>
+        </inkml:traceFormat>
+        <inkml:channelProperties>
+          <inkml:channelProperty channel="X" name="resolution" value="1000" units="1/cm"/>
+          <inkml:channelProperty channel="Y" name="resolution" value="1000" units="1/cm"/>
+          <inkml:channelProperty channel="F" name="resolution" value="0" units="1/dev"/>
+        </inkml:channelProperties>
+      </inkml:inkSource>
+      <inkml:timestamp xml:id="ts0" timeString="2021-02-01T23:43:57.046"/>
+    </inkml:context>
+    <inkml:brush xml:id="br0">
+      <inkml:brushProperty name="width" value="0.1" units="cm"/>
+      <inkml:brushProperty name="height" value="0.1" units="cm"/>
+      <inkml:brushProperty name="color" value="#E71224"/>
+    </inkml:brush>
+  </inkml:definitions>
+  <inkml:trace contextRef="#ctx0" brushRef="#br0">101 123 24575,'-17'0'0,"-3"0"0,0 0 0,-4 0 0,15 5 0,-2 33 0,11-8 0,0 25 0,0-5 0,0-17 0,0 21 0,7-28 0,16 5 0,34-14 0,17-8 0,17-2 0,4-2 0,-5 2 0,0-1 0,15-5 0,-17-2 0,-42 1 0,13 28 0,-51-6 0,-27 33 0,-14 7 0,-19 12 0,-10-19 0,-18 6 0,7-11 0,21-14 0,-4-11 0,-19-11 0,-10-10 0,19-17 0,9-65 0,27-2 0,5-18 0,7 10 0,11 23 0,8-1 0,8-28 0,7-10 0,1 22 0,6 21 0,7 0 0,1 7 0,-12 33 0,4 5 0,-19 16 0,2 0 0</inkml:trace>
+</inkml:ink>
+</file>
+
+<file path=ppt/ink/ink23.xml><?xml version="1.0" encoding="utf-8"?>
+<inkml:ink xmlns:inkml="http://www.w3.org/2003/InkML">
+  <inkml:definitions>
+    <inkml:context xml:id="ctx0">
+      <inkml:inkSource xml:id="inkSrc0">
+        <inkml:traceFormat>
+          <inkml:channel name="X" type="integer" min="-2.14748E9" max="2.14748E9" units="cm"/>
+          <inkml:channel name="Y" type="integer" min="-2.14748E9" max="2.14748E9" units="cm"/>
+          <inkml:channel name="F" type="integer" max="32767" units="dev"/>
+        </inkml:traceFormat>
+        <inkml:channelProperties>
+          <inkml:channelProperty channel="X" name="resolution" value="1000" units="1/cm"/>
+          <inkml:channelProperty channel="Y" name="resolution" value="1000" units="1/cm"/>
+          <inkml:channelProperty channel="F" name="resolution" value="0" units="1/dev"/>
+        </inkml:channelProperties>
+      </inkml:inkSource>
+      <inkml:timestamp xml:id="ts0" timeString="2021-02-01T23:43:57.756"/>
+    </inkml:context>
+    <inkml:brush xml:id="br0">
+      <inkml:brushProperty name="width" value="0.1" units="cm"/>
+      <inkml:brushProperty name="height" value="0.1" units="cm"/>
+      <inkml:brushProperty name="color" value="#E71224"/>
+    </inkml:brush>
+  </inkml:definitions>
+  <inkml:trace contextRef="#ctx0" brushRef="#br0">1 81 24575,'44'-18'0,"13"-5"0,-19 5 0,-2 4 0,-17 6 0,-16 8 0,0 0 0</inkml:trace>
+</inkml:ink>
+</file>
+
+<file path=ppt/ink/ink24.xml><?xml version="1.0" encoding="utf-8"?>
+<inkml:ink xmlns:inkml="http://www.w3.org/2003/InkML">
+  <inkml:definitions>
+    <inkml:context xml:id="ctx0">
+      <inkml:inkSource xml:id="inkSrc0">
+        <inkml:traceFormat>
+          <inkml:channel name="X" type="integer" min="-2.14748E9" max="2.14748E9" units="cm"/>
+          <inkml:channel name="Y" type="integer" min="-2.14748E9" max="2.14748E9" units="cm"/>
+          <inkml:channel name="F" type="integer" max="32767" units="dev"/>
+        </inkml:traceFormat>
+        <inkml:channelProperties>
+          <inkml:channelProperty channel="X" name="resolution" value="1000" units="1/cm"/>
+          <inkml:channelProperty channel="Y" name="resolution" value="1000" units="1/cm"/>
+          <inkml:channelProperty channel="F" name="resolution" value="0" units="1/dev"/>
+        </inkml:channelProperties>
+      </inkml:inkSource>
+      <inkml:timestamp xml:id="ts0" timeString="2021-02-01T23:43:59.040"/>
+    </inkml:context>
+    <inkml:brush xml:id="br0">
+      <inkml:brushProperty name="width" value="0.1" units="cm"/>
+      <inkml:brushProperty name="height" value="0.1" units="cm"/>
+      <inkml:brushProperty name="color" value="#E71224"/>
+    </inkml:brush>
+  </inkml:definitions>
+  <inkml:trace contextRef="#ctx0" brushRef="#br0">229 390 24575,'-16'3'0,"2"14"0,14-4 0,0 10 0,0-12 0,5-4 0,24-5 0,-2-2 0,14 0 0,-2 0 0,-12 0 0,7-3 0,15-27 0,-26 8 0,17-16 0,-35 0 0,-2 15 0,-3-16 0,-4 0 0,-4 7 0,-20-30 0,8 28 0,-33-21 0,28 36 0,-18-5 0,19 20 0,-42 0 0,31 4 0,-36 0 0,53 0 0,-5 3 0,16 1 0,-35 86 0,27-63 0,-20 63 0,32-84 0,3 0 0,0 1 0,0-1 0,0-2 0,0-2 0</inkml:trace>
+</inkml:ink>
+</file>
+
+<file path=ppt/ink/ink25.xml><?xml version="1.0" encoding="utf-8"?>
+<inkml:ink xmlns:inkml="http://www.w3.org/2003/InkML">
+  <inkml:definitions>
+    <inkml:context xml:id="ctx0">
+      <inkml:inkSource xml:id="inkSrc0">
+        <inkml:traceFormat>
+          <inkml:channel name="X" type="integer" min="-2.14748E9" max="2.14748E9" units="cm"/>
+          <inkml:channel name="Y" type="integer" min="-2.14748E9" max="2.14748E9" units="cm"/>
+          <inkml:channel name="F" type="integer" max="32767" units="dev"/>
+        </inkml:traceFormat>
+        <inkml:channelProperties>
+          <inkml:channelProperty channel="X" name="resolution" value="1000" units="1/cm"/>
+          <inkml:channelProperty channel="Y" name="resolution" value="1000" units="1/cm"/>
+          <inkml:channelProperty channel="F" name="resolution" value="0" units="1/dev"/>
+        </inkml:channelProperties>
+      </inkml:inkSource>
+      <inkml:timestamp xml:id="ts0" timeString="2021-02-01T23:44:00.689"/>
+    </inkml:context>
+    <inkml:brush xml:id="br0">
+      <inkml:brushProperty name="width" value="0.1" units="cm"/>
+      <inkml:brushProperty name="height" value="0.1" units="cm"/>
+      <inkml:brushProperty name="color" value="#E71224"/>
+    </inkml:brush>
+  </inkml:definitions>
+  <inkml:trace contextRef="#ctx0" brushRef="#br0">1 117 24575,'0'50'0,"0"44"0,0-24 0,0 2 0,0-13 0,0 1 0,4 32 0,5 3 0,2-9 0,4-3-1734,2-7 1,1 2 1733,-1 14 0,4-1 0,9-10 0,1-5 0,-15-19 0,5-1 0,20 11 0,13 4 0,-4-8 0,-12-16 0,7-4 0,15-3 0,17 1 0,3-2 0,-9-7 0,8 1 0,6-7 0,-11-10 0,15-1 0,5-1 0,-3-1 0,-13-2 0,20 5 0,2-10 0,-22-15 0,13-8 0,8-6 0,0-3 0,-7-1 0,-14 1 0,4-6 0,-13-2 0,6-8-306,0 1 1,8-7 0,2-4 0,-3-2 0,-9 0 305,-11-1 0,-7 0 0,-2-3 0,7-5 0,-5 7 0,5-6 0,3-3 0,1-1 0,0 0 0,-3 4 0,-5 4 0,12-12 0,-6 6 0,1 1 0,7-4 0,-1 2 0,8-6 0,3-2 0,-1 3 0,-7 8 0,-12 13 0,8 0 0,-4 10-9,2 4 0,4 0 0,-9 6 9,13-5 0,14 2 0,-60 23 375,3 3 1,-16 5-1,3-2 1</inkml:trace>
+</inkml:ink>
+</file>
+
+<file path=ppt/ink/ink26.xml><?xml version="1.0" encoding="utf-8"?>
+<inkml:ink xmlns:inkml="http://www.w3.org/2003/InkML">
+  <inkml:definitions>
+    <inkml:context xml:id="ctx0">
+      <inkml:inkSource xml:id="inkSrc0">
+        <inkml:traceFormat>
+          <inkml:channel name="X" type="integer" min="-2.14748E9" max="2.14748E9" units="cm"/>
+          <inkml:channel name="Y" type="integer" min="-2.14748E9" max="2.14748E9" units="cm"/>
+          <inkml:channel name="F" type="integer" max="32767" units="dev"/>
+        </inkml:traceFormat>
+        <inkml:channelProperties>
+          <inkml:channelProperty channel="X" name="resolution" value="1000" units="1/cm"/>
+          <inkml:channelProperty channel="Y" name="resolution" value="1000" units="1/cm"/>
+          <inkml:channelProperty channel="F" name="resolution" value="0" units="1/dev"/>
+        </inkml:channelProperties>
+      </inkml:inkSource>
+      <inkml:timestamp xml:id="ts0" timeString="2021-02-01T23:44:01.808"/>
+    </inkml:context>
+    <inkml:brush xml:id="br0">
+      <inkml:brushProperty name="width" value="0.1" units="cm"/>
+      <inkml:brushProperty name="height" value="0.1" units="cm"/>
+      <inkml:brushProperty name="color" value="#E71224"/>
+    </inkml:brush>
+  </inkml:definitions>
+  <inkml:trace contextRef="#ctx0" brushRef="#br0">1 1 24575,'22'3'0,"10"0"0,-13-3 0,3 6 0,-20 32 0,-2 3 0,0 29 0,0-14 0,0 2 0,0 29 0,-5-1 0,-3-1 0,0 2 0,-4-20 0,-2-6 0,7-21 0,-4 4 0,31-61 0,37-44 0,10-14 0,-26 31 0,0-3 0,17-20 0,6-9 0,-11 14 0,-2 2 0,7-6 0,-49 59 0,0 4 0</inkml:trace>
+</inkml:ink>
+</file>
+
+<file path=ppt/ink/ink27.xml><?xml version="1.0" encoding="utf-8"?>
+<inkml:ink xmlns:inkml="http://www.w3.org/2003/InkML">
+  <inkml:definitions>
+    <inkml:context xml:id="ctx0">
+      <inkml:inkSource xml:id="inkSrc0">
+        <inkml:traceFormat>
+          <inkml:channel name="X" type="integer" min="-2.14748E9" max="2.14748E9" units="cm"/>
+          <inkml:channel name="Y" type="integer" min="-2.14748E9" max="2.14748E9" units="cm"/>
+          <inkml:channel name="F" type="integer" max="32767" units="dev"/>
+        </inkml:traceFormat>
+        <inkml:channelProperties>
+          <inkml:channelProperty channel="X" name="resolution" value="1000" units="1/cm"/>
+          <inkml:channelProperty channel="Y" name="resolution" value="1000" units="1/cm"/>
+          <inkml:channelProperty channel="F" name="resolution" value="0" units="1/dev"/>
+        </inkml:channelProperties>
+      </inkml:inkSource>
+      <inkml:timestamp xml:id="ts0" timeString="2021-02-01T23:44:02.818"/>
+    </inkml:context>
+    <inkml:brush xml:id="br0">
+      <inkml:brushProperty name="width" value="0.1" units="cm"/>
+      <inkml:brushProperty name="height" value="0.1" units="cm"/>
+      <inkml:brushProperty name="color" value="#E71224"/>
+    </inkml:brush>
+  </inkml:definitions>
+  <inkml:trace contextRef="#ctx0" brushRef="#br0">0 175 24575,'0'26'0,"0"-3"0,0-2 0,0-5 0,0 1 0,3-10 0,23-4 0,4-3 0,21-12 0,8-11 0,-14-11 0,16-14 0,-27 15 0,4-6 0,-4-5 0,-15 25 0,4-13 0,-19 31 0,-1-2 0</inkml:trace>
+</inkml:ink>
+</file>
+
+<file path=ppt/ink/ink28.xml><?xml version="1.0" encoding="utf-8"?>
+<inkml:ink xmlns:inkml="http://www.w3.org/2003/InkML">
+  <inkml:definitions>
+    <inkml:context xml:id="ctx0">
+      <inkml:inkSource xml:id="inkSrc0">
+        <inkml:traceFormat>
+          <inkml:channel name="X" type="integer" min="-2.14748E9" max="2.14748E9" units="cm"/>
+          <inkml:channel name="Y" type="integer" min="-2.14748E9" max="2.14748E9" units="cm"/>
+          <inkml:channel name="F" type="integer" max="32767" units="dev"/>
+        </inkml:traceFormat>
+        <inkml:channelProperties>
+          <inkml:channelProperty channel="X" name="resolution" value="1000" units="1/cm"/>
+          <inkml:channelProperty channel="Y" name="resolution" value="1000" units="1/cm"/>
+          <inkml:channelProperty channel="F" name="resolution" value="0" units="1/dev"/>
+        </inkml:channelProperties>
+      </inkml:inkSource>
+      <inkml:timestamp xml:id="ts0" timeString="2021-02-01T23:44:03.225"/>
+    </inkml:context>
+    <inkml:brush xml:id="br0">
+      <inkml:brushProperty name="width" value="0.1" units="cm"/>
+      <inkml:brushProperty name="height" value="0.1" units="cm"/>
+      <inkml:brushProperty name="color" value="#E71224"/>
+    </inkml:brush>
+  </inkml:definitions>
+  <inkml:trace contextRef="#ctx0" brushRef="#br0">1 0 24575,'0'15'0,"0"-5"0,0 0 0,0-7 0</inkml:trace>
+</inkml:ink>
+</file>
+
+<file path=ppt/ink/ink29.xml><?xml version="1.0" encoding="utf-8"?>
+<inkml:ink xmlns:inkml="http://www.w3.org/2003/InkML">
+  <inkml:definitions>
+    <inkml:context xml:id="ctx0">
+      <inkml:inkSource xml:id="inkSrc0">
+        <inkml:traceFormat>
+          <inkml:channel name="X" type="integer" min="-2.14748E9" max="2.14748E9" units="cm"/>
+          <inkml:channel name="Y" type="integer" min="-2.14748E9" max="2.14748E9" units="cm"/>
+          <inkml:channel name="F" type="integer" max="32767" units="dev"/>
+        </inkml:traceFormat>
+        <inkml:channelProperties>
+          <inkml:channelProperty channel="X" name="resolution" value="1000" units="1/cm"/>
+          <inkml:channelProperty channel="Y" name="resolution" value="1000" units="1/cm"/>
+          <inkml:channelProperty channel="F" name="resolution" value="0" units="1/dev"/>
+        </inkml:channelProperties>
+      </inkml:inkSource>
+      <inkml:timestamp xml:id="ts0" timeString="2021-02-01T23:44:05.006"/>
+    </inkml:context>
+    <inkml:brush xml:id="br0">
+      <inkml:brushProperty name="width" value="0.1" units="cm"/>
+      <inkml:brushProperty name="height" value="0.1" units="cm"/>
+      <inkml:brushProperty name="color" value="#E71224"/>
+    </inkml:brush>
+  </inkml:definitions>
+  <inkml:trace contextRef="#ctx0" brushRef="#br0">1 0 24575,'3'20'0,"22"22"0,7 5 0,-1 10 0,13 6 0,-1-1 0,-19-15 0,11-2 0,-27-27 0,-1-8 0,-1 1 0,-3-2 0,4 1 0,-1-3 0,10 19 0,-7-13 0,10 17 0,-11-19 0,-1-1 0,-4-7 0</inkml:trace>
+</inkml:ink>
+</file>
+
+<file path=ppt/ink/ink3.xml><?xml version="1.0" encoding="utf-8"?>
+<inkml:ink xmlns:inkml="http://www.w3.org/2003/InkML">
+  <inkml:definitions>
+    <inkml:context xml:id="ctx0">
+      <inkml:inkSource xml:id="inkSrc0">
+        <inkml:traceFormat>
+          <inkml:channel name="X" type="integer" min="-2.14748E9" max="2.14748E9" units="cm"/>
+          <inkml:channel name="Y" type="integer" min="-2.14748E9" max="2.14748E9" units="cm"/>
+          <inkml:channel name="F" type="integer" max="32767" units="dev"/>
+        </inkml:traceFormat>
+        <inkml:channelProperties>
+          <inkml:channelProperty channel="X" name="resolution" value="1000" units="1/cm"/>
+          <inkml:channelProperty channel="Y" name="resolution" value="1000" units="1/cm"/>
+          <inkml:channelProperty channel="F" name="resolution" value="0" units="1/dev"/>
+        </inkml:channelProperties>
+      </inkml:inkSource>
+      <inkml:timestamp xml:id="ts0" timeString="2021-02-01T23:42:59.990"/>
+    </inkml:context>
+    <inkml:brush xml:id="br0">
+      <inkml:brushProperty name="width" value="0.1" units="cm"/>
+      <inkml:brushProperty name="height" value="0.1" units="cm"/>
+      <inkml:brushProperty name="color" value="#E71224"/>
+    </inkml:brush>
+  </inkml:definitions>
+  <inkml:trace contextRef="#ctx0" brushRef="#br0">0 101 24575,'26'0'0,"-2"0"0,7 0 0,-16 0 0,16 0 0,-24 0 0,3 0 0,-4 0 0,0 0 0,0 0 0,0 0 0,1 0 0,24-10 0,-11 3 0,16-7 0,-7 7 0,-16 3 0,11 0 0,-13 4 0,-1 0 0,0-2 0,-7-2 0,3-2 0,-2-1 0,6 0 0,0 4 0,11-7 0,7 5 0,-11-2 0,1 4 0</inkml:trace>
+</inkml:ink>
+</file>
+
+<file path=ppt/ink/ink30.xml><?xml version="1.0" encoding="utf-8"?>
+<inkml:ink xmlns:inkml="http://www.w3.org/2003/InkML">
+  <inkml:definitions>
+    <inkml:context xml:id="ctx0">
+      <inkml:inkSource xml:id="inkSrc0">
+        <inkml:traceFormat>
+          <inkml:channel name="X" type="integer" min="-2.14748E9" max="2.14748E9" units="cm"/>
+          <inkml:channel name="Y" type="integer" min="-2.14748E9" max="2.14748E9" units="cm"/>
+          <inkml:channel name="F" type="integer" max="32767" units="dev"/>
+        </inkml:traceFormat>
+        <inkml:channelProperties>
+          <inkml:channelProperty channel="X" name="resolution" value="1000" units="1/cm"/>
+          <inkml:channelProperty channel="Y" name="resolution" value="1000" units="1/cm"/>
+          <inkml:channelProperty channel="F" name="resolution" value="0" units="1/dev"/>
+        </inkml:channelProperties>
+      </inkml:inkSource>
+      <inkml:timestamp xml:id="ts0" timeString="2021-02-01T23:44:05.737"/>
+    </inkml:context>
+    <inkml:brush xml:id="br0">
+      <inkml:brushProperty name="width" value="0.1" units="cm"/>
+      <inkml:brushProperty name="height" value="0.1" units="cm"/>
+      <inkml:brushProperty name="color" value="#E71224"/>
+    </inkml:brush>
+  </inkml:definitions>
+  <inkml:trace contextRef="#ctx0" brushRef="#br0">0 379 24575,'51'-63'0,"-17"22"0,25-35 0,-40 46 0,31-33 0,-26 20 0,-2 11 0,-3 4 0,-19 26 0,3 2 0</inkml:trace>
+</inkml:ink>
+</file>
+
+<file path=ppt/ink/ink31.xml><?xml version="1.0" encoding="utf-8"?>
+<inkml:ink xmlns:inkml="http://www.w3.org/2003/InkML">
+  <inkml:definitions>
+    <inkml:context xml:id="ctx0">
+      <inkml:inkSource xml:id="inkSrc0">
+        <inkml:traceFormat>
+          <inkml:channel name="X" type="integer" min="-2.14748E9" max="2.14748E9" units="cm"/>
+          <inkml:channel name="Y" type="integer" min="-2.14748E9" max="2.14748E9" units="cm"/>
+          <inkml:channel name="F" type="integer" max="32767" units="dev"/>
+        </inkml:traceFormat>
+        <inkml:channelProperties>
+          <inkml:channelProperty channel="X" name="resolution" value="1000" units="1/cm"/>
+          <inkml:channelProperty channel="Y" name="resolution" value="1000" units="1/cm"/>
+          <inkml:channelProperty channel="F" name="resolution" value="0" units="1/dev"/>
+        </inkml:channelProperties>
+      </inkml:inkSource>
+      <inkml:timestamp xml:id="ts0" timeString="2021-02-01T23:44:07.039"/>
+    </inkml:context>
+    <inkml:brush xml:id="br0">
+      <inkml:brushProperty name="width" value="0.1" units="cm"/>
+      <inkml:brushProperty name="height" value="0.1" units="cm"/>
+      <inkml:brushProperty name="color" value="#E71224"/>
+    </inkml:brush>
+  </inkml:definitions>
+  <inkml:trace contextRef="#ctx0" brushRef="#br0">344 340 24575,'-2'17'0,"25"-4"0,-3-13 0,23 0 0,-7 0 0,-5 0 0,4 0 0,-9-13 0,-6 0 0,-2-12 0,-10 2 0,-5-23 0,-6 17 0,-24-40 0,6 39 0,-35-26 0,31 33 0,-20-5 0,24 20 0,-29 1 0,11 7 0,-50 12 0,40-1 0,-42 18 0,60-15 0,-13 7 0,36-14 0,3 15 0,5-9 0,6 38 0,-1-29 0,12 28 0,-9-33 0,26 17 0,-15-17 0,34 12 0,-25-16 0,2-2 0,-19-8 0</inkml:trace>
+</inkml:ink>
+</file>
+
+<file path=ppt/ink/ink32.xml><?xml version="1.0" encoding="utf-8"?>
+<inkml:ink xmlns:inkml="http://www.w3.org/2003/InkML">
+  <inkml:definitions>
+    <inkml:context xml:id="ctx0">
+      <inkml:inkSource xml:id="inkSrc0">
+        <inkml:traceFormat>
+          <inkml:channel name="X" type="integer" min="-2.14748E9" max="2.14748E9" units="cm"/>
+          <inkml:channel name="Y" type="integer" min="-2.14748E9" max="2.14748E9" units="cm"/>
+          <inkml:channel name="F" type="integer" max="32767" units="dev"/>
+        </inkml:traceFormat>
+        <inkml:channelProperties>
+          <inkml:channelProperty channel="X" name="resolution" value="1000" units="1/cm"/>
+          <inkml:channelProperty channel="Y" name="resolution" value="1000" units="1/cm"/>
+          <inkml:channelProperty channel="F" name="resolution" value="0" units="1/dev"/>
+        </inkml:channelProperties>
+      </inkml:inkSource>
+      <inkml:timestamp xml:id="ts0" timeString="2021-02-01T23:44:08.527"/>
+    </inkml:context>
+    <inkml:brush xml:id="br0">
+      <inkml:brushProperty name="width" value="0.1" units="cm"/>
+      <inkml:brushProperty name="height" value="0.1" units="cm"/>
+      <inkml:brushProperty name="color" value="#E71224"/>
+    </inkml:brush>
+  </inkml:definitions>
+  <inkml:trace contextRef="#ctx0" brushRef="#br0">0 1628 24575,'21'4'0,"10"7"0,18 28 0,-4-7 0,9 12 0,-12-21 0,-10-2 0,8-13 0,10 6 0,8-12 0,1 5 0,25-7 0,-36 0 0,31 0 0,-4 0 0,-9 0 0,15 0 0,6 0 0,-27 0 0,19-4 0,-26-1 0,-6-5 0,20-23 0,2-8 0,8-10 0,-5-3 0,13-11 0,-10 4 0,-22 14 0,0-2 0,6-2 0,11-7 0,0-1 0,-9 8 0,-5-1 0,2 0 0,-3 6 0,11-7 0,3-3 0,-3 2 0,-10 8 0,7-11 0,0 1 0,7-2 0,12-10 0,-1 1 0,-16 13 0,-19 15 0,-2 2 0,21-16 0,8-7 0,-14 12 0,-6 4 0,9-3 0,-3 3 0,-27 17 0,19-9 0,-39 31 0,1-7 0,-7 11 0,-3-1 0,6-1 0,-2-1 0,2-2 0,-5 2 0,-1 1 0</inkml:trace>
+</inkml:ink>
+</file>
+
+<file path=ppt/ink/ink33.xml><?xml version="1.0" encoding="utf-8"?>
+<inkml:ink xmlns:inkml="http://www.w3.org/2003/InkML">
+  <inkml:definitions>
+    <inkml:context xml:id="ctx0">
+      <inkml:inkSource xml:id="inkSrc0">
+        <inkml:traceFormat>
+          <inkml:channel name="X" type="integer" min="-2.14748E9" max="2.14748E9" units="cm"/>
+          <inkml:channel name="Y" type="integer" min="-2.14748E9" max="2.14748E9" units="cm"/>
+          <inkml:channel name="F" type="integer" max="32767" units="dev"/>
+        </inkml:traceFormat>
+        <inkml:channelProperties>
+          <inkml:channelProperty channel="X" name="resolution" value="1000" units="1/cm"/>
+          <inkml:channelProperty channel="Y" name="resolution" value="1000" units="1/cm"/>
+          <inkml:channelProperty channel="F" name="resolution" value="0" units="1/dev"/>
+        </inkml:channelProperties>
+      </inkml:inkSource>
+      <inkml:timestamp xml:id="ts0" timeString="2021-02-01T23:44:09.656"/>
+    </inkml:context>
+    <inkml:brush xml:id="br0">
+      <inkml:brushProperty name="width" value="0.1" units="cm"/>
+      <inkml:brushProperty name="height" value="0.1" units="cm"/>
+      <inkml:brushProperty name="color" value="#E71224"/>
+    </inkml:brush>
+  </inkml:definitions>
+  <inkml:trace contextRef="#ctx0" brushRef="#br0">0 0 24575,'23'0'0,"8"0"0,-3 0 0,-5 0 0,5 0 0,-11 0 0,-7 6 0,3 16 0,-13 36 0,0 1 0,0 28 0,0 9 0,-5-21 0,0 19 0,-13-29 0,11-20 0,-5 4 0,12-32 0,6-1 0,5-13 0,36-37 0,-3-3 0,17-23 0,2-6 0,-30 27 0,1 0 0,30-32 0,-2 4 0,-11 15 0,17-17 0,-46 51 0,0-2 0</inkml:trace>
+</inkml:ink>
+</file>
+
+<file path=ppt/ink/ink34.xml><?xml version="1.0" encoding="utf-8"?>
+<inkml:ink xmlns:inkml="http://www.w3.org/2003/InkML">
+  <inkml:definitions>
+    <inkml:context xml:id="ctx0">
+      <inkml:inkSource xml:id="inkSrc0">
+        <inkml:traceFormat>
+          <inkml:channel name="X" type="integer" min="-2.14748E9" max="2.14748E9" units="cm"/>
+          <inkml:channel name="Y" type="integer" min="-2.14748E9" max="2.14748E9" units="cm"/>
+          <inkml:channel name="F" type="integer" max="32767" units="dev"/>
+        </inkml:traceFormat>
+        <inkml:channelProperties>
+          <inkml:channelProperty channel="X" name="resolution" value="1000" units="1/cm"/>
+          <inkml:channelProperty channel="Y" name="resolution" value="1000" units="1/cm"/>
+          <inkml:channelProperty channel="F" name="resolution" value="0" units="1/dev"/>
+        </inkml:channelProperties>
+      </inkml:inkSource>
+      <inkml:timestamp xml:id="ts0" timeString="2021-02-01T23:44:11.158"/>
+    </inkml:context>
+    <inkml:brush xml:id="br0">
+      <inkml:brushProperty name="width" value="0.1" units="cm"/>
+      <inkml:brushProperty name="height" value="0.1" units="cm"/>
+      <inkml:brushProperty name="color" value="#E71224"/>
+    </inkml:brush>
+  </inkml:definitions>
+  <inkml:trace contextRef="#ctx0" brushRef="#br0">0 422 24575,'28'-1'0,"-5"-1"0,-23 27 0,0 1 0,0-1 0,0-3 0,0 14 0,0-21 0,0 14 0,0 5 0,3-18 0,-2 19 0,2-14 0,-3-9 0,0 5 0,0-8 0,0-2 0,0 2 0,0-3 0,3-2 0,0-2 0,3-2 0,48-48 0,-1 3 0,-8 3 0,8-10 0,0-1 0,9-11 0,0 1 0,-10 9 0,-4 5 0,-1 0 0,19-22 0,7-9 0,-20 25 0,-30 38 0,-11 5 0,-2 4 0,-7 6 0,-3-3 0</inkml:trace>
+</inkml:ink>
+</file>
+
+<file path=ppt/ink/ink35.xml><?xml version="1.0" encoding="utf-8"?>
+<inkml:ink xmlns:inkml="http://www.w3.org/2003/InkML">
+  <inkml:definitions>
+    <inkml:context xml:id="ctx0">
+      <inkml:inkSource xml:id="inkSrc0">
+        <inkml:traceFormat>
+          <inkml:channel name="X" type="integer" min="-2.14748E9" max="2.14748E9" units="cm"/>
+          <inkml:channel name="Y" type="integer" min="-2.14748E9" max="2.14748E9" units="cm"/>
+          <inkml:channel name="F" type="integer" max="32767" units="dev"/>
+        </inkml:traceFormat>
+        <inkml:channelProperties>
+          <inkml:channelProperty channel="X" name="resolution" value="1000" units="1/cm"/>
+          <inkml:channelProperty channel="Y" name="resolution" value="1000" units="1/cm"/>
+          <inkml:channelProperty channel="F" name="resolution" value="0" units="1/dev"/>
+        </inkml:channelProperties>
+      </inkml:inkSource>
+      <inkml:timestamp xml:id="ts0" timeString="2021-02-01T23:44:11.890"/>
+    </inkml:context>
+    <inkml:brush xml:id="br0">
+      <inkml:brushProperty name="width" value="0.1" units="cm"/>
+      <inkml:brushProperty name="height" value="0.1" units="cm"/>
+      <inkml:brushProperty name="color" value="#E71224"/>
+    </inkml:brush>
+  </inkml:definitions>
+  <inkml:trace contextRef="#ctx0" brushRef="#br0">0 429 24575,'5'-27'0,"22"-11"0,9-3 0,19-27 0,-10 18 0,5 0 0,6 8 0,-4 6 0,-11 2 0,31-8 0</inkml:trace>
+</inkml:ink>
+</file>
+
+<file path=ppt/ink/ink36.xml><?xml version="1.0" encoding="utf-8"?>
+<inkml:ink xmlns:inkml="http://www.w3.org/2003/InkML">
+  <inkml:definitions>
+    <inkml:context xml:id="ctx0">
+      <inkml:inkSource xml:id="inkSrc0">
+        <inkml:traceFormat>
+          <inkml:channel name="X" type="integer" min="-2.14748E9" max="2.14748E9" units="cm"/>
+          <inkml:channel name="Y" type="integer" min="-2.14748E9" max="2.14748E9" units="cm"/>
+          <inkml:channel name="F" type="integer" max="32767" units="dev"/>
+        </inkml:traceFormat>
+        <inkml:channelProperties>
+          <inkml:channelProperty channel="X" name="resolution" value="1000" units="1/cm"/>
+          <inkml:channelProperty channel="Y" name="resolution" value="1000" units="1/cm"/>
+          <inkml:channelProperty channel="F" name="resolution" value="0" units="1/dev"/>
+        </inkml:channelProperties>
+      </inkml:inkSource>
+      <inkml:timestamp xml:id="ts0" timeString="2021-02-01T23:44:13.159"/>
+    </inkml:context>
+    <inkml:brush xml:id="br0">
+      <inkml:brushProperty name="width" value="0.1" units="cm"/>
+      <inkml:brushProperty name="height" value="0.1" units="cm"/>
+      <inkml:brushProperty name="color" value="#E71224"/>
+    </inkml:brush>
+  </inkml:definitions>
+  <inkml:trace contextRef="#ctx0" brushRef="#br0">149 445 24575,'-8'11'0,"2"3"0,6 6 0,0 3 0,28 2 0,-19-10 0,26 1 0,-10-16 0,-7 0 0,15 0 0,-7 0 0,-1-7 0,32-21 0,-22 7 0,34-32 0,-40 33 0,7-13 0,-25 18 0,-1 4 0,3-12 0,-18-27 0,-7-5 0,4 3 0,-6-7 0,-5 5 0,-12 23 0,9 9 0,-9-1 0,8 15 0,-22 4 0,16 4 0,-16 0 0,17 4 0,-18 40 0,0 11 0,4-12 0,-15 37 0,7 4 0,32-22 0,-4 10 0,30-36 0,16-29 0,-9-2 0,0-1 0</inkml:trace>
+</inkml:ink>
+</file>
+
+<file path=ppt/ink/ink37.xml><?xml version="1.0" encoding="utf-8"?>
+<inkml:ink xmlns:inkml="http://www.w3.org/2003/InkML">
+  <inkml:definitions>
+    <inkml:context xml:id="ctx0">
+      <inkml:inkSource xml:id="inkSrc0">
+        <inkml:traceFormat>
+          <inkml:channel name="X" type="integer" min="-2.14748E9" max="2.14748E9" units="cm"/>
+          <inkml:channel name="Y" type="integer" min="-2.14748E9" max="2.14748E9" units="cm"/>
+          <inkml:channel name="F" type="integer" max="32767" units="dev"/>
+        </inkml:traceFormat>
+        <inkml:channelProperties>
+          <inkml:channelProperty channel="X" name="resolution" value="1000" units="1/cm"/>
+          <inkml:channelProperty channel="Y" name="resolution" value="1000" units="1/cm"/>
+          <inkml:channelProperty channel="F" name="resolution" value="0" units="1/dev"/>
+        </inkml:channelProperties>
+      </inkml:inkSource>
+      <inkml:timestamp xml:id="ts0" timeString="2021-02-01T23:44:14.507"/>
+    </inkml:context>
+    <inkml:brush xml:id="br0">
+      <inkml:brushProperty name="width" value="0.1" units="cm"/>
+      <inkml:brushProperty name="height" value="0.1" units="cm"/>
+      <inkml:brushProperty name="color" value="#E71224"/>
+    </inkml:brush>
+  </inkml:definitions>
+  <inkml:trace contextRef="#ctx0" brushRef="#br0">0 1858 24575,'25'34'0,"5"15"0,16 9 0,5 5 0,-16-15 0,2 4 0,6 3 0,8 9 0,1 1 0,-6-8 0,2 6 0,-2-3-833,3-2 1,3 3 0,-8-10 832,8 8 796,4-3-796,28-11 0,-23-14 0,24-23 0,5-15 0,-43-7 0,3-8 0,18-7 0,15-9 0,3-2 0,-9 3-56,-16 6 0,-6 2 0,9-5 56,11-5 0,12-6 0,5-2 0,-5 2 0,-11 7 0,-10 5 0,-8 5 0,7-6 0,5-6 0,10-9 0,2-2 0,-4 2 0,-12 5 0,10-7 0,-4-7 0,-17 5 0,8-12 0,5-7 0,-1-2 0,-5 3 0,-8 9 0,4-5 0,-10 7 0,8-13 0,-5 6 0,7-14 0,4-7 0,2-2 0,-2 2 0,-6 8 0,-8 14 0,1 1 0,-8 11 0,6-8 0,6-11 0,9-15 0,2-2 0,-6 10 0,-12 22 0,16-5 0,-2-3 0,-7 8 0,-28 38 0,2-2 0,-28 19 0,5 0 0,-9 3 0</inkml:trace>
+</inkml:ink>
+</file>
+
+<file path=ppt/ink/ink38.xml><?xml version="1.0" encoding="utf-8"?>
+<inkml:ink xmlns:inkml="http://www.w3.org/2003/InkML">
+  <inkml:definitions>
+    <inkml:context xml:id="ctx0">
+      <inkml:inkSource xml:id="inkSrc0">
+        <inkml:traceFormat>
+          <inkml:channel name="X" type="integer" min="-2.14748E9" max="2.14748E9" units="cm"/>
+          <inkml:channel name="Y" type="integer" min="-2.14748E9" max="2.14748E9" units="cm"/>
+          <inkml:channel name="F" type="integer" max="32767" units="dev"/>
+        </inkml:traceFormat>
+        <inkml:channelProperties>
+          <inkml:channelProperty channel="X" name="resolution" value="1000" units="1/cm"/>
+          <inkml:channelProperty channel="Y" name="resolution" value="1000" units="1/cm"/>
+          <inkml:channelProperty channel="F" name="resolution" value="0" units="1/dev"/>
+        </inkml:channelProperties>
+      </inkml:inkSource>
+      <inkml:timestamp xml:id="ts0" timeString="2021-02-01T23:44:15.839"/>
+    </inkml:context>
+    <inkml:brush xml:id="br0">
+      <inkml:brushProperty name="width" value="0.1" units="cm"/>
+      <inkml:brushProperty name="height" value="0.1" units="cm"/>
+      <inkml:brushProperty name="color" value="#E71224"/>
+    </inkml:brush>
+  </inkml:definitions>
+  <inkml:trace contextRef="#ctx0" brushRef="#br0">0 45 24575,'0'-12'0,"0"-3"0,6 7 0,2 1 0,2 4 0,7 3 0,-5 0 0,11 0 0,-8 0 0,7 0 0,-10 11 0,14 53 0,-18-11 0,1 21 0,-2 4 0,-7 3 0,0-21 0,0-1 0,0 8 0,0-16 0,0-2 0,0 0 0,0 31 0,73-134 0,-39 33 0,11-19 0,4-9 0,-7 4 0,-5 5 0,-2 0 0,26-24 0,-57 61 0,-1 3 0</inkml:trace>
+</inkml:ink>
+</file>
+
+<file path=ppt/ink/ink39.xml><?xml version="1.0" encoding="utf-8"?>
+<inkml:ink xmlns:inkml="http://www.w3.org/2003/InkML">
+  <inkml:definitions>
+    <inkml:context xml:id="ctx0">
+      <inkml:inkSource xml:id="inkSrc0">
+        <inkml:traceFormat>
+          <inkml:channel name="X" type="integer" min="-2.14748E9" max="2.14748E9" units="cm"/>
+          <inkml:channel name="Y" type="integer" min="-2.14748E9" max="2.14748E9" units="cm"/>
+          <inkml:channel name="F" type="integer" max="32767" units="dev"/>
+        </inkml:traceFormat>
+        <inkml:channelProperties>
+          <inkml:channelProperty channel="X" name="resolution" value="1000" units="1/cm"/>
+          <inkml:channelProperty channel="Y" name="resolution" value="1000" units="1/cm"/>
+          <inkml:channelProperty channel="F" name="resolution" value="0" units="1/dev"/>
+        </inkml:channelProperties>
+      </inkml:inkSource>
+      <inkml:timestamp xml:id="ts0" timeString="2021-02-01T23:44:16.731"/>
+    </inkml:context>
+    <inkml:brush xml:id="br0">
+      <inkml:brushProperty name="width" value="0.1" units="cm"/>
+      <inkml:brushProperty name="height" value="0.1" units="cm"/>
+      <inkml:brushProperty name="color" value="#E71224"/>
+    </inkml:brush>
+  </inkml:definitions>
+  <inkml:trace contextRef="#ctx0" brushRef="#br0">0 0 24575,'6'43'0,"3"-3"0,5-21 0,-2-4 0,-6-2 0,-3-12 0,-3 1 0,0-4 0</inkml:trace>
+</inkml:ink>
+</file>
+
+<file path=ppt/ink/ink4.xml><?xml version="1.0" encoding="utf-8"?>
+<inkml:ink xmlns:inkml="http://www.w3.org/2003/InkML">
+  <inkml:definitions>
+    <inkml:context xml:id="ctx0">
+      <inkml:inkSource xml:id="inkSrc0">
+        <inkml:traceFormat>
+          <inkml:channel name="X" type="integer" min="-2.14748E9" max="2.14748E9" units="cm"/>
+          <inkml:channel name="Y" type="integer" min="-2.14748E9" max="2.14748E9" units="cm"/>
+          <inkml:channel name="F" type="integer" max="32767" units="dev"/>
+        </inkml:traceFormat>
+        <inkml:channelProperties>
+          <inkml:channelProperty channel="X" name="resolution" value="1000" units="1/cm"/>
+          <inkml:channelProperty channel="Y" name="resolution" value="1000" units="1/cm"/>
+          <inkml:channelProperty channel="F" name="resolution" value="0" units="1/dev"/>
+        </inkml:channelProperties>
+      </inkml:inkSource>
+      <inkml:timestamp xml:id="ts0" timeString="2021-02-01T23:43:24.604"/>
+    </inkml:context>
+    <inkml:brush xml:id="br0">
+      <inkml:brushProperty name="width" value="0.1" units="cm"/>
+      <inkml:brushProperty name="height" value="0.1" units="cm"/>
+      <inkml:brushProperty name="color" value="#E71224"/>
+    </inkml:brush>
+  </inkml:definitions>
+  <inkml:trace contextRef="#ctx0" brushRef="#br0">27 0 24575,'0'16'0,"0"55"0,0-28 0,0 50 0,0-19 0,0-9 0,0 22 0,0-35 0,0-3 0,0 16 0,0 10 0,0-1 0,0-12 0,-2 5 0,0-2 0,4-16 0,34 32 0,-7-58 0,50 21 0,-39-38 0,21 5 0,-30-11 0,19-31 0,-29 9 0,10-23 0,-19-10 0,-7 5 0,3 0 0,-8 10 0,0 28 0,-25-7 0,8 14 0,-61-13 0,34 16 0,-8-3 0,1 2 0,8 3 0,-26 0 0,51 0 0,-6 0 0,21 0 0,0 0 0</inkml:trace>
+</inkml:ink>
+</file>
+
+<file path=ppt/ink/ink40.xml><?xml version="1.0" encoding="utf-8"?>
+<inkml:ink xmlns:inkml="http://www.w3.org/2003/InkML">
+  <inkml:definitions>
+    <inkml:context xml:id="ctx0">
+      <inkml:inkSource xml:id="inkSrc0">
+        <inkml:traceFormat>
+          <inkml:channel name="X" type="integer" min="-2.14748E9" max="2.14748E9" units="cm"/>
+          <inkml:channel name="Y" type="integer" min="-2.14748E9" max="2.14748E9" units="cm"/>
+          <inkml:channel name="F" type="integer" max="32767" units="dev"/>
+        </inkml:traceFormat>
+        <inkml:channelProperties>
+          <inkml:channelProperty channel="X" name="resolution" value="1000" units="1/cm"/>
+          <inkml:channelProperty channel="Y" name="resolution" value="1000" units="1/cm"/>
+          <inkml:channelProperty channel="F" name="resolution" value="0" units="1/dev"/>
+        </inkml:channelProperties>
+      </inkml:inkSource>
+      <inkml:timestamp xml:id="ts0" timeString="2021-02-01T23:44:17.884"/>
+    </inkml:context>
+    <inkml:brush xml:id="br0">
+      <inkml:brushProperty name="width" value="0.1" units="cm"/>
+      <inkml:brushProperty name="height" value="0.1" units="cm"/>
+      <inkml:brushProperty name="color" value="#E71224"/>
+    </inkml:brush>
+  </inkml:definitions>
+  <inkml:trace contextRef="#ctx0" brushRef="#br0">0 173 24575,'19'-43'0,"-9"16"0,26-14 0,-27 26 0,17-17 0,-25 24 0,2 2 0</inkml:trace>
+</inkml:ink>
+</file>
+
+<file path=ppt/ink/ink41.xml><?xml version="1.0" encoding="utf-8"?>
+<inkml:ink xmlns:inkml="http://www.w3.org/2003/InkML">
+  <inkml:definitions>
+    <inkml:context xml:id="ctx0">
+      <inkml:inkSource xml:id="inkSrc0">
+        <inkml:traceFormat>
+          <inkml:channel name="X" type="integer" min="-2.14748E9" max="2.14748E9" units="cm"/>
+          <inkml:channel name="Y" type="integer" min="-2.14748E9" max="2.14748E9" units="cm"/>
+          <inkml:channel name="F" type="integer" max="32767" units="dev"/>
+        </inkml:traceFormat>
+        <inkml:channelProperties>
+          <inkml:channelProperty channel="X" name="resolution" value="1000" units="1/cm"/>
+          <inkml:channelProperty channel="Y" name="resolution" value="1000" units="1/cm"/>
+          <inkml:channelProperty channel="F" name="resolution" value="0" units="1/dev"/>
+        </inkml:channelProperties>
+      </inkml:inkSource>
+      <inkml:timestamp xml:id="ts0" timeString="2021-02-01T23:44:19.194"/>
+    </inkml:context>
+    <inkml:brush xml:id="br0">
+      <inkml:brushProperty name="width" value="0.1" units="cm"/>
+      <inkml:brushProperty name="height" value="0.1" units="cm"/>
+      <inkml:brushProperty name="color" value="#E71224"/>
+    </inkml:brush>
+  </inkml:definitions>
+  <inkml:trace contextRef="#ctx0" brushRef="#br0">0 184 24575,'0'60'0,"0"-23"0,0 34 0,50-8 0,14-5 0,-3 2 0,9-1 0,9-9 0,-17-33 0,-3-8 0,14 2 0,-18-1 0,4-4 0,0-11 0,-5-5 0,-3-6 0,34-29 0,-76-17 0,-4 10 0,-2-12 0,-2-2 0,-4 9 0,-8-9 0,-6 3 0,-10 25 0,-10 0 0,-4 3 0,-21 7 0,-2 9 0,-3 4 0,-11 4 0,15 8 0,3 2 0,7 1 0,-29 36 0,54-17 0,-14 66 0,37-48 0,1 44 0,4-58 0,0 8 0</inkml:trace>
+</inkml:ink>
+</file>
+
+<file path=ppt/ink/ink42.xml><?xml version="1.0" encoding="utf-8"?>
+<inkml:ink xmlns:inkml="http://www.w3.org/2003/InkML">
+  <inkml:definitions>
+    <inkml:context xml:id="ctx0">
+      <inkml:inkSource xml:id="inkSrc0">
+        <inkml:traceFormat>
+          <inkml:channel name="X" type="integer" min="-2.14748E9" max="2.14748E9" units="cm"/>
+          <inkml:channel name="Y" type="integer" min="-2.14748E9" max="2.14748E9" units="cm"/>
+          <inkml:channel name="F" type="integer" max="32767" units="dev"/>
+        </inkml:traceFormat>
+        <inkml:channelProperties>
+          <inkml:channelProperty channel="X" name="resolution" value="1000" units="1/cm"/>
+          <inkml:channelProperty channel="Y" name="resolution" value="1000" units="1/cm"/>
+          <inkml:channelProperty channel="F" name="resolution" value="0" units="1/dev"/>
+        </inkml:channelProperties>
+      </inkml:inkSource>
+      <inkml:timestamp xml:id="ts0" timeString="2021-02-01T23:44:21.304"/>
+    </inkml:context>
+    <inkml:brush xml:id="br0">
+      <inkml:brushProperty name="width" value="0.1" units="cm"/>
+      <inkml:brushProperty name="height" value="0.1" units="cm"/>
+      <inkml:brushProperty name="color" value="#E71224"/>
+    </inkml:brush>
+  </inkml:definitions>
+  <inkml:trace contextRef="#ctx0" brushRef="#br0">0 1 24575,'6'7'0,"1"-1"0,-1 0 0,0-5 0,1 8 0,-1-6 0,1 4 0,-4-4 0,0 0 0</inkml:trace>
+</inkml:ink>
+</file>
+
+<file path=ppt/ink/ink43.xml><?xml version="1.0" encoding="utf-8"?>
+<inkml:ink xmlns:inkml="http://www.w3.org/2003/InkML">
+  <inkml:definitions>
+    <inkml:context xml:id="ctx0">
+      <inkml:inkSource xml:id="inkSrc0">
+        <inkml:traceFormat>
+          <inkml:channel name="X" type="integer" min="-2.14748E9" max="2.14748E9" units="cm"/>
+          <inkml:channel name="Y" type="integer" min="-2.14748E9" max="2.14748E9" units="cm"/>
+          <inkml:channel name="F" type="integer" max="32767" units="dev"/>
+        </inkml:traceFormat>
+        <inkml:channelProperties>
+          <inkml:channelProperty channel="X" name="resolution" value="1000" units="1/cm"/>
+          <inkml:channelProperty channel="Y" name="resolution" value="1000" units="1/cm"/>
+          <inkml:channelProperty channel="F" name="resolution" value="0" units="1/dev"/>
+        </inkml:channelProperties>
+      </inkml:inkSource>
+      <inkml:timestamp xml:id="ts0" timeString="2021-02-01T23:44:25.706"/>
+    </inkml:context>
+    <inkml:brush xml:id="br0">
+      <inkml:brushProperty name="width" value="0.1" units="cm"/>
+      <inkml:brushProperty name="height" value="0.1" units="cm"/>
+      <inkml:brushProperty name="color" value="#E71224"/>
+    </inkml:brush>
+  </inkml:definitions>
+  <inkml:trace contextRef="#ctx0" brushRef="#br0">0 0 24575,'0'86'0,"0"-12"0,0-17 0,0 6 0,0 15 0,0 1 0,0-17 0,0-1 0,0 16 0,0 4 0,0 15 0,0-8 0,0-10 0,0-5 0,0-16 0,0-50 0,0-4 0</inkml:trace>
+</inkml:ink>
+</file>
+
+<file path=ppt/ink/ink44.xml><?xml version="1.0" encoding="utf-8"?>
+<inkml:ink xmlns:inkml="http://www.w3.org/2003/InkML">
+  <inkml:definitions>
+    <inkml:context xml:id="ctx0">
+      <inkml:inkSource xml:id="inkSrc0">
+        <inkml:traceFormat>
+          <inkml:channel name="X" type="integer" min="-2.14748E9" max="2.14748E9" units="cm"/>
+          <inkml:channel name="Y" type="integer" min="-2.14748E9" max="2.14748E9" units="cm"/>
+          <inkml:channel name="F" type="integer" max="32767" units="dev"/>
+        </inkml:traceFormat>
+        <inkml:channelProperties>
+          <inkml:channelProperty channel="X" name="resolution" value="1000" units="1/cm"/>
+          <inkml:channelProperty channel="Y" name="resolution" value="1000" units="1/cm"/>
+          <inkml:channelProperty channel="F" name="resolution" value="0" units="1/dev"/>
+        </inkml:channelProperties>
+      </inkml:inkSource>
+      <inkml:timestamp xml:id="ts0" timeString="2021-02-01T23:44:26.706"/>
+    </inkml:context>
+    <inkml:brush xml:id="br0">
+      <inkml:brushProperty name="width" value="0.1" units="cm"/>
+      <inkml:brushProperty name="height" value="0.1" units="cm"/>
+      <inkml:brushProperty name="color" value="#E71224"/>
+    </inkml:brush>
+  </inkml:definitions>
+  <inkml:trace contextRef="#ctx0" brushRef="#br0">1 0 24575,'0'31'0,"0"3"0,0 45 0,0-19 0,0 26 0,0 14 0,0-54 0,0 18 0,0-4 0,0-37 0,2 38 0,5-54 0,34-4 0,-15-3 0,44-3 0,-45-5 0,25-44 0,-39 7 0,6-51 0,-17 33 0,-17-27 0,1 12 0,-11 0 0,9 19 0,6 25 0,-20 19 0,11 19 0,-17 7 0,13 14 0,15-11 0,-1-3 0</inkml:trace>
+</inkml:ink>
+</file>
+
+<file path=ppt/ink/ink45.xml><?xml version="1.0" encoding="utf-8"?>
+<inkml:ink xmlns:inkml="http://www.w3.org/2003/InkML">
+  <inkml:definitions>
+    <inkml:context xml:id="ctx0">
+      <inkml:inkSource xml:id="inkSrc0">
+        <inkml:traceFormat>
+          <inkml:channel name="X" type="integer" min="-2.14748E9" max="2.14748E9" units="cm"/>
+          <inkml:channel name="Y" type="integer" min="-2.14748E9" max="2.14748E9" units="cm"/>
+          <inkml:channel name="F" type="integer" max="32767" units="dev"/>
+        </inkml:traceFormat>
+        <inkml:channelProperties>
+          <inkml:channelProperty channel="X" name="resolution" value="1000" units="1/cm"/>
+          <inkml:channelProperty channel="Y" name="resolution" value="1000" units="1/cm"/>
+          <inkml:channelProperty channel="F" name="resolution" value="0" units="1/dev"/>
+        </inkml:channelProperties>
+      </inkml:inkSource>
+      <inkml:timestamp xml:id="ts0" timeString="2021-02-01T23:44:27.670"/>
+    </inkml:context>
+    <inkml:brush xml:id="br0">
+      <inkml:brushProperty name="width" value="0.1" units="cm"/>
+      <inkml:brushProperty name="height" value="0.1" units="cm"/>
+      <inkml:brushProperty name="color" value="#E71224"/>
+    </inkml:brush>
+  </inkml:definitions>
+  <inkml:trace contextRef="#ctx0" brushRef="#br0">181 119 24575,'-3'70'0,"0"4"0,3 15 0,0-16 0,0 2 0,0-27 0,0-18 0,6 4 0,11-20 0,26 0 0,-5-14 0,43 0 0,-43 0 0,41-44 0,-53 23 0,-2-46 0,-6-8 0,-9 20 0,-24-27 0,-9 2 0,-5 32 0,-21-4 0,-4 7 0,9 20 0,-22-12 0,38 32 0,-10 1 0,-45 39 0,38-20 0,-22 20 0,65-28 0</inkml:trace>
+</inkml:ink>
+</file>
+
+<file path=ppt/ink/ink46.xml><?xml version="1.0" encoding="utf-8"?>
+<inkml:ink xmlns:inkml="http://www.w3.org/2003/InkML">
+  <inkml:definitions>
+    <inkml:context xml:id="ctx0">
+      <inkml:inkSource xml:id="inkSrc0">
+        <inkml:traceFormat>
+          <inkml:channel name="X" type="integer" min="-2.14748E9" max="2.14748E9" units="cm"/>
+          <inkml:channel name="Y" type="integer" min="-2.14748E9" max="2.14748E9" units="cm"/>
+          <inkml:channel name="F" type="integer" max="32767" units="dev"/>
+        </inkml:traceFormat>
+        <inkml:channelProperties>
+          <inkml:channelProperty channel="X" name="resolution" value="1000" units="1/cm"/>
+          <inkml:channelProperty channel="Y" name="resolution" value="1000" units="1/cm"/>
+          <inkml:channelProperty channel="F" name="resolution" value="0" units="1/dev"/>
+        </inkml:channelProperties>
+      </inkml:inkSource>
+      <inkml:timestamp xml:id="ts0" timeString="2021-02-01T23:44:28.788"/>
+    </inkml:context>
+    <inkml:brush xml:id="br0">
+      <inkml:brushProperty name="width" value="0.1" units="cm"/>
+      <inkml:brushProperty name="height" value="0.1" units="cm"/>
+      <inkml:brushProperty name="color" value="#E71224"/>
+    </inkml:brush>
+  </inkml:definitions>
+  <inkml:trace contextRef="#ctx0" brushRef="#br0">159 183 24575,'-2'57'0,"0"0"0,0 26 0,1-10 0,5-30 0,3 35 0,9-60 0,29-6 0,10-3 0,6-10 0,2-30 0,-33-4 0,8-19 0,-25-31 0,-13-3 0,-9 13 0,3-11 0,-13 8 0,-50 41 0,23 16 0,-46 4 0,55 13 0,-23 4 0,37 0 0,-8 19 0,-10 37 0,16-25 0,-1 21 0</inkml:trace>
+</inkml:ink>
+</file>
+
+<file path=ppt/ink/ink47.xml><?xml version="1.0" encoding="utf-8"?>
+<inkml:ink xmlns:inkml="http://www.w3.org/2003/InkML">
+  <inkml:definitions>
+    <inkml:context xml:id="ctx0">
+      <inkml:inkSource xml:id="inkSrc0">
+        <inkml:traceFormat>
+          <inkml:channel name="X" type="integer" min="-2.14748E9" max="2.14748E9" units="cm"/>
+          <inkml:channel name="Y" type="integer" min="-2.14748E9" max="2.14748E9" units="cm"/>
+          <inkml:channel name="F" type="integer" max="32767" units="dev"/>
+        </inkml:traceFormat>
+        <inkml:channelProperties>
+          <inkml:channelProperty channel="X" name="resolution" value="1000" units="1/cm"/>
+          <inkml:channelProperty channel="Y" name="resolution" value="1000" units="1/cm"/>
+          <inkml:channelProperty channel="F" name="resolution" value="0" units="1/dev"/>
+        </inkml:channelProperties>
+      </inkml:inkSource>
+      <inkml:timestamp xml:id="ts0" timeString="2021-02-01T23:44:30.908"/>
+    </inkml:context>
+    <inkml:brush xml:id="br0">
+      <inkml:brushProperty name="width" value="0.1" units="cm"/>
+      <inkml:brushProperty name="height" value="0.1" units="cm"/>
+      <inkml:brushProperty name="color" value="#E71224"/>
+    </inkml:brush>
+  </inkml:definitions>
+  <inkml:trace contextRef="#ctx0" brushRef="#br0">6 0 24575,'-3'32'0,"0"0"0,3 40 0,0-17 0,0 32 0,0-21 0,0-16 0,13 12 0,0-37 0,40 0 0,-23-21 0,37-22 0,-46 7 0,24-24 0,-35 21 0,9-11 0,-15 17 0,-5-29 0,-7 17 0,-21-38 0,9 30 0,-39-47 0,38 50 0,-26-26 0,31 46 0,-4-1 0,-5 6 0,14 0 0,-6 0 0</inkml:trace>
+</inkml:ink>
+</file>
+
+<file path=ppt/ink/ink48.xml><?xml version="1.0" encoding="utf-8"?>
+<inkml:ink xmlns:inkml="http://www.w3.org/2003/InkML">
+  <inkml:definitions>
+    <inkml:context xml:id="ctx0">
+      <inkml:inkSource xml:id="inkSrc0">
+        <inkml:traceFormat>
+          <inkml:channel name="X" type="integer" min="-2.14748E9" max="2.14748E9" units="cm"/>
+          <inkml:channel name="Y" type="integer" min="-2.14748E9" max="2.14748E9" units="cm"/>
+          <inkml:channel name="F" type="integer" max="32767" units="dev"/>
+        </inkml:traceFormat>
+        <inkml:channelProperties>
+          <inkml:channelProperty channel="X" name="resolution" value="1000" units="1/cm"/>
+          <inkml:channelProperty channel="Y" name="resolution" value="1000" units="1/cm"/>
+          <inkml:channelProperty channel="F" name="resolution" value="0" units="1/dev"/>
+        </inkml:channelProperties>
+      </inkml:inkSource>
+      <inkml:timestamp xml:id="ts0" timeString="2021-02-01T23:44:31.890"/>
+    </inkml:context>
+    <inkml:brush xml:id="br0">
+      <inkml:brushProperty name="width" value="0.1" units="cm"/>
+      <inkml:brushProperty name="height" value="0.1" units="cm"/>
+      <inkml:brushProperty name="color" value="#E71224"/>
+    </inkml:brush>
+  </inkml:definitions>
+  <inkml:trace contextRef="#ctx0" brushRef="#br0">1 1 24575,'0'36'0,"0"12"0,0 31 0,0 6 0,0 1 0,0-9 0,0 14 0,0-16 0,0-7 0,0-2 0,0-4 0,0-20 0,0-20 0,0 4 0,0-21 0,0 4 0</inkml:trace>
+</inkml:ink>
+</file>
+
+<file path=ppt/ink/ink49.xml><?xml version="1.0" encoding="utf-8"?>
+<inkml:ink xmlns:inkml="http://www.w3.org/2003/InkML">
+  <inkml:definitions>
+    <inkml:context xml:id="ctx0">
+      <inkml:inkSource xml:id="inkSrc0">
+        <inkml:traceFormat>
+          <inkml:channel name="X" type="integer" min="-2.14748E9" max="2.14748E9" units="cm"/>
+          <inkml:channel name="Y" type="integer" min="-2.14748E9" max="2.14748E9" units="cm"/>
+          <inkml:channel name="F" type="integer" max="32767" units="dev"/>
+        </inkml:traceFormat>
+        <inkml:channelProperties>
+          <inkml:channelProperty channel="X" name="resolution" value="1000" units="1/cm"/>
+          <inkml:channelProperty channel="Y" name="resolution" value="1000" units="1/cm"/>
+          <inkml:channelProperty channel="F" name="resolution" value="0" units="1/dev"/>
+        </inkml:channelProperties>
+      </inkml:inkSource>
+      <inkml:timestamp xml:id="ts0" timeString="2021-02-01T23:44:59.206"/>
+    </inkml:context>
+    <inkml:brush xml:id="br0">
+      <inkml:brushProperty name="width" value="0.1" units="cm"/>
+      <inkml:brushProperty name="height" value="0.1" units="cm"/>
+      <inkml:brushProperty name="color" value="#E71224"/>
+    </inkml:brush>
+  </inkml:definitions>
+  <inkml:trace contextRef="#ctx0" brushRef="#br0">1 1 24575,'0'0'0</inkml:trace>
+</inkml:ink>
+</file>
+
+<file path=ppt/ink/ink5.xml><?xml version="1.0" encoding="utf-8"?>
+<inkml:ink xmlns:inkml="http://www.w3.org/2003/InkML">
+  <inkml:definitions>
+    <inkml:context xml:id="ctx0">
+      <inkml:inkSource xml:id="inkSrc0">
+        <inkml:traceFormat>
+          <inkml:channel name="X" type="integer" min="-2.14748E9" max="2.14748E9" units="cm"/>
+          <inkml:channel name="Y" type="integer" min="-2.14748E9" max="2.14748E9" units="cm"/>
+          <inkml:channel name="F" type="integer" max="32767" units="dev"/>
+        </inkml:traceFormat>
+        <inkml:channelProperties>
+          <inkml:channelProperty channel="X" name="resolution" value="1000" units="1/cm"/>
+          <inkml:channelProperty channel="Y" name="resolution" value="1000" units="1/cm"/>
+          <inkml:channelProperty channel="F" name="resolution" value="0" units="1/dev"/>
+        </inkml:channelProperties>
+      </inkml:inkSource>
+      <inkml:timestamp xml:id="ts0" timeString="2021-02-01T23:43:25.632"/>
+    </inkml:context>
+    <inkml:brush xml:id="br0">
+      <inkml:brushProperty name="width" value="0.1" units="cm"/>
+      <inkml:brushProperty name="height" value="0.1" units="cm"/>
+      <inkml:brushProperty name="color" value="#E71224"/>
+    </inkml:brush>
+  </inkml:definitions>
+  <inkml:trace contextRef="#ctx0" brushRef="#br0">1 0 24575,'46'0'0,"-14"0"0,24 0 0,-38 0 0,17 0 0,-32 0 0</inkml:trace>
+</inkml:ink>
+</file>
+
+<file path=ppt/ink/ink50.xml><?xml version="1.0" encoding="utf-8"?>
+<inkml:ink xmlns:inkml="http://www.w3.org/2003/InkML">
+  <inkml:definitions>
+    <inkml:context xml:id="ctx0">
+      <inkml:inkSource xml:id="inkSrc0">
+        <inkml:traceFormat>
+          <inkml:channel name="X" type="integer" min="-2.14748E9" max="2.14748E9" units="cm"/>
+          <inkml:channel name="Y" type="integer" min="-2.14748E9" max="2.14748E9" units="cm"/>
+          <inkml:channel name="F" type="integer" max="32767" units="dev"/>
+        </inkml:traceFormat>
+        <inkml:channelProperties>
+          <inkml:channelProperty channel="X" name="resolution" value="1000" units="1/cm"/>
+          <inkml:channelProperty channel="Y" name="resolution" value="1000" units="1/cm"/>
+          <inkml:channelProperty channel="F" name="resolution" value="0" units="1/dev"/>
+        </inkml:channelProperties>
+      </inkml:inkSource>
+      <inkml:timestamp xml:id="ts0" timeString="2021-02-01T23:44:59.384"/>
+    </inkml:context>
+    <inkml:brush xml:id="br0">
+      <inkml:brushProperty name="width" value="0.1" units="cm"/>
+      <inkml:brushProperty name="height" value="0.1" units="cm"/>
+      <inkml:brushProperty name="color" value="#E71224"/>
+    </inkml:brush>
+  </inkml:definitions>
+  <inkml:trace contextRef="#ctx0" brushRef="#br0">1 1 24575,'0'0'0</inkml:trace>
+</inkml:ink>
+</file>
+
+<file path=ppt/ink/ink51.xml><?xml version="1.0" encoding="utf-8"?>
+<inkml:ink xmlns:inkml="http://www.w3.org/2003/InkML">
+  <inkml:definitions>
+    <inkml:context xml:id="ctx0">
+      <inkml:inkSource xml:id="inkSrc0">
+        <inkml:traceFormat>
+          <inkml:channel name="X" type="integer" min="-2.14748E9" max="2.14748E9" units="cm"/>
+          <inkml:channel name="Y" type="integer" min="-2.14748E9" max="2.14748E9" units="cm"/>
+          <inkml:channel name="F" type="integer" max="32767" units="dev"/>
+        </inkml:traceFormat>
+        <inkml:channelProperties>
+          <inkml:channelProperty channel="X" name="resolution" value="1000" units="1/cm"/>
+          <inkml:channelProperty channel="Y" name="resolution" value="1000" units="1/cm"/>
+          <inkml:channelProperty channel="F" name="resolution" value="0" units="1/dev"/>
+        </inkml:channelProperties>
+      </inkml:inkSource>
+      <inkml:timestamp xml:id="ts0" timeString="2021-02-01T23:46:20.752"/>
+    </inkml:context>
+    <inkml:brush xml:id="br0">
+      <inkml:brushProperty name="width" value="0.1" units="cm"/>
+      <inkml:brushProperty name="height" value="0.1" units="cm"/>
+      <inkml:brushProperty name="color" value="#E71224"/>
+    </inkml:brush>
+  </inkml:definitions>
+  <inkml:trace contextRef="#ctx0" brushRef="#br0">0 0 24575,'0'27'0,"0"9"0,0 35 0,0-22 0,0 27 0,0-41 0,0-4 0,68 17 0,-3-30-566,0-2 0,6-2 566,-11-13 0,-1-2 0,9 0 0,1 2 0,13 0 0,2 2 0,-3 3 0,0 4 0,7 4 0,-7 3 0,10 6 0,-26 7 0,-61-23 0,2 0 0,-6-4 0</inkml:trace>
+</inkml:ink>
+</file>
+
+<file path=ppt/ink/ink52.xml><?xml version="1.0" encoding="utf-8"?>
+<inkml:ink xmlns:inkml="http://www.w3.org/2003/InkML">
+  <inkml:definitions>
+    <inkml:context xml:id="ctx0">
+      <inkml:inkSource xml:id="inkSrc0">
+        <inkml:traceFormat>
+          <inkml:channel name="X" type="integer" min="-2.14748E9" max="2.14748E9" units="cm"/>
+          <inkml:channel name="Y" type="integer" min="-2.14748E9" max="2.14748E9" units="cm"/>
+          <inkml:channel name="F" type="integer" max="32767" units="dev"/>
+        </inkml:traceFormat>
+        <inkml:channelProperties>
+          <inkml:channelProperty channel="X" name="resolution" value="1000" units="1/cm"/>
+          <inkml:channelProperty channel="Y" name="resolution" value="1000" units="1/cm"/>
+          <inkml:channelProperty channel="F" name="resolution" value="0" units="1/dev"/>
+        </inkml:channelProperties>
+      </inkml:inkSource>
+      <inkml:timestamp xml:id="ts0" timeString="2021-02-01T23:46:22.441"/>
+    </inkml:context>
+    <inkml:brush xml:id="br0">
+      <inkml:brushProperty name="width" value="0.1" units="cm"/>
+      <inkml:brushProperty name="height" value="0.1" units="cm"/>
+      <inkml:brushProperty name="color" value="#E71224"/>
+    </inkml:brush>
+  </inkml:definitions>
+  <inkml:trace contextRef="#ctx0" brushRef="#br0">37 59 24575,'-7'26'0,"1"1"0,6 24 0,0 2 0,0-10 0,0-2 0,0-5 0,0-15 0,0 10 0,25-22 0,-3 1 0,43-7 0,8-6 0,-16-1 0,16-2 0,-7-4 0,-37-4 0,26-33 0,-39 26 0,15-34 0,-27 32 0,-1-39 0,-6 32 0,-22-33 0,9 40 0,-46-10 0,20 25 0,-58 1 0,39 7 0,6 3 0,2 1 0,15 2 0,-22 11 0,48-9 0,-1 15 0,10-17 0,3 7 0</inkml:trace>
+</inkml:ink>
+</file>
+
+<file path=ppt/ink/ink53.xml><?xml version="1.0" encoding="utf-8"?>
+<inkml:ink xmlns:inkml="http://www.w3.org/2003/InkML">
+  <inkml:definitions>
+    <inkml:context xml:id="ctx0">
+      <inkml:inkSource xml:id="inkSrc0">
+        <inkml:traceFormat>
+          <inkml:channel name="X" type="integer" min="-2.14748E9" max="2.14748E9" units="cm"/>
+          <inkml:channel name="Y" type="integer" min="-2.14748E9" max="2.14748E9" units="cm"/>
+          <inkml:channel name="F" type="integer" max="32767" units="dev"/>
+        </inkml:traceFormat>
+        <inkml:channelProperties>
+          <inkml:channelProperty channel="X" name="resolution" value="1000" units="1/cm"/>
+          <inkml:channelProperty channel="Y" name="resolution" value="1000" units="1/cm"/>
+          <inkml:channelProperty channel="F" name="resolution" value="0" units="1/dev"/>
+        </inkml:channelProperties>
+      </inkml:inkSource>
+      <inkml:timestamp xml:id="ts0" timeString="2021-02-01T23:46:23.736"/>
+    </inkml:context>
+    <inkml:brush xml:id="br0">
+      <inkml:brushProperty name="width" value="0.1" units="cm"/>
+      <inkml:brushProperty name="height" value="0.1" units="cm"/>
+      <inkml:brushProperty name="color" value="#E71224"/>
+    </inkml:brush>
+  </inkml:definitions>
+  <inkml:trace contextRef="#ctx0" brushRef="#br0">305 1 24575,'-26'0'0,"-28"0"0,25 0 0,-28 0 0,35 0 0,-3 0 0,-3 0 0,13 0 0,0 3 0,-3 21 0,13 5 0,-6 57 0,11-31 0,0 33 0,7-18 0,1-4 0,-2-6 0,2 2 0,6-10 0,8-38 0,4-10 0,42-26 0,-24-2 0,4-16 0,-2-6 0,-7-5 0,-8 3 0,-3 1 0,-9 11 0,2-17 0,-16 40 0,4-3 0,46 43 0,12 21 0,-6-5 0,11 3 0,1 4 0,0 17 0,-30-29 0,13 18 0,-24-27 0,-15-12 0,0-4 0,-14-9 0,0-2 0</inkml:trace>
+</inkml:ink>
+</file>
+
+<file path=ppt/ink/ink54.xml><?xml version="1.0" encoding="utf-8"?>
+<inkml:ink xmlns:inkml="http://www.w3.org/2003/InkML">
+  <inkml:definitions>
+    <inkml:context xml:id="ctx0">
+      <inkml:inkSource xml:id="inkSrc0">
+        <inkml:traceFormat>
+          <inkml:channel name="X" type="integer" min="-2.14748E9" max="2.14748E9" units="cm"/>
+          <inkml:channel name="Y" type="integer" min="-2.14748E9" max="2.14748E9" units="cm"/>
+          <inkml:channel name="F" type="integer" max="32767" units="dev"/>
+        </inkml:traceFormat>
+        <inkml:channelProperties>
+          <inkml:channelProperty channel="X" name="resolution" value="1000" units="1/cm"/>
+          <inkml:channelProperty channel="Y" name="resolution" value="1000" units="1/cm"/>
+          <inkml:channelProperty channel="F" name="resolution" value="0" units="1/dev"/>
+        </inkml:channelProperties>
+      </inkml:inkSource>
+      <inkml:timestamp xml:id="ts0" timeString="2021-02-01T23:46:25.320"/>
+    </inkml:context>
+    <inkml:brush xml:id="br0">
+      <inkml:brushProperty name="width" value="0.1" units="cm"/>
+      <inkml:brushProperty name="height" value="0.1" units="cm"/>
+      <inkml:brushProperty name="color" value="#E71224"/>
+    </inkml:brush>
+  </inkml:definitions>
+  <inkml:trace contextRef="#ctx0" brushRef="#br0">429 650 24575,'-31'0'0,"-13"0"0,-25 0 0,24 0 0,-24 0 0,27 0 0,3 0 0,-11 16 0,32 19 0,0 15 0,14 8 0,4 1 0,0-2 0,2 22 0,5-2 0,7-32 0,6 12 0,6-5 0,10-24 0,10-6 0,3-7 0,1-19 0,23-40 0,0-14 0,-12-5 0,-18-2 0,4-16 0,-9 10 0,0-18 0,-19 21 0,-1-11 0,-4 9 0,-2-21 0,-5-6 0,-4 4 0,-3 24 0,1 1 0,-2 6 0,-2 29 0,2-31 0,-2 51 0,0-4 0,3 17 0,-3 25 0,3-13 0,0 17 0,-3-31 0,3-3 0,-6-8 0,2-5 0,-3 7 0,0-2 0,3 89 0,4 39 0,3-21 0,-2-16 0,1 14 0,2-7 0,5 1 0,2-10 0,-4-23 0,0 1 0,7 41 0,0-6 0,-2-22 0,6 25 0,-10-62 0,3-3 0,-4-12 0,3 1 0,-4-12 0,22 12 0,-19-14 0,14 8 0</inkml:trace>
+</inkml:ink>
+</file>
+
+<file path=ppt/ink/ink55.xml><?xml version="1.0" encoding="utf-8"?>
+<inkml:ink xmlns:inkml="http://www.w3.org/2003/InkML">
+  <inkml:definitions>
+    <inkml:context xml:id="ctx0">
+      <inkml:inkSource xml:id="inkSrc0">
+        <inkml:traceFormat>
+          <inkml:channel name="X" type="integer" min="-2.14748E9" max="2.14748E9" units="cm"/>
+          <inkml:channel name="Y" type="integer" min="-2.14748E9" max="2.14748E9" units="cm"/>
+          <inkml:channel name="F" type="integer" max="32767" units="dev"/>
+        </inkml:traceFormat>
+        <inkml:channelProperties>
+          <inkml:channelProperty channel="X" name="resolution" value="1000" units="1/cm"/>
+          <inkml:channelProperty channel="Y" name="resolution" value="1000" units="1/cm"/>
+          <inkml:channelProperty channel="F" name="resolution" value="0" units="1/dev"/>
+        </inkml:channelProperties>
+      </inkml:inkSource>
+      <inkml:timestamp xml:id="ts0" timeString="2021-02-01T23:46:27.648"/>
+    </inkml:context>
+    <inkml:brush xml:id="br0">
+      <inkml:brushProperty name="width" value="0.1" units="cm"/>
+      <inkml:brushProperty name="height" value="0.1" units="cm"/>
+      <inkml:brushProperty name="color" value="#E71224"/>
+    </inkml:brush>
+  </inkml:definitions>
+  <inkml:trace contextRef="#ctx0" brushRef="#br0">7 1 24575,'-3'78'0,"0"-20"0,3-4 0,0 1 0,0 7 0,0-9 0,0-19 0,0-16 0,0-9 0</inkml:trace>
+</inkml:ink>
+</file>
+
+<file path=ppt/ink/ink56.xml><?xml version="1.0" encoding="utf-8"?>
+<inkml:ink xmlns:inkml="http://www.w3.org/2003/InkML">
+  <inkml:definitions>
+    <inkml:context xml:id="ctx0">
+      <inkml:inkSource xml:id="inkSrc0">
+        <inkml:traceFormat>
+          <inkml:channel name="X" type="integer" min="-2.14748E9" max="2.14748E9" units="cm"/>
+          <inkml:channel name="Y" type="integer" min="-2.14748E9" max="2.14748E9" units="cm"/>
+          <inkml:channel name="F" type="integer" max="32767" units="dev"/>
+        </inkml:traceFormat>
+        <inkml:channelProperties>
+          <inkml:channelProperty channel="X" name="resolution" value="1000" units="1/cm"/>
+          <inkml:channelProperty channel="Y" name="resolution" value="1000" units="1/cm"/>
+          <inkml:channelProperty channel="F" name="resolution" value="0" units="1/dev"/>
+        </inkml:channelProperties>
+      </inkml:inkSource>
+      <inkml:timestamp xml:id="ts0" timeString="2021-02-01T23:46:28.739"/>
+    </inkml:context>
+    <inkml:brush xml:id="br0">
+      <inkml:brushProperty name="width" value="0.1" units="cm"/>
+      <inkml:brushProperty name="height" value="0.1" units="cm"/>
+      <inkml:brushProperty name="color" value="#E71224"/>
+    </inkml:brush>
+  </inkml:definitions>
+  <inkml:trace contextRef="#ctx0" brushRef="#br0">377 122 24575,'-4'72'0,"3"-21"0,-1-1 0,2 10 0,0 16 0,0-17 0,11-33 0,28 6 0,-8-27 0,35-2 0,-17-32 0,-2-8 0,9-6 0,-8 1 0,-7-4 0,-21-32 0,-6 30 0,-1-35 0,-8 40 0,-46-17 0,9 38 0,-35 6 0,-9 7 0,-8 14 0,-5 18 0,1 6 0,7 6 0,8 26 0,7 4 0,26-14 0,4-2 0,8-5 0,23-25 0,2-2 0</inkml:trace>
+</inkml:ink>
+</file>
+
+<file path=ppt/ink/ink57.xml><?xml version="1.0" encoding="utf-8"?>
+<inkml:ink xmlns:inkml="http://www.w3.org/2003/InkML">
+  <inkml:definitions>
+    <inkml:context xml:id="ctx0">
+      <inkml:inkSource xml:id="inkSrc0">
+        <inkml:traceFormat>
+          <inkml:channel name="X" type="integer" min="-2.14748E9" max="2.14748E9" units="cm"/>
+          <inkml:channel name="Y" type="integer" min="-2.14748E9" max="2.14748E9" units="cm"/>
+          <inkml:channel name="F" type="integer" max="32767" units="dev"/>
+        </inkml:traceFormat>
+        <inkml:channelProperties>
+          <inkml:channelProperty channel="X" name="resolution" value="1000" units="1/cm"/>
+          <inkml:channelProperty channel="Y" name="resolution" value="1000" units="1/cm"/>
+          <inkml:channelProperty channel="F" name="resolution" value="0" units="1/dev"/>
+        </inkml:channelProperties>
+      </inkml:inkSource>
+      <inkml:timestamp xml:id="ts0" timeString="2021-02-01T23:46:29.402"/>
+    </inkml:context>
+    <inkml:brush xml:id="br0">
+      <inkml:brushProperty name="width" value="0.1" units="cm"/>
+      <inkml:brushProperty name="height" value="0.1" units="cm"/>
+      <inkml:brushProperty name="color" value="#E71224"/>
+    </inkml:brush>
+  </inkml:definitions>
+  <inkml:trace contextRef="#ctx0" brushRef="#br0">0 0 24575,'0'24'0,"0"4"0,0 5 0,0-7 0,0 4 0,0-15 0,0-3 0,0-7 0</inkml:trace>
+</inkml:ink>
+</file>
+
+<file path=ppt/ink/ink58.xml><?xml version="1.0" encoding="utf-8"?>
+<inkml:ink xmlns:inkml="http://www.w3.org/2003/InkML">
+  <inkml:definitions>
+    <inkml:context xml:id="ctx0">
+      <inkml:inkSource xml:id="inkSrc0">
+        <inkml:traceFormat>
+          <inkml:channel name="X" type="integer" min="-2.14748E9" max="2.14748E9" units="cm"/>
+          <inkml:channel name="Y" type="integer" min="-2.14748E9" max="2.14748E9" units="cm"/>
+          <inkml:channel name="F" type="integer" max="32767" units="dev"/>
+        </inkml:traceFormat>
+        <inkml:channelProperties>
+          <inkml:channelProperty channel="X" name="resolution" value="1000" units="1/cm"/>
+          <inkml:channelProperty channel="Y" name="resolution" value="1000" units="1/cm"/>
+          <inkml:channelProperty channel="F" name="resolution" value="0" units="1/dev"/>
+        </inkml:channelProperties>
+      </inkml:inkSource>
+      <inkml:timestamp xml:id="ts0" timeString="2021-02-01T23:46:30.129"/>
+    </inkml:context>
+    <inkml:brush xml:id="br0">
+      <inkml:brushProperty name="width" value="0.1" units="cm"/>
+      <inkml:brushProperty name="height" value="0.1" units="cm"/>
+      <inkml:brushProperty name="color" value="#E71224"/>
+    </inkml:brush>
+  </inkml:definitions>
+  <inkml:trace contextRef="#ctx0" brushRef="#br0">1 1 24575,'0'30'0,"0"10"0,0 8 0,0 4 0,0 20 0,0-24 0,0 17 0,0-12 0,0-29 0,0 10 0</inkml:trace>
+</inkml:ink>
+</file>
+
+<file path=ppt/ink/ink59.xml><?xml version="1.0" encoding="utf-8"?>
+<inkml:ink xmlns:inkml="http://www.w3.org/2003/InkML">
+  <inkml:definitions>
+    <inkml:context xml:id="ctx0">
+      <inkml:inkSource xml:id="inkSrc0">
+        <inkml:traceFormat>
+          <inkml:channel name="X" type="integer" min="-2.14748E9" max="2.14748E9" units="cm"/>
+          <inkml:channel name="Y" type="integer" min="-2.14748E9" max="2.14748E9" units="cm"/>
+          <inkml:channel name="F" type="integer" max="32767" units="dev"/>
+        </inkml:traceFormat>
+        <inkml:channelProperties>
+          <inkml:channelProperty channel="X" name="resolution" value="1000" units="1/cm"/>
+          <inkml:channelProperty channel="Y" name="resolution" value="1000" units="1/cm"/>
+          <inkml:channelProperty channel="F" name="resolution" value="0" units="1/dev"/>
+        </inkml:channelProperties>
+      </inkml:inkSource>
+      <inkml:timestamp xml:id="ts0" timeString="2021-02-01T23:46:31.061"/>
+    </inkml:context>
+    <inkml:brush xml:id="br0">
+      <inkml:brushProperty name="width" value="0.1" units="cm"/>
+      <inkml:brushProperty name="height" value="0.1" units="cm"/>
+      <inkml:brushProperty name="color" value="#E71224"/>
+    </inkml:brush>
+  </inkml:definitions>
+  <inkml:trace contextRef="#ctx0" brushRef="#br0">539 511 24575,'-12'13'0,"2"-1"0,10 31 0,0-21 0,0 17 0,7-20 0,15-7 0,5-2 0,64-10 0,-49-4 0,48-34 0,-65-8 0,-11-23 0,-5-8 0,-1 28 0,-6-2 0,-20-41 0,-10 3 0,-10 16 0,-30 28 0,-9 12 0,-6 19 0,18 25 0,-10 11 0,10 0 0,-23 17-328,24 0 1,5 4 327,4 13 0,17-4 0,27 32 0,5 2 0,-10-24 0,22 6 0,0-1 0</inkml:trace>
+</inkml:ink>
+</file>
+
+<file path=ppt/ink/ink6.xml><?xml version="1.0" encoding="utf-8"?>
+<inkml:ink xmlns:inkml="http://www.w3.org/2003/InkML">
+  <inkml:definitions>
+    <inkml:context xml:id="ctx0">
+      <inkml:inkSource xml:id="inkSrc0">
+        <inkml:traceFormat>
+          <inkml:channel name="X" type="integer" min="-2.14748E9" max="2.14748E9" units="cm"/>
+          <inkml:channel name="Y" type="integer" min="-2.14748E9" max="2.14748E9" units="cm"/>
+          <inkml:channel name="F" type="integer" max="32767" units="dev"/>
+        </inkml:traceFormat>
+        <inkml:channelProperties>
+          <inkml:channelProperty channel="X" name="resolution" value="1000" units="1/cm"/>
+          <inkml:channelProperty channel="Y" name="resolution" value="1000" units="1/cm"/>
+          <inkml:channelProperty channel="F" name="resolution" value="0" units="1/dev"/>
+        </inkml:channelProperties>
+      </inkml:inkSource>
+      <inkml:timestamp xml:id="ts0" timeString="2021-02-01T23:43:27.440"/>
+    </inkml:context>
+    <inkml:brush xml:id="br0">
+      <inkml:brushProperty name="width" value="0.1" units="cm"/>
+      <inkml:brushProperty name="height" value="0.1" units="cm"/>
+      <inkml:brushProperty name="color" value="#E71224"/>
+    </inkml:brush>
+  </inkml:definitions>
+  <inkml:trace contextRef="#ctx0" brushRef="#br0">1 63 24575,'10'-30'0,"0"10"0,8 11 0,-3 8 0,-2-2 0,3 3 0,-11 3 0,4 0 0,-9 7 0,0-3 0,0 10 0,0-1 0,0 7 0,3 16 0,2 14 0,0 4 0,-1 3 0,1 11 0,-1-7 0,0-5 0,-3-24 0,3 10 0,-4-30 0,0-6 0,0-13 0,0-6 0,7-26 0,-1 4 0,9-13 0,10-1 0,0 7 0,7 2 0,-5 7 0,-3 13 0,15-8 0,18 15 0,5 3 0,10-6 0,-10 8 0,-2 2 0,-10 3 0,-13 0 0,24 14 0,-31-4 0,28 38 0,-41-18 0,21 57 0,-32-39 0,2 22 0,-4 3 0,-12-10 0,-17 18 0,-8-3 0,-5-27 0,-24 8 0,-5-4 0,6-23 0,-18 2 0,0-6 0,16-15 0,-23 4 0,70-17 0</inkml:trace>
+</inkml:ink>
+</file>
+
+<file path=ppt/ink/ink60.xml><?xml version="1.0" encoding="utf-8"?>
+<inkml:ink xmlns:inkml="http://www.w3.org/2003/InkML">
+  <inkml:definitions>
+    <inkml:context xml:id="ctx0">
+      <inkml:inkSource xml:id="inkSrc0">
+        <inkml:traceFormat>
+          <inkml:channel name="X" type="integer" min="-2.14748E9" max="2.14748E9" units="cm"/>
+          <inkml:channel name="Y" type="integer" min="-2.14748E9" max="2.14748E9" units="cm"/>
+          <inkml:channel name="F" type="integer" max="32767" units="dev"/>
+        </inkml:traceFormat>
+        <inkml:channelProperties>
+          <inkml:channelProperty channel="X" name="resolution" value="1000" units="1/cm"/>
+          <inkml:channelProperty channel="Y" name="resolution" value="1000" units="1/cm"/>
+          <inkml:channelProperty channel="F" name="resolution" value="0" units="1/dev"/>
+        </inkml:channelProperties>
+      </inkml:inkSource>
+      <inkml:timestamp xml:id="ts0" timeString="2021-02-01T23:46:31.774"/>
+    </inkml:context>
+    <inkml:brush xml:id="br0">
+      <inkml:brushProperty name="width" value="0.1" units="cm"/>
+      <inkml:brushProperty name="height" value="0.1" units="cm"/>
+      <inkml:brushProperty name="color" value="#E71224"/>
+    </inkml:brush>
+  </inkml:definitions>
+  <inkml:trace contextRef="#ctx0" brushRef="#br0">1 1 24575,'0'58'0,"0"1"0,0-25 0,0 20 0,0-1 0</inkml:trace>
+</inkml:ink>
+</file>
+
+<file path=ppt/ink/ink61.xml><?xml version="1.0" encoding="utf-8"?>
+<inkml:ink xmlns:inkml="http://www.w3.org/2003/InkML">
+  <inkml:definitions>
+    <inkml:context xml:id="ctx0">
+      <inkml:inkSource xml:id="inkSrc0">
+        <inkml:traceFormat>
+          <inkml:channel name="X" type="integer" min="-2.14748E9" max="2.14748E9" units="cm"/>
+          <inkml:channel name="Y" type="integer" min="-2.14748E9" max="2.14748E9" units="cm"/>
+          <inkml:channel name="F" type="integer" max="32767" units="dev"/>
+        </inkml:traceFormat>
+        <inkml:channelProperties>
+          <inkml:channelProperty channel="X" name="resolution" value="1000" units="1/cm"/>
+          <inkml:channelProperty channel="Y" name="resolution" value="1000" units="1/cm"/>
+          <inkml:channelProperty channel="F" name="resolution" value="0" units="1/dev"/>
+        </inkml:channelProperties>
+      </inkml:inkSource>
+      <inkml:timestamp xml:id="ts0" timeString="2021-02-01T23:53:30.791"/>
+    </inkml:context>
+    <inkml:brush xml:id="br0">
+      <inkml:brushProperty name="width" value="0.1" units="cm"/>
+      <inkml:brushProperty name="height" value="0.1" units="cm"/>
+      <inkml:brushProperty name="color" value="#E71224"/>
+    </inkml:brush>
+  </inkml:definitions>
+  <inkml:trace contextRef="#ctx0" brushRef="#br0">1 0 24575,'0'0'0</inkml:trace>
+</inkml:ink>
+</file>
+
+<file path=ppt/ink/ink62.xml><?xml version="1.0" encoding="utf-8"?>
+<inkml:ink xmlns:inkml="http://www.w3.org/2003/InkML">
+  <inkml:definitions>
+    <inkml:context xml:id="ctx0">
+      <inkml:inkSource xml:id="inkSrc0">
+        <inkml:traceFormat>
+          <inkml:channel name="X" type="integer" min="-2.14748E9" max="2.14748E9" units="cm"/>
+          <inkml:channel name="Y" type="integer" min="-2.14748E9" max="2.14748E9" units="cm"/>
+          <inkml:channel name="F" type="integer" max="32767" units="dev"/>
+        </inkml:traceFormat>
+        <inkml:channelProperties>
+          <inkml:channelProperty channel="X" name="resolution" value="1000" units="1/cm"/>
+          <inkml:channelProperty channel="Y" name="resolution" value="1000" units="1/cm"/>
+          <inkml:channelProperty channel="F" name="resolution" value="0" units="1/dev"/>
+        </inkml:channelProperties>
+      </inkml:inkSource>
+      <inkml:timestamp xml:id="ts0" timeString="2021-02-01T23:53:30.954"/>
+    </inkml:context>
+    <inkml:brush xml:id="br0">
+      <inkml:brushProperty name="width" value="0.1" units="cm"/>
+      <inkml:brushProperty name="height" value="0.1" units="cm"/>
+      <inkml:brushProperty name="color" value="#E71224"/>
+    </inkml:brush>
+  </inkml:definitions>
+  <inkml:trace contextRef="#ctx0" brushRef="#br0">1 1 24575,'0'0'0</inkml:trace>
+</inkml:ink>
+</file>
+
+<file path=ppt/ink/ink63.xml><?xml version="1.0" encoding="utf-8"?>
+<inkml:ink xmlns:inkml="http://www.w3.org/2003/InkML">
+  <inkml:definitions>
+    <inkml:context xml:id="ctx0">
+      <inkml:inkSource xml:id="inkSrc0">
+        <inkml:traceFormat>
+          <inkml:channel name="X" type="integer" min="-2.14748E9" max="2.14748E9" units="cm"/>
+          <inkml:channel name="Y" type="integer" min="-2.14748E9" max="2.14748E9" units="cm"/>
+          <inkml:channel name="F" type="integer" max="32767" units="dev"/>
+        </inkml:traceFormat>
+        <inkml:channelProperties>
+          <inkml:channelProperty channel="X" name="resolution" value="1000" units="1/cm"/>
+          <inkml:channelProperty channel="Y" name="resolution" value="1000" units="1/cm"/>
+          <inkml:channelProperty channel="F" name="resolution" value="0" units="1/dev"/>
+        </inkml:channelProperties>
+      </inkml:inkSource>
+      <inkml:timestamp xml:id="ts0" timeString="2021-02-01T23:53:31.537"/>
+    </inkml:context>
+    <inkml:brush xml:id="br0">
+      <inkml:brushProperty name="width" value="0.1" units="cm"/>
+      <inkml:brushProperty name="height" value="0.1" units="cm"/>
+      <inkml:brushProperty name="color" value="#E71224"/>
+    </inkml:brush>
+  </inkml:definitions>
+  <inkml:trace contextRef="#ctx0" brushRef="#br0">1 0 24575,'0'0'0</inkml:trace>
+</inkml:ink>
+</file>
+
+<file path=ppt/ink/ink64.xml><?xml version="1.0" encoding="utf-8"?>
+<inkml:ink xmlns:inkml="http://www.w3.org/2003/InkML">
+  <inkml:definitions>
+    <inkml:context xml:id="ctx0">
+      <inkml:inkSource xml:id="inkSrc0">
+        <inkml:traceFormat>
+          <inkml:channel name="X" type="integer" min="-2.14748E9" max="2.14748E9" units="cm"/>
+          <inkml:channel name="Y" type="integer" min="-2.14748E9" max="2.14748E9" units="cm"/>
+          <inkml:channel name="F" type="integer" max="32767" units="dev"/>
+        </inkml:traceFormat>
+        <inkml:channelProperties>
+          <inkml:channelProperty channel="X" name="resolution" value="1000" units="1/cm"/>
+          <inkml:channelProperty channel="Y" name="resolution" value="1000" units="1/cm"/>
+          <inkml:channelProperty channel="F" name="resolution" value="0" units="1/dev"/>
+        </inkml:channelProperties>
+      </inkml:inkSource>
+      <inkml:timestamp xml:id="ts0" timeString="2021-02-01T23:53:31.740"/>
+    </inkml:context>
+    <inkml:brush xml:id="br0">
+      <inkml:brushProperty name="width" value="0.1" units="cm"/>
+      <inkml:brushProperty name="height" value="0.1" units="cm"/>
+      <inkml:brushProperty name="color" value="#E71224"/>
+    </inkml:brush>
+  </inkml:definitions>
+  <inkml:trace contextRef="#ctx0" brushRef="#br0">1 12 24575,'0'-6'0,"0"1"0</inkml:trace>
+</inkml:ink>
+</file>
+
+<file path=ppt/ink/ink65.xml><?xml version="1.0" encoding="utf-8"?>
+<inkml:ink xmlns:inkml="http://www.w3.org/2003/InkML">
+  <inkml:definitions>
+    <inkml:context xml:id="ctx0">
+      <inkml:inkSource xml:id="inkSrc0">
+        <inkml:traceFormat>
+          <inkml:channel name="X" type="integer" min="-2.14748E9" max="2.14748E9" units="cm"/>
+          <inkml:channel name="Y" type="integer" min="-2.14748E9" max="2.14748E9" units="cm"/>
+          <inkml:channel name="F" type="integer" max="32767" units="dev"/>
+        </inkml:traceFormat>
+        <inkml:channelProperties>
+          <inkml:channelProperty channel="X" name="resolution" value="1000" units="1/cm"/>
+          <inkml:channelProperty channel="Y" name="resolution" value="1000" units="1/cm"/>
+          <inkml:channelProperty channel="F" name="resolution" value="0" units="1/dev"/>
+        </inkml:channelProperties>
+      </inkml:inkSource>
+      <inkml:timestamp xml:id="ts0" timeString="2021-02-01T23:53:32.277"/>
+    </inkml:context>
+    <inkml:brush xml:id="br0">
+      <inkml:brushProperty name="width" value="0.1" units="cm"/>
+      <inkml:brushProperty name="height" value="0.1" units="cm"/>
+      <inkml:brushProperty name="color" value="#E71224"/>
+    </inkml:brush>
+  </inkml:definitions>
+  <inkml:trace contextRef="#ctx0" brushRef="#br0">1 1 24575,'0'0'0</inkml:trace>
+</inkml:ink>
+</file>
+
+<file path=ppt/ink/ink66.xml><?xml version="1.0" encoding="utf-8"?>
+<inkml:ink xmlns:inkml="http://www.w3.org/2003/InkML">
+  <inkml:definitions>
+    <inkml:context xml:id="ctx0">
+      <inkml:inkSource xml:id="inkSrc0">
+        <inkml:traceFormat>
+          <inkml:channel name="X" type="integer" min="-2.14748E9" max="2.14748E9" units="cm"/>
+          <inkml:channel name="Y" type="integer" min="-2.14748E9" max="2.14748E9" units="cm"/>
+          <inkml:channel name="F" type="integer" max="32767" units="dev"/>
+        </inkml:traceFormat>
+        <inkml:channelProperties>
+          <inkml:channelProperty channel="X" name="resolution" value="1000" units="1/cm"/>
+          <inkml:channelProperty channel="Y" name="resolution" value="1000" units="1/cm"/>
+          <inkml:channelProperty channel="F" name="resolution" value="0" units="1/dev"/>
+        </inkml:channelProperties>
+      </inkml:inkSource>
+      <inkml:timestamp xml:id="ts0" timeString="2021-02-01T23:53:32.493"/>
+    </inkml:context>
+    <inkml:brush xml:id="br0">
+      <inkml:brushProperty name="width" value="0.1" units="cm"/>
+      <inkml:brushProperty name="height" value="0.1" units="cm"/>
+      <inkml:brushProperty name="color" value="#E71224"/>
+    </inkml:brush>
+  </inkml:definitions>
+  <inkml:trace contextRef="#ctx0" brushRef="#br0">1 1 24575,'0'0'0</inkml:trace>
+</inkml:ink>
+</file>
+
+<file path=ppt/ink/ink7.xml><?xml version="1.0" encoding="utf-8"?>
+<inkml:ink xmlns:inkml="http://www.w3.org/2003/InkML">
+  <inkml:definitions>
+    <inkml:context xml:id="ctx0">
+      <inkml:inkSource xml:id="inkSrc0">
+        <inkml:traceFormat>
+          <inkml:channel name="X" type="integer" min="-2.14748E9" max="2.14748E9" units="cm"/>
+          <inkml:channel name="Y" type="integer" min="-2.14748E9" max="2.14748E9" units="cm"/>
+          <inkml:channel name="F" type="integer" max="32767" units="dev"/>
+        </inkml:traceFormat>
+        <inkml:channelProperties>
+          <inkml:channelProperty channel="X" name="resolution" value="1000" units="1/cm"/>
+          <inkml:channelProperty channel="Y" name="resolution" value="1000" units="1/cm"/>
+          <inkml:channelProperty channel="F" name="resolution" value="0" units="1/dev"/>
+        </inkml:channelProperties>
+      </inkml:inkSource>
+      <inkml:timestamp xml:id="ts0" timeString="2021-02-01T23:43:29.740"/>
+    </inkml:context>
+    <inkml:brush xml:id="br0">
+      <inkml:brushProperty name="width" value="0.1" units="cm"/>
+      <inkml:brushProperty name="height" value="0.1" units="cm"/>
+      <inkml:brushProperty name="color" value="#E71224"/>
+    </inkml:brush>
+  </inkml:definitions>
+  <inkml:trace contextRef="#ctx0" brushRef="#br0">0 1 24575,'0'48'0,"0"24"0,0 11 0,0-17 0,0 12 0,0-7-1557,0-5 1,0-1 1556,0-1 0,0 5 0,0 0 0,0 1 0,0 1 0,0-6 0,0-4 0,0 1 0,0 3 0,0 7 0,0-7 0,0-3 0,0-4 490,0-1 1,0-2-491,0-3 0,0-3 511,0 34-511,0-31 0,0-17 0,0-28 1621,0 3-1621,10 6 0,-1-3 0,8 4 0,-3-7 0,61 2 0,21-4 0,-30-3 0,12-3-848,-9-2 0,17 0 0,12-1 0,9-1 0,3 0 0,-2-1 0,-4 0 0,-11 0 848,-6-1 0,-7 0 0,-4 0 0,3-1 0,6 0 0,12-1 0,-20 0 0,9 1 0,6-1 0,5-1 0,5 0 0,3-1 0,1 1 0,1-1 0,-1 0 0,-2 1 0,-3-1 0,-4 1 0,-6 0 0,-7 1-394,23-3 1,-10 2 0,-6 0-1,-2 0 1,2-1 0,4-1-1,10-1 394,-20 2 0,6-1 0,5-1 0,5-1 0,2 0 0,1-1 0,0 1 0,-2-1 0,-2 1 0,-5 0 0,-6 1 0,-8 0 0,-7 2 0,37-4 0,-17 2 0,-5-1 0,13-3 0,-9-1 0,14-3 0,5-2 0,0-1 0,-8 1 0,-15 2 0,-20 4 0,-11 0 0,-6 0-44,28-7 1,10-2-1,-28 6 44,-41 9 0,-4 4 0,-21 1 0,-4 3 0</inkml:trace>
+</inkml:ink>
+</file>
+
+<file path=ppt/ink/ink8.xml><?xml version="1.0" encoding="utf-8"?>
+<inkml:ink xmlns:inkml="http://www.w3.org/2003/InkML">
+  <inkml:definitions>
+    <inkml:context xml:id="ctx0">
+      <inkml:inkSource xml:id="inkSrc0">
+        <inkml:traceFormat>
+          <inkml:channel name="X" type="integer" min="-2.14748E9" max="2.14748E9" units="cm"/>
+          <inkml:channel name="Y" type="integer" min="-2.14748E9" max="2.14748E9" units="cm"/>
+          <inkml:channel name="F" type="integer" max="32767" units="dev"/>
+        </inkml:traceFormat>
+        <inkml:channelProperties>
+          <inkml:channelProperty channel="X" name="resolution" value="1000" units="1/cm"/>
+          <inkml:channelProperty channel="Y" name="resolution" value="1000" units="1/cm"/>
+          <inkml:channelProperty channel="F" name="resolution" value="0" units="1/dev"/>
+        </inkml:channelProperties>
+      </inkml:inkSource>
+      <inkml:timestamp xml:id="ts0" timeString="2021-02-01T23:43:37.039"/>
+    </inkml:context>
+    <inkml:brush xml:id="br0">
+      <inkml:brushProperty name="width" value="0.1" units="cm"/>
+      <inkml:brushProperty name="height" value="0.1" units="cm"/>
+      <inkml:brushProperty name="color" value="#E71224"/>
+    </inkml:brush>
+  </inkml:definitions>
+  <inkml:trace contextRef="#ctx0" brushRef="#br0">1 186 24575,'0'-13'0,"3"-4"0,17-14 0,3 7 0,11-11 0,-1 17 0,55-7 0,-44 14 0,38 0 0,-67 11 0,-1 0 0,6 16 0,-3-5 0,20 63 0,-22-33 0,2 37 0,-4 6 0,-6 2 0,-12-13 0,-6 13 0,0-13 0,-10 19 0,-8-26 0,-9 8 0,3-15 0,-10-3 0,-5-4 0,5-7 0,25-26 0,83-55 0,-28 16 0,17-12 0,-2 2 0,-24 18 0,-9-3 0,-1 7 0,-6-4 0,-6 7 0,2-1 0,-6 3 0</inkml:trace>
+</inkml:ink>
+</file>
+
+<file path=ppt/ink/ink9.xml><?xml version="1.0" encoding="utf-8"?>
+<inkml:ink xmlns:inkml="http://www.w3.org/2003/InkML">
+  <inkml:definitions>
+    <inkml:context xml:id="ctx0">
+      <inkml:inkSource xml:id="inkSrc0">
+        <inkml:traceFormat>
+          <inkml:channel name="X" type="integer" min="-2.14748E9" max="2.14748E9" units="cm"/>
+          <inkml:channel name="Y" type="integer" min="-2.14748E9" max="2.14748E9" units="cm"/>
+          <inkml:channel name="F" type="integer" max="32767" units="dev"/>
+        </inkml:traceFormat>
+        <inkml:channelProperties>
+          <inkml:channelProperty channel="X" name="resolution" value="1000" units="1/cm"/>
+          <inkml:channelProperty channel="Y" name="resolution" value="1000" units="1/cm"/>
+          <inkml:channelProperty channel="F" name="resolution" value="0" units="1/dev"/>
+        </inkml:channelProperties>
+      </inkml:inkSource>
+      <inkml:timestamp xml:id="ts0" timeString="2021-02-01T23:43:38.690"/>
+    </inkml:context>
+    <inkml:brush xml:id="br0">
+      <inkml:brushProperty name="width" value="0.1" units="cm"/>
+      <inkml:brushProperty name="height" value="0.1" units="cm"/>
+      <inkml:brushProperty name="color" value="#E71224"/>
+    </inkml:brush>
+  </inkml:definitions>
+  <inkml:trace contextRef="#ctx0" brushRef="#br0">643 0 24575,'31'0'0,"-2"0"0,-1 13 0,-13 11 0,0 21 0,-19 48 0,-18-15 0,9-23 0,-4 1 0,-16 3 0,-4-4 0,-11 15 0,-2-8 0,1-5 0,10-22 0,-26 18 0,49-44 0,3-6 0,13-7 0,22-9 0,3-5 0,36-11 0,-9 3 0,12 11 0,3 4 0,2 0 0,-5 5 0,-3 3 0,-17 3 0,17 20 0,-36-9 0,2 37 0,-23-20 0,-12 21 0,-6 5 0,-15 8 0,-5-6 0,-11 10 0,3-9 0,5-17 0,-1-3-501,-30 27 1,0-4 500,-5-12 0,-20-21 0,-4-5 0,4 4 0,3-7 0,8-14 0,41-27 0,13-4 0,12-1 0,12 6 0</inkml:trace>
+</inkml:ink>
 </file>
 
 <file path=ppt/notesMasters/notesMaster1.xml><?xml version="1.0" encoding="utf-8"?>
@@ -5616,6 +7464,375 @@
           </a:p>
         </p:txBody>
       </p:sp>
+      <p:grpSp>
+        <p:nvGrpSpPr>
+          <p:cNvPr id="12" name="Group 11">
+            <a:extLst>
+              <a:ext uri="{FF2B5EF4-FFF2-40B4-BE49-F238E27FC236}">
+                <a16:creationId xmlns:a16="http://schemas.microsoft.com/office/drawing/2014/main" id="{C0840EBB-5F4F-3E49-93A1-7DD04CE3BBB1}"/>
+              </a:ext>
+            </a:extLst>
+          </p:cNvPr>
+          <p:cNvGrpSpPr/>
+          <p:nvPr/>
+        </p:nvGrpSpPr>
+        <p:grpSpPr>
+          <a:xfrm>
+            <a:off x="1312303" y="3977672"/>
+            <a:ext cx="360" cy="5040"/>
+            <a:chOff x="1312303" y="3977672"/>
+            <a:chExt cx="360" cy="5040"/>
+          </a:xfrm>
+        </p:grpSpPr>
+        <mc:AlternateContent xmlns:mc="http://schemas.openxmlformats.org/markup-compatibility/2006">
+          <mc:Choice xmlns:p14="http://schemas.microsoft.com/office/powerpoint/2010/main" Requires="p14">
+            <p:contentPart p14:bwMode="auto" r:id="rId2">
+              <p14:nvContentPartPr>
+                <p14:cNvPr id="4" name="Ink 3">
+                  <a:extLst>
+                    <a:ext uri="{FF2B5EF4-FFF2-40B4-BE49-F238E27FC236}">
+                      <a16:creationId xmlns:a16="http://schemas.microsoft.com/office/drawing/2014/main" id="{E98C8C17-1E4B-B04A-87DE-DFDCCA40D919}"/>
+                    </a:ext>
+                  </a:extLst>
+                </p14:cNvPr>
+                <p14:cNvContentPartPr/>
+                <p14:nvPr/>
+              </p14:nvContentPartPr>
+              <p14:xfrm>
+                <a:off x="1312303" y="3982352"/>
+                <a:ext cx="360" cy="360"/>
+              </p14:xfrm>
+            </p:contentPart>
+          </mc:Choice>
+          <mc:Fallback>
+            <p:pic>
+              <p:nvPicPr>
+                <p:cNvPr id="4" name="Ink 3">
+                  <a:extLst>
+                    <a:ext uri="{FF2B5EF4-FFF2-40B4-BE49-F238E27FC236}">
+                      <a16:creationId xmlns:a16="http://schemas.microsoft.com/office/drawing/2014/main" id="{E98C8C17-1E4B-B04A-87DE-DFDCCA40D919}"/>
+                    </a:ext>
+                  </a:extLst>
+                </p:cNvPr>
+                <p:cNvPicPr/>
+                <p:nvPr/>
+              </p:nvPicPr>
+              <p:blipFill>
+                <a:blip r:embed="rId3"/>
+                <a:stretch>
+                  <a:fillRect/>
+                </a:stretch>
+              </p:blipFill>
+              <p:spPr>
+                <a:xfrm>
+                  <a:off x="1294663" y="3964352"/>
+                  <a:ext cx="36000" cy="36000"/>
+                </a:xfrm>
+                <a:prstGeom prst="rect">
+                  <a:avLst/>
+                </a:prstGeom>
+              </p:spPr>
+            </p:pic>
+          </mc:Fallback>
+        </mc:AlternateContent>
+        <mc:AlternateContent xmlns:mc="http://schemas.openxmlformats.org/markup-compatibility/2006">
+          <mc:Choice xmlns:p14="http://schemas.microsoft.com/office/powerpoint/2010/main" Requires="p14">
+            <p:contentPart p14:bwMode="auto" r:id="rId4">
+              <p14:nvContentPartPr>
+                <p14:cNvPr id="5" name="Ink 4">
+                  <a:extLst>
+                    <a:ext uri="{FF2B5EF4-FFF2-40B4-BE49-F238E27FC236}">
+                      <a16:creationId xmlns:a16="http://schemas.microsoft.com/office/drawing/2014/main" id="{FD1D7696-112A-DE4A-99D8-DC916E3D9AC3}"/>
+                    </a:ext>
+                  </a:extLst>
+                </p14:cNvPr>
+                <p14:cNvContentPartPr/>
+                <p14:nvPr/>
+              </p14:nvContentPartPr>
+              <p14:xfrm>
+                <a:off x="1312303" y="3977672"/>
+                <a:ext cx="360" cy="360"/>
+              </p14:xfrm>
+            </p:contentPart>
+          </mc:Choice>
+          <mc:Fallback>
+            <p:pic>
+              <p:nvPicPr>
+                <p:cNvPr id="5" name="Ink 4">
+                  <a:extLst>
+                    <a:ext uri="{FF2B5EF4-FFF2-40B4-BE49-F238E27FC236}">
+                      <a16:creationId xmlns:a16="http://schemas.microsoft.com/office/drawing/2014/main" id="{FD1D7696-112A-DE4A-99D8-DC916E3D9AC3}"/>
+                    </a:ext>
+                  </a:extLst>
+                </p:cNvPr>
+                <p:cNvPicPr/>
+                <p:nvPr/>
+              </p:nvPicPr>
+              <p:blipFill>
+                <a:blip r:embed="rId3"/>
+                <a:stretch>
+                  <a:fillRect/>
+                </a:stretch>
+              </p:blipFill>
+              <p:spPr>
+                <a:xfrm>
+                  <a:off x="1294663" y="3960032"/>
+                  <a:ext cx="36000" cy="36000"/>
+                </a:xfrm>
+                <a:prstGeom prst="rect">
+                  <a:avLst/>
+                </a:prstGeom>
+              </p:spPr>
+            </p:pic>
+          </mc:Fallback>
+        </mc:AlternateContent>
+      </p:grpSp>
+      <p:grpSp>
+        <p:nvGrpSpPr>
+          <p:cNvPr id="11" name="Group 10">
+            <a:extLst>
+              <a:ext uri="{FF2B5EF4-FFF2-40B4-BE49-F238E27FC236}">
+                <a16:creationId xmlns:a16="http://schemas.microsoft.com/office/drawing/2014/main" id="{E23E9370-9BCF-9649-B6F2-18E22A88B097}"/>
+              </a:ext>
+            </a:extLst>
+          </p:cNvPr>
+          <p:cNvGrpSpPr/>
+          <p:nvPr/>
+        </p:nvGrpSpPr>
+        <p:grpSpPr>
+          <a:xfrm>
+            <a:off x="2033023" y="3045992"/>
+            <a:ext cx="360" cy="4680"/>
+            <a:chOff x="2033023" y="3045992"/>
+            <a:chExt cx="360" cy="4680"/>
+          </a:xfrm>
+        </p:grpSpPr>
+        <mc:AlternateContent xmlns:mc="http://schemas.openxmlformats.org/markup-compatibility/2006">
+          <mc:Choice xmlns:p14="http://schemas.microsoft.com/office/powerpoint/2010/main" Requires="p14">
+            <p:contentPart p14:bwMode="auto" r:id="rId5">
+              <p14:nvContentPartPr>
+                <p14:cNvPr id="6" name="Ink 5">
+                  <a:extLst>
+                    <a:ext uri="{FF2B5EF4-FFF2-40B4-BE49-F238E27FC236}">
+                      <a16:creationId xmlns:a16="http://schemas.microsoft.com/office/drawing/2014/main" id="{43E8CC6A-EC8C-294C-8E0D-D89E9CF6F5BE}"/>
+                    </a:ext>
+                  </a:extLst>
+                </p14:cNvPr>
+                <p14:cNvContentPartPr/>
+                <p14:nvPr/>
+              </p14:nvContentPartPr>
+              <p14:xfrm>
+                <a:off x="2033023" y="3050312"/>
+                <a:ext cx="360" cy="360"/>
+              </p14:xfrm>
+            </p:contentPart>
+          </mc:Choice>
+          <mc:Fallback>
+            <p:pic>
+              <p:nvPicPr>
+                <p:cNvPr id="6" name="Ink 5">
+                  <a:extLst>
+                    <a:ext uri="{FF2B5EF4-FFF2-40B4-BE49-F238E27FC236}">
+                      <a16:creationId xmlns:a16="http://schemas.microsoft.com/office/drawing/2014/main" id="{43E8CC6A-EC8C-294C-8E0D-D89E9CF6F5BE}"/>
+                    </a:ext>
+                  </a:extLst>
+                </p:cNvPr>
+                <p:cNvPicPr/>
+                <p:nvPr/>
+              </p:nvPicPr>
+              <p:blipFill>
+                <a:blip r:embed="rId3"/>
+                <a:stretch>
+                  <a:fillRect/>
+                </a:stretch>
+              </p:blipFill>
+              <p:spPr>
+                <a:xfrm>
+                  <a:off x="2015383" y="3032312"/>
+                  <a:ext cx="36000" cy="36000"/>
+                </a:xfrm>
+                <a:prstGeom prst="rect">
+                  <a:avLst/>
+                </a:prstGeom>
+              </p:spPr>
+            </p:pic>
+          </mc:Fallback>
+        </mc:AlternateContent>
+        <mc:AlternateContent xmlns:mc="http://schemas.openxmlformats.org/markup-compatibility/2006">
+          <mc:Choice xmlns:p14="http://schemas.microsoft.com/office/powerpoint/2010/main" Requires="p14">
+            <p:contentPart p14:bwMode="auto" r:id="rId6">
+              <p14:nvContentPartPr>
+                <p14:cNvPr id="7" name="Ink 6">
+                  <a:extLst>
+                    <a:ext uri="{FF2B5EF4-FFF2-40B4-BE49-F238E27FC236}">
+                      <a16:creationId xmlns:a16="http://schemas.microsoft.com/office/drawing/2014/main" id="{502AF4F8-C95D-2048-BA71-E6F447EF6F21}"/>
+                    </a:ext>
+                  </a:extLst>
+                </p14:cNvPr>
+                <p14:cNvContentPartPr/>
+                <p14:nvPr/>
+              </p14:nvContentPartPr>
+              <p14:xfrm>
+                <a:off x="2033023" y="3045992"/>
+                <a:ext cx="360" cy="4680"/>
+              </p14:xfrm>
+            </p:contentPart>
+          </mc:Choice>
+          <mc:Fallback>
+            <p:pic>
+              <p:nvPicPr>
+                <p:cNvPr id="7" name="Ink 6">
+                  <a:extLst>
+                    <a:ext uri="{FF2B5EF4-FFF2-40B4-BE49-F238E27FC236}">
+                      <a16:creationId xmlns:a16="http://schemas.microsoft.com/office/drawing/2014/main" id="{502AF4F8-C95D-2048-BA71-E6F447EF6F21}"/>
+                    </a:ext>
+                  </a:extLst>
+                </p:cNvPr>
+                <p:cNvPicPr/>
+                <p:nvPr/>
+              </p:nvPicPr>
+              <p:blipFill>
+                <a:blip r:embed="rId7"/>
+                <a:stretch>
+                  <a:fillRect/>
+                </a:stretch>
+              </p:blipFill>
+              <p:spPr>
+                <a:xfrm>
+                  <a:off x="2015383" y="3028352"/>
+                  <a:ext cx="36000" cy="40320"/>
+                </a:xfrm>
+                <a:prstGeom prst="rect">
+                  <a:avLst/>
+                </a:prstGeom>
+              </p:spPr>
+            </p:pic>
+          </mc:Fallback>
+        </mc:AlternateContent>
+      </p:grpSp>
+      <p:grpSp>
+        <p:nvGrpSpPr>
+          <p:cNvPr id="10" name="Group 9">
+            <a:extLst>
+              <a:ext uri="{FF2B5EF4-FFF2-40B4-BE49-F238E27FC236}">
+                <a16:creationId xmlns:a16="http://schemas.microsoft.com/office/drawing/2014/main" id="{6C84A30F-1BBC-D047-A649-4CC1E1689D81}"/>
+              </a:ext>
+            </a:extLst>
+          </p:cNvPr>
+          <p:cNvGrpSpPr/>
+          <p:nvPr/>
+        </p:nvGrpSpPr>
+        <p:grpSpPr>
+          <a:xfrm>
+            <a:off x="2235703" y="2499872"/>
+            <a:ext cx="360" cy="360"/>
+            <a:chOff x="2235703" y="2499872"/>
+            <a:chExt cx="360" cy="360"/>
+          </a:xfrm>
+        </p:grpSpPr>
+        <mc:AlternateContent xmlns:mc="http://schemas.openxmlformats.org/markup-compatibility/2006">
+          <mc:Choice xmlns:p14="http://schemas.microsoft.com/office/powerpoint/2010/main" Requires="p14">
+            <p:contentPart p14:bwMode="auto" r:id="rId8">
+              <p14:nvContentPartPr>
+                <p14:cNvPr id="8" name="Ink 7">
+                  <a:extLst>
+                    <a:ext uri="{FF2B5EF4-FFF2-40B4-BE49-F238E27FC236}">
+                      <a16:creationId xmlns:a16="http://schemas.microsoft.com/office/drawing/2014/main" id="{C2293A87-1674-3945-A64C-E8C09CC4E5D3}"/>
+                    </a:ext>
+                  </a:extLst>
+                </p14:cNvPr>
+                <p14:cNvContentPartPr/>
+                <p14:nvPr/>
+              </p14:nvContentPartPr>
+              <p14:xfrm>
+                <a:off x="2235703" y="2499872"/>
+                <a:ext cx="360" cy="360"/>
+              </p14:xfrm>
+            </p:contentPart>
+          </mc:Choice>
+          <mc:Fallback>
+            <p:pic>
+              <p:nvPicPr>
+                <p:cNvPr id="8" name="Ink 7">
+                  <a:extLst>
+                    <a:ext uri="{FF2B5EF4-FFF2-40B4-BE49-F238E27FC236}">
+                      <a16:creationId xmlns:a16="http://schemas.microsoft.com/office/drawing/2014/main" id="{C2293A87-1674-3945-A64C-E8C09CC4E5D3}"/>
+                    </a:ext>
+                  </a:extLst>
+                </p:cNvPr>
+                <p:cNvPicPr/>
+                <p:nvPr/>
+              </p:nvPicPr>
+              <p:blipFill>
+                <a:blip r:embed="rId3"/>
+                <a:stretch>
+                  <a:fillRect/>
+                </a:stretch>
+              </p:blipFill>
+              <p:spPr>
+                <a:xfrm>
+                  <a:off x="2218063" y="2482232"/>
+                  <a:ext cx="36000" cy="36000"/>
+                </a:xfrm>
+                <a:prstGeom prst="rect">
+                  <a:avLst/>
+                </a:prstGeom>
+              </p:spPr>
+            </p:pic>
+          </mc:Fallback>
+        </mc:AlternateContent>
+        <mc:AlternateContent xmlns:mc="http://schemas.openxmlformats.org/markup-compatibility/2006">
+          <mc:Choice xmlns:p14="http://schemas.microsoft.com/office/powerpoint/2010/main" Requires="p14">
+            <p:contentPart p14:bwMode="auto" r:id="rId9">
+              <p14:nvContentPartPr>
+                <p14:cNvPr id="9" name="Ink 8">
+                  <a:extLst>
+                    <a:ext uri="{FF2B5EF4-FFF2-40B4-BE49-F238E27FC236}">
+                      <a16:creationId xmlns:a16="http://schemas.microsoft.com/office/drawing/2014/main" id="{A5AB256D-BC0C-7540-878D-DCDDAFD61D1F}"/>
+                    </a:ext>
+                  </a:extLst>
+                </p14:cNvPr>
+                <p14:cNvContentPartPr/>
+                <p14:nvPr/>
+              </p14:nvContentPartPr>
+              <p14:xfrm>
+                <a:off x="2235703" y="2499872"/>
+                <a:ext cx="360" cy="360"/>
+              </p14:xfrm>
+            </p:contentPart>
+          </mc:Choice>
+          <mc:Fallback>
+            <p:pic>
+              <p:nvPicPr>
+                <p:cNvPr id="9" name="Ink 8">
+                  <a:extLst>
+                    <a:ext uri="{FF2B5EF4-FFF2-40B4-BE49-F238E27FC236}">
+                      <a16:creationId xmlns:a16="http://schemas.microsoft.com/office/drawing/2014/main" id="{A5AB256D-BC0C-7540-878D-DCDDAFD61D1F}"/>
+                    </a:ext>
+                  </a:extLst>
+                </p:cNvPr>
+                <p:cNvPicPr/>
+                <p:nvPr/>
+              </p:nvPicPr>
+              <p:blipFill>
+                <a:blip r:embed="rId3"/>
+                <a:stretch>
+                  <a:fillRect/>
+                </a:stretch>
+              </p:blipFill>
+              <p:spPr>
+                <a:xfrm>
+                  <a:off x="2218063" y="2482232"/>
+                  <a:ext cx="36000" cy="36000"/>
+                </a:xfrm>
+                <a:prstGeom prst="rect">
+                  <a:avLst/>
+                </a:prstGeom>
+              </p:spPr>
+            </p:pic>
+          </mc:Fallback>
+        </mc:AlternateContent>
+      </p:grpSp>
     </p:spTree>
     <p:extLst>
       <p:ext uri="{BB962C8B-B14F-4D97-AF65-F5344CB8AC3E}">
@@ -5690,7 +7907,12 @@
             <p:ph idx="1"/>
           </p:nvPr>
         </p:nvSpPr>
-        <p:spPr/>
+        <p:spPr>
+          <a:xfrm>
+            <a:off x="1069848" y="2121407"/>
+            <a:ext cx="10058400" cy="4479417"/>
+          </a:xfrm>
+        </p:spPr>
         <p:txBody>
           <a:bodyPr>
             <a:normAutofit fontScale="85000" lnSpcReduction="20000"/>
@@ -5881,6 +8103,39 @@
               </a:rPr>
               <a:t>https://docs.github.com/en/github/importing-your-projects-to-github/adding-an-existing-project-to-github-using-the-command-line</a:t>
             </a:r>
+            <a:endParaRPr lang="en-US" dirty="0"/>
+          </a:p>
+          <a:p>
+            <a:pPr marL="274320" lvl="1" indent="0">
+              <a:buNone/>
+            </a:pPr>
+            <a:r>
+              <a:rPr lang="en-US" dirty="0"/>
+              <a:t>MY REPO FOR THIS COURSE</a:t>
+            </a:r>
+          </a:p>
+          <a:p>
+            <a:pPr marL="274320" lvl="1" indent="0">
+              <a:buNone/>
+            </a:pPr>
+            <a:r>
+              <a:rPr lang="en-US" dirty="0">
+                <a:hlinkClick r:id="rId4"/>
+              </a:rPr>
+              <a:t>https://github.com/bama-govindaraja/sw407</a:t>
+            </a:r>
+            <a:endParaRPr lang="en-US" dirty="0"/>
+          </a:p>
+          <a:p>
+            <a:pPr marL="274320" lvl="1" indent="0">
+              <a:buNone/>
+            </a:pPr>
+            <a:endParaRPr lang="en-US" b="1" dirty="0"/>
+          </a:p>
+          <a:p>
+            <a:pPr marL="274320" lvl="1" indent="0">
+              <a:buNone/>
+            </a:pPr>
             <a:endParaRPr lang="en-US" b="1" dirty="0"/>
           </a:p>
         </p:txBody>
@@ -7199,6 +9454,2640 @@
           </a:p>
         </p:txBody>
       </p:sp>
+      <p:grpSp>
+        <p:nvGrpSpPr>
+          <p:cNvPr id="8" name="Group 7">
+            <a:extLst>
+              <a:ext uri="{FF2B5EF4-FFF2-40B4-BE49-F238E27FC236}">
+                <a16:creationId xmlns:a16="http://schemas.microsoft.com/office/drawing/2014/main" id="{428C226D-B8CA-0948-9D00-C172CF5F625E}"/>
+              </a:ext>
+            </a:extLst>
+          </p:cNvPr>
+          <p:cNvGrpSpPr/>
+          <p:nvPr/>
+        </p:nvGrpSpPr>
+        <p:grpSpPr>
+          <a:xfrm>
+            <a:off x="1200703" y="2715872"/>
+            <a:ext cx="291960" cy="569520"/>
+            <a:chOff x="1200703" y="2715872"/>
+            <a:chExt cx="291960" cy="569520"/>
+          </a:xfrm>
+        </p:grpSpPr>
+        <mc:AlternateContent xmlns:mc="http://schemas.openxmlformats.org/markup-compatibility/2006">
+          <mc:Choice xmlns:p14="http://schemas.microsoft.com/office/powerpoint/2010/main" Requires="p14">
+            <p:contentPart p14:bwMode="auto" r:id="rId2">
+              <p14:nvContentPartPr>
+                <p14:cNvPr id="4" name="Ink 3">
+                  <a:extLst>
+                    <a:ext uri="{FF2B5EF4-FFF2-40B4-BE49-F238E27FC236}">
+                      <a16:creationId xmlns:a16="http://schemas.microsoft.com/office/drawing/2014/main" id="{C7B4F6E4-4053-9147-8404-5D58F8FE6A4B}"/>
+                    </a:ext>
+                  </a:extLst>
+                </p14:cNvPr>
+                <p14:cNvContentPartPr/>
+                <p14:nvPr/>
+              </p14:nvContentPartPr>
+              <p14:xfrm>
+                <a:off x="1200703" y="2715872"/>
+                <a:ext cx="291960" cy="569520"/>
+              </p14:xfrm>
+            </p:contentPart>
+          </mc:Choice>
+          <mc:Fallback>
+            <p:pic>
+              <p:nvPicPr>
+                <p:cNvPr id="4" name="Ink 3">
+                  <a:extLst>
+                    <a:ext uri="{FF2B5EF4-FFF2-40B4-BE49-F238E27FC236}">
+                      <a16:creationId xmlns:a16="http://schemas.microsoft.com/office/drawing/2014/main" id="{C7B4F6E4-4053-9147-8404-5D58F8FE6A4B}"/>
+                    </a:ext>
+                  </a:extLst>
+                </p:cNvPr>
+                <p:cNvPicPr/>
+                <p:nvPr/>
+              </p:nvPicPr>
+              <p:blipFill>
+                <a:blip r:embed="rId3"/>
+                <a:stretch>
+                  <a:fillRect/>
+                </a:stretch>
+              </p:blipFill>
+              <p:spPr>
+                <a:xfrm>
+                  <a:off x="1183063" y="2698232"/>
+                  <a:ext cx="327600" cy="605160"/>
+                </a:xfrm>
+                <a:prstGeom prst="rect">
+                  <a:avLst/>
+                </a:prstGeom>
+              </p:spPr>
+            </p:pic>
+          </mc:Fallback>
+        </mc:AlternateContent>
+        <mc:AlternateContent xmlns:mc="http://schemas.openxmlformats.org/markup-compatibility/2006">
+          <mc:Choice xmlns:p14="http://schemas.microsoft.com/office/powerpoint/2010/main" Requires="p14">
+            <p:contentPart p14:bwMode="auto" r:id="rId4">
+              <p14:nvContentPartPr>
+                <p14:cNvPr id="5" name="Ink 4">
+                  <a:extLst>
+                    <a:ext uri="{FF2B5EF4-FFF2-40B4-BE49-F238E27FC236}">
+                      <a16:creationId xmlns:a16="http://schemas.microsoft.com/office/drawing/2014/main" id="{CE2906E4-8A8E-C14D-9F5E-3D65F47FBAD4}"/>
+                    </a:ext>
+                  </a:extLst>
+                </p14:cNvPr>
+                <p14:cNvContentPartPr/>
+                <p14:nvPr/>
+              </p14:nvContentPartPr>
+              <p14:xfrm>
+                <a:off x="1268383" y="3030152"/>
+                <a:ext cx="28800" cy="7560"/>
+              </p14:xfrm>
+            </p:contentPart>
+          </mc:Choice>
+          <mc:Fallback>
+            <p:pic>
+              <p:nvPicPr>
+                <p:cNvPr id="5" name="Ink 4">
+                  <a:extLst>
+                    <a:ext uri="{FF2B5EF4-FFF2-40B4-BE49-F238E27FC236}">
+                      <a16:creationId xmlns:a16="http://schemas.microsoft.com/office/drawing/2014/main" id="{CE2906E4-8A8E-C14D-9F5E-3D65F47FBAD4}"/>
+                    </a:ext>
+                  </a:extLst>
+                </p:cNvPr>
+                <p:cNvPicPr/>
+                <p:nvPr/>
+              </p:nvPicPr>
+              <p:blipFill>
+                <a:blip r:embed="rId5"/>
+                <a:stretch>
+                  <a:fillRect/>
+                </a:stretch>
+              </p:blipFill>
+              <p:spPr>
+                <a:xfrm>
+                  <a:off x="1250743" y="3012152"/>
+                  <a:ext cx="64440" cy="43200"/>
+                </a:xfrm>
+                <a:prstGeom prst="rect">
+                  <a:avLst/>
+                </a:prstGeom>
+              </p:spPr>
+            </p:pic>
+          </mc:Fallback>
+        </mc:AlternateContent>
+        <mc:AlternateContent xmlns:mc="http://schemas.openxmlformats.org/markup-compatibility/2006">
+          <mc:Choice xmlns:p14="http://schemas.microsoft.com/office/powerpoint/2010/main" Requires="p14">
+            <p:contentPart p14:bwMode="auto" r:id="rId6">
+              <p14:nvContentPartPr>
+                <p14:cNvPr id="7" name="Ink 6">
+                  <a:extLst>
+                    <a:ext uri="{FF2B5EF4-FFF2-40B4-BE49-F238E27FC236}">
+                      <a16:creationId xmlns:a16="http://schemas.microsoft.com/office/drawing/2014/main" id="{34287A2D-8EA8-C64E-B7A9-C3E34FF174BF}"/>
+                    </a:ext>
+                  </a:extLst>
+                </p14:cNvPr>
+                <p14:cNvContentPartPr/>
+                <p14:nvPr/>
+              </p14:nvContentPartPr>
+              <p14:xfrm>
+                <a:off x="1306903" y="2991272"/>
+                <a:ext cx="171360" cy="36360"/>
+              </p14:xfrm>
+            </p:contentPart>
+          </mc:Choice>
+          <mc:Fallback>
+            <p:pic>
+              <p:nvPicPr>
+                <p:cNvPr id="7" name="Ink 6">
+                  <a:extLst>
+                    <a:ext uri="{FF2B5EF4-FFF2-40B4-BE49-F238E27FC236}">
+                      <a16:creationId xmlns:a16="http://schemas.microsoft.com/office/drawing/2014/main" id="{34287A2D-8EA8-C64E-B7A9-C3E34FF174BF}"/>
+                    </a:ext>
+                  </a:extLst>
+                </p:cNvPr>
+                <p:cNvPicPr/>
+                <p:nvPr/>
+              </p:nvPicPr>
+              <p:blipFill>
+                <a:blip r:embed="rId7"/>
+                <a:stretch>
+                  <a:fillRect/>
+                </a:stretch>
+              </p:blipFill>
+              <p:spPr>
+                <a:xfrm>
+                  <a:off x="1288903" y="2973632"/>
+                  <a:ext cx="207000" cy="72000"/>
+                </a:xfrm>
+                <a:prstGeom prst="rect">
+                  <a:avLst/>
+                </a:prstGeom>
+              </p:spPr>
+            </p:pic>
+          </mc:Fallback>
+        </mc:AlternateContent>
+      </p:grpSp>
+      <mc:AlternateContent xmlns:mc="http://schemas.openxmlformats.org/markup-compatibility/2006">
+        <mc:Choice xmlns:p14="http://schemas.microsoft.com/office/powerpoint/2010/main" Requires="p14">
+          <p:contentPart p14:bwMode="auto" r:id="rId8">
+            <p14:nvContentPartPr>
+              <p14:cNvPr id="9" name="Ink 8">
+                <a:extLst>
+                  <a:ext uri="{FF2B5EF4-FFF2-40B4-BE49-F238E27FC236}">
+                    <a16:creationId xmlns:a16="http://schemas.microsoft.com/office/drawing/2014/main" id="{03FCB6D7-4E3C-024B-A06C-DCA5D03958AE}"/>
+                  </a:ext>
+                </a:extLst>
+              </p14:cNvPr>
+              <p14:cNvContentPartPr/>
+              <p14:nvPr/>
+            </p14:nvContentPartPr>
+            <p14:xfrm>
+              <a:off x="4198063" y="2678792"/>
+              <a:ext cx="154080" cy="422280"/>
+            </p14:xfrm>
+          </p:contentPart>
+        </mc:Choice>
+        <mc:Fallback>
+          <p:pic>
+            <p:nvPicPr>
+              <p:cNvPr id="9" name="Ink 8">
+                <a:extLst>
+                  <a:ext uri="{FF2B5EF4-FFF2-40B4-BE49-F238E27FC236}">
+                    <a16:creationId xmlns:a16="http://schemas.microsoft.com/office/drawing/2014/main" id="{03FCB6D7-4E3C-024B-A06C-DCA5D03958AE}"/>
+                  </a:ext>
+                </a:extLst>
+              </p:cNvPr>
+              <p:cNvPicPr/>
+              <p:nvPr/>
+            </p:nvPicPr>
+            <p:blipFill>
+              <a:blip r:embed="rId9"/>
+              <a:stretch>
+                <a:fillRect/>
+              </a:stretch>
+            </p:blipFill>
+            <p:spPr>
+              <a:xfrm>
+                <a:off x="4180423" y="2660792"/>
+                <a:ext cx="189720" cy="457920"/>
+              </a:xfrm>
+              <a:prstGeom prst="rect">
+                <a:avLst/>
+              </a:prstGeom>
+            </p:spPr>
+          </p:pic>
+        </mc:Fallback>
+      </mc:AlternateContent>
+      <mc:AlternateContent xmlns:mc="http://schemas.openxmlformats.org/markup-compatibility/2006">
+        <mc:Choice xmlns:p14="http://schemas.microsoft.com/office/powerpoint/2010/main" Requires="p14">
+          <p:contentPart p14:bwMode="auto" r:id="rId10">
+            <p14:nvContentPartPr>
+              <p14:cNvPr id="10" name="Ink 9">
+                <a:extLst>
+                  <a:ext uri="{FF2B5EF4-FFF2-40B4-BE49-F238E27FC236}">
+                    <a16:creationId xmlns:a16="http://schemas.microsoft.com/office/drawing/2014/main" id="{863DA1F1-14DC-674F-9F09-8E4E66260946}"/>
+                  </a:ext>
+                </a:extLst>
+              </p14:cNvPr>
+              <p14:cNvContentPartPr/>
+              <p14:nvPr/>
+            </p14:nvContentPartPr>
+            <p14:xfrm>
+              <a:off x="4464823" y="2759792"/>
+              <a:ext cx="68760" cy="360"/>
+            </p14:xfrm>
+          </p:contentPart>
+        </mc:Choice>
+        <mc:Fallback>
+          <p:pic>
+            <p:nvPicPr>
+              <p:cNvPr id="10" name="Ink 9">
+                <a:extLst>
+                  <a:ext uri="{FF2B5EF4-FFF2-40B4-BE49-F238E27FC236}">
+                    <a16:creationId xmlns:a16="http://schemas.microsoft.com/office/drawing/2014/main" id="{863DA1F1-14DC-674F-9F09-8E4E66260946}"/>
+                  </a:ext>
+                </a:extLst>
+              </p:cNvPr>
+              <p:cNvPicPr/>
+              <p:nvPr/>
+            </p:nvPicPr>
+            <p:blipFill>
+              <a:blip r:embed="rId11"/>
+              <a:stretch>
+                <a:fillRect/>
+              </a:stretch>
+            </p:blipFill>
+            <p:spPr>
+              <a:xfrm>
+                <a:off x="4447183" y="2741792"/>
+                <a:ext cx="104400" cy="36000"/>
+              </a:xfrm>
+              <a:prstGeom prst="rect">
+                <a:avLst/>
+              </a:prstGeom>
+            </p:spPr>
+          </p:pic>
+        </mc:Fallback>
+      </mc:AlternateContent>
+      <mc:AlternateContent xmlns:mc="http://schemas.openxmlformats.org/markup-compatibility/2006">
+        <mc:Choice xmlns:p14="http://schemas.microsoft.com/office/powerpoint/2010/main" Requires="p14">
+          <p:contentPart p14:bwMode="auto" r:id="rId12">
+            <p14:nvContentPartPr>
+              <p14:cNvPr id="12" name="Ink 11">
+                <a:extLst>
+                  <a:ext uri="{FF2B5EF4-FFF2-40B4-BE49-F238E27FC236}">
+                    <a16:creationId xmlns:a16="http://schemas.microsoft.com/office/drawing/2014/main" id="{A73E68B1-2FD7-EC46-9F22-4B629F96FE38}"/>
+                  </a:ext>
+                </a:extLst>
+              </p14:cNvPr>
+              <p14:cNvContentPartPr/>
+              <p14:nvPr/>
+            </p14:nvContentPartPr>
+            <p14:xfrm>
+              <a:off x="4451503" y="2769152"/>
+              <a:ext cx="343440" cy="402840"/>
+            </p14:xfrm>
+          </p:contentPart>
+        </mc:Choice>
+        <mc:Fallback>
+          <p:pic>
+            <p:nvPicPr>
+              <p:cNvPr id="12" name="Ink 11">
+                <a:extLst>
+                  <a:ext uri="{FF2B5EF4-FFF2-40B4-BE49-F238E27FC236}">
+                    <a16:creationId xmlns:a16="http://schemas.microsoft.com/office/drawing/2014/main" id="{A73E68B1-2FD7-EC46-9F22-4B629F96FE38}"/>
+                  </a:ext>
+                </a:extLst>
+              </p:cNvPr>
+              <p:cNvPicPr/>
+              <p:nvPr/>
+            </p:nvPicPr>
+            <p:blipFill>
+              <a:blip r:embed="rId13"/>
+              <a:stretch>
+                <a:fillRect/>
+              </a:stretch>
+            </p:blipFill>
+            <p:spPr>
+              <a:xfrm>
+                <a:off x="4433863" y="2751152"/>
+                <a:ext cx="379080" cy="438480"/>
+              </a:xfrm>
+              <a:prstGeom prst="rect">
+                <a:avLst/>
+              </a:prstGeom>
+            </p:spPr>
+          </p:pic>
+        </mc:Fallback>
+      </mc:AlternateContent>
+      <mc:AlternateContent xmlns:mc="http://schemas.openxmlformats.org/markup-compatibility/2006">
+        <mc:Choice xmlns:p14="http://schemas.microsoft.com/office/powerpoint/2010/main" Requires="p14">
+          <p:contentPart p14:bwMode="auto" r:id="rId14">
+            <p14:nvContentPartPr>
+              <p14:cNvPr id="14" name="Ink 13">
+                <a:extLst>
+                  <a:ext uri="{FF2B5EF4-FFF2-40B4-BE49-F238E27FC236}">
+                    <a16:creationId xmlns:a16="http://schemas.microsoft.com/office/drawing/2014/main" id="{83F0FA9E-D741-8941-89BD-B0C66892C48D}"/>
+                  </a:ext>
+                </a:extLst>
+              </p14:cNvPr>
+              <p14:cNvContentPartPr/>
+              <p14:nvPr/>
+            </p14:nvContentPartPr>
+            <p14:xfrm>
+              <a:off x="3847423" y="2784992"/>
+              <a:ext cx="2290320" cy="679320"/>
+            </p14:xfrm>
+          </p:contentPart>
+        </mc:Choice>
+        <mc:Fallback>
+          <p:pic>
+            <p:nvPicPr>
+              <p:cNvPr id="14" name="Ink 13">
+                <a:extLst>
+                  <a:ext uri="{FF2B5EF4-FFF2-40B4-BE49-F238E27FC236}">
+                    <a16:creationId xmlns:a16="http://schemas.microsoft.com/office/drawing/2014/main" id="{83F0FA9E-D741-8941-89BD-B0C66892C48D}"/>
+                  </a:ext>
+                </a:extLst>
+              </p:cNvPr>
+              <p:cNvPicPr/>
+              <p:nvPr/>
+            </p:nvPicPr>
+            <p:blipFill>
+              <a:blip r:embed="rId15"/>
+              <a:stretch>
+                <a:fillRect/>
+              </a:stretch>
+            </p:blipFill>
+            <p:spPr>
+              <a:xfrm>
+                <a:off x="3829423" y="2767352"/>
+                <a:ext cx="2325960" cy="714960"/>
+              </a:xfrm>
+              <a:prstGeom prst="rect">
+                <a:avLst/>
+              </a:prstGeom>
+            </p:spPr>
+          </p:pic>
+        </mc:Fallback>
+      </mc:AlternateContent>
+      <mc:AlternateContent xmlns:mc="http://schemas.openxmlformats.org/markup-compatibility/2006">
+        <mc:Choice xmlns:p14="http://schemas.microsoft.com/office/powerpoint/2010/main" Requires="p14">
+          <p:contentPart p14:bwMode="auto" r:id="rId16">
+            <p14:nvContentPartPr>
+              <p14:cNvPr id="16" name="Ink 15">
+                <a:extLst>
+                  <a:ext uri="{FF2B5EF4-FFF2-40B4-BE49-F238E27FC236}">
+                    <a16:creationId xmlns:a16="http://schemas.microsoft.com/office/drawing/2014/main" id="{56720409-1FBA-304D-9944-ABE34D59DF2B}"/>
+                  </a:ext>
+                </a:extLst>
+              </p14:cNvPr>
+              <p14:cNvContentPartPr/>
+              <p14:nvPr/>
+            </p14:nvContentPartPr>
+            <p14:xfrm>
+              <a:off x="3517663" y="2982272"/>
+              <a:ext cx="173880" cy="390960"/>
+            </p14:xfrm>
+          </p:contentPart>
+        </mc:Choice>
+        <mc:Fallback>
+          <p:pic>
+            <p:nvPicPr>
+              <p:cNvPr id="16" name="Ink 15">
+                <a:extLst>
+                  <a:ext uri="{FF2B5EF4-FFF2-40B4-BE49-F238E27FC236}">
+                    <a16:creationId xmlns:a16="http://schemas.microsoft.com/office/drawing/2014/main" id="{56720409-1FBA-304D-9944-ABE34D59DF2B}"/>
+                  </a:ext>
+                </a:extLst>
+              </p:cNvPr>
+              <p:cNvPicPr/>
+              <p:nvPr/>
+            </p:nvPicPr>
+            <p:blipFill>
+              <a:blip r:embed="rId17"/>
+              <a:stretch>
+                <a:fillRect/>
+              </a:stretch>
+            </p:blipFill>
+            <p:spPr>
+              <a:xfrm>
+                <a:off x="3500023" y="2964632"/>
+                <a:ext cx="209520" cy="426600"/>
+              </a:xfrm>
+              <a:prstGeom prst="rect">
+                <a:avLst/>
+              </a:prstGeom>
+            </p:spPr>
+          </p:pic>
+        </mc:Fallback>
+      </mc:AlternateContent>
+      <mc:AlternateContent xmlns:mc="http://schemas.openxmlformats.org/markup-compatibility/2006">
+        <mc:Choice xmlns:p14="http://schemas.microsoft.com/office/powerpoint/2010/main" Requires="p14">
+          <p:contentPart p14:bwMode="auto" r:id="rId18">
+            <p14:nvContentPartPr>
+              <p14:cNvPr id="17" name="Ink 16">
+                <a:extLst>
+                  <a:ext uri="{FF2B5EF4-FFF2-40B4-BE49-F238E27FC236}">
+                    <a16:creationId xmlns:a16="http://schemas.microsoft.com/office/drawing/2014/main" id="{0508751B-AFE4-6D47-B523-3B719E801679}"/>
+                  </a:ext>
+                </a:extLst>
+              </p14:cNvPr>
+              <p14:cNvContentPartPr/>
+              <p14:nvPr/>
+            </p14:nvContentPartPr>
+            <p14:xfrm>
+              <a:off x="4077103" y="3749432"/>
+              <a:ext cx="360360" cy="515160"/>
+            </p14:xfrm>
+          </p:contentPart>
+        </mc:Choice>
+        <mc:Fallback>
+          <p:pic>
+            <p:nvPicPr>
+              <p:cNvPr id="17" name="Ink 16">
+                <a:extLst>
+                  <a:ext uri="{FF2B5EF4-FFF2-40B4-BE49-F238E27FC236}">
+                    <a16:creationId xmlns:a16="http://schemas.microsoft.com/office/drawing/2014/main" id="{0508751B-AFE4-6D47-B523-3B719E801679}"/>
+                  </a:ext>
+                </a:extLst>
+              </p:cNvPr>
+              <p:cNvPicPr/>
+              <p:nvPr/>
+            </p:nvPicPr>
+            <p:blipFill>
+              <a:blip r:embed="rId19"/>
+              <a:stretch>
+                <a:fillRect/>
+              </a:stretch>
+            </p:blipFill>
+            <p:spPr>
+              <a:xfrm>
+                <a:off x="4059463" y="3731432"/>
+                <a:ext cx="396000" cy="550800"/>
+              </a:xfrm>
+              <a:prstGeom prst="rect">
+                <a:avLst/>
+              </a:prstGeom>
+            </p:spPr>
+          </p:pic>
+        </mc:Fallback>
+      </mc:AlternateContent>
+      <p:grpSp>
+        <p:nvGrpSpPr>
+          <p:cNvPr id="62" name="Group 61">
+            <a:extLst>
+              <a:ext uri="{FF2B5EF4-FFF2-40B4-BE49-F238E27FC236}">
+                <a16:creationId xmlns:a16="http://schemas.microsoft.com/office/drawing/2014/main" id="{C2BDA176-2C9D-F840-A4DB-A5F582A27D38}"/>
+              </a:ext>
+            </a:extLst>
+          </p:cNvPr>
+          <p:cNvGrpSpPr/>
+          <p:nvPr/>
+        </p:nvGrpSpPr>
+        <p:grpSpPr>
+          <a:xfrm>
+            <a:off x="3481303" y="3592832"/>
+            <a:ext cx="4526640" cy="3202560"/>
+            <a:chOff x="3481303" y="3592832"/>
+            <a:chExt cx="4526640" cy="3202560"/>
+          </a:xfrm>
+        </p:grpSpPr>
+        <mc:AlternateContent xmlns:mc="http://schemas.openxmlformats.org/markup-compatibility/2006">
+          <mc:Choice xmlns:p14="http://schemas.microsoft.com/office/powerpoint/2010/main" Requires="p14">
+            <p:contentPart p14:bwMode="auto" r:id="rId20">
+              <p14:nvContentPartPr>
+                <p14:cNvPr id="18" name="Ink 17">
+                  <a:extLst>
+                    <a:ext uri="{FF2B5EF4-FFF2-40B4-BE49-F238E27FC236}">
+                      <a16:creationId xmlns:a16="http://schemas.microsoft.com/office/drawing/2014/main" id="{549D876F-DC6A-CF47-8A0E-3DF7D73E890D}"/>
+                    </a:ext>
+                  </a:extLst>
+                </p14:cNvPr>
+                <p14:cNvContentPartPr/>
+                <p14:nvPr/>
+              </p14:nvContentPartPr>
+              <p14:xfrm>
+                <a:off x="4606663" y="3816392"/>
+                <a:ext cx="349200" cy="297000"/>
+              </p14:xfrm>
+            </p:contentPart>
+          </mc:Choice>
+          <mc:Fallback>
+            <p:pic>
+              <p:nvPicPr>
+                <p:cNvPr id="18" name="Ink 17">
+                  <a:extLst>
+                    <a:ext uri="{FF2B5EF4-FFF2-40B4-BE49-F238E27FC236}">
+                      <a16:creationId xmlns:a16="http://schemas.microsoft.com/office/drawing/2014/main" id="{549D876F-DC6A-CF47-8A0E-3DF7D73E890D}"/>
+                    </a:ext>
+                  </a:extLst>
+                </p:cNvPr>
+                <p:cNvPicPr/>
+                <p:nvPr/>
+              </p:nvPicPr>
+              <p:blipFill>
+                <a:blip r:embed="rId21"/>
+                <a:stretch>
+                  <a:fillRect/>
+                </a:stretch>
+              </p:blipFill>
+              <p:spPr>
+                <a:xfrm>
+                  <a:off x="4589023" y="3798752"/>
+                  <a:ext cx="384840" cy="332640"/>
+                </a:xfrm>
+                <a:prstGeom prst="rect">
+                  <a:avLst/>
+                </a:prstGeom>
+              </p:spPr>
+            </p:pic>
+          </mc:Fallback>
+        </mc:AlternateContent>
+        <mc:AlternateContent xmlns:mc="http://schemas.openxmlformats.org/markup-compatibility/2006">
+          <mc:Choice xmlns:p14="http://schemas.microsoft.com/office/powerpoint/2010/main" Requires="p14">
+            <p:contentPart p14:bwMode="auto" r:id="rId22">
+              <p14:nvContentPartPr>
+                <p14:cNvPr id="19" name="Ink 18">
+                  <a:extLst>
+                    <a:ext uri="{FF2B5EF4-FFF2-40B4-BE49-F238E27FC236}">
+                      <a16:creationId xmlns:a16="http://schemas.microsoft.com/office/drawing/2014/main" id="{9FAD29C7-8BB4-8E4A-A6FE-53B6BA6B6BF5}"/>
+                    </a:ext>
+                  </a:extLst>
+                </p14:cNvPr>
+                <p14:cNvContentPartPr/>
+                <p14:nvPr/>
+              </p14:nvContentPartPr>
+              <p14:xfrm>
+                <a:off x="5221183" y="3926552"/>
+                <a:ext cx="181800" cy="2520"/>
+              </p14:xfrm>
+            </p:contentPart>
+          </mc:Choice>
+          <mc:Fallback>
+            <p:pic>
+              <p:nvPicPr>
+                <p:cNvPr id="19" name="Ink 18">
+                  <a:extLst>
+                    <a:ext uri="{FF2B5EF4-FFF2-40B4-BE49-F238E27FC236}">
+                      <a16:creationId xmlns:a16="http://schemas.microsoft.com/office/drawing/2014/main" id="{9FAD29C7-8BB4-8E4A-A6FE-53B6BA6B6BF5}"/>
+                    </a:ext>
+                  </a:extLst>
+                </p:cNvPr>
+                <p:cNvPicPr/>
+                <p:nvPr/>
+              </p:nvPicPr>
+              <p:blipFill>
+                <a:blip r:embed="rId23"/>
+                <a:stretch>
+                  <a:fillRect/>
+                </a:stretch>
+              </p:blipFill>
+              <p:spPr>
+                <a:xfrm>
+                  <a:off x="5203543" y="3908912"/>
+                  <a:ext cx="217440" cy="38160"/>
+                </a:xfrm>
+                <a:prstGeom prst="rect">
+                  <a:avLst/>
+                </a:prstGeom>
+              </p:spPr>
+            </p:pic>
+          </mc:Fallback>
+        </mc:AlternateContent>
+        <mc:AlternateContent xmlns:mc="http://schemas.openxmlformats.org/markup-compatibility/2006">
+          <mc:Choice xmlns:p14="http://schemas.microsoft.com/office/powerpoint/2010/main" Requires="p14">
+            <p:contentPart p14:bwMode="auto" r:id="rId24">
+              <p14:nvContentPartPr>
+                <p14:cNvPr id="21" name="Ink 20">
+                  <a:extLst>
+                    <a:ext uri="{FF2B5EF4-FFF2-40B4-BE49-F238E27FC236}">
+                      <a16:creationId xmlns:a16="http://schemas.microsoft.com/office/drawing/2014/main" id="{F678C1C9-6D98-CE41-8425-D4D696E7378D}"/>
+                    </a:ext>
+                  </a:extLst>
+                </p14:cNvPr>
+                <p14:cNvContentPartPr/>
+                <p14:nvPr/>
+              </p14:nvContentPartPr>
+              <p14:xfrm>
+                <a:off x="5589463" y="3739712"/>
+                <a:ext cx="360" cy="285480"/>
+              </p14:xfrm>
+            </p:contentPart>
+          </mc:Choice>
+          <mc:Fallback>
+            <p:pic>
+              <p:nvPicPr>
+                <p:cNvPr id="21" name="Ink 20">
+                  <a:extLst>
+                    <a:ext uri="{FF2B5EF4-FFF2-40B4-BE49-F238E27FC236}">
+                      <a16:creationId xmlns:a16="http://schemas.microsoft.com/office/drawing/2014/main" id="{F678C1C9-6D98-CE41-8425-D4D696E7378D}"/>
+                    </a:ext>
+                  </a:extLst>
+                </p:cNvPr>
+                <p:cNvPicPr/>
+                <p:nvPr/>
+              </p:nvPicPr>
+              <p:blipFill>
+                <a:blip r:embed="rId25"/>
+                <a:stretch>
+                  <a:fillRect/>
+                </a:stretch>
+              </p:blipFill>
+              <p:spPr>
+                <a:xfrm>
+                  <a:off x="5571463" y="3722072"/>
+                  <a:ext cx="36000" cy="321120"/>
+                </a:xfrm>
+                <a:prstGeom prst="rect">
+                  <a:avLst/>
+                </a:prstGeom>
+              </p:spPr>
+            </p:pic>
+          </mc:Fallback>
+        </mc:AlternateContent>
+        <mc:AlternateContent xmlns:mc="http://schemas.openxmlformats.org/markup-compatibility/2006">
+          <mc:Choice xmlns:p14="http://schemas.microsoft.com/office/powerpoint/2010/main" Requires="p14">
+            <p:contentPart p14:bwMode="auto" r:id="rId26">
+              <p14:nvContentPartPr>
+                <p14:cNvPr id="23" name="Ink 22">
+                  <a:extLst>
+                    <a:ext uri="{FF2B5EF4-FFF2-40B4-BE49-F238E27FC236}">
+                      <a16:creationId xmlns:a16="http://schemas.microsoft.com/office/drawing/2014/main" id="{13FCB2C8-C0AC-1545-9C3C-66229F968429}"/>
+                    </a:ext>
+                  </a:extLst>
+                </p14:cNvPr>
+                <p14:cNvContentPartPr/>
+                <p14:nvPr/>
+              </p14:nvContentPartPr>
+              <p14:xfrm>
+                <a:off x="3996103" y="3592832"/>
+                <a:ext cx="2837520" cy="1009080"/>
+              </p14:xfrm>
+            </p:contentPart>
+          </mc:Choice>
+          <mc:Fallback>
+            <p:pic>
+              <p:nvPicPr>
+                <p:cNvPr id="23" name="Ink 22">
+                  <a:extLst>
+                    <a:ext uri="{FF2B5EF4-FFF2-40B4-BE49-F238E27FC236}">
+                      <a16:creationId xmlns:a16="http://schemas.microsoft.com/office/drawing/2014/main" id="{13FCB2C8-C0AC-1545-9C3C-66229F968429}"/>
+                    </a:ext>
+                  </a:extLst>
+                </p:cNvPr>
+                <p:cNvPicPr/>
+                <p:nvPr/>
+              </p:nvPicPr>
+              <p:blipFill>
+                <a:blip r:embed="rId27"/>
+                <a:stretch>
+                  <a:fillRect/>
+                </a:stretch>
+              </p:blipFill>
+              <p:spPr>
+                <a:xfrm>
+                  <a:off x="3978463" y="3575192"/>
+                  <a:ext cx="2873160" cy="1044720"/>
+                </a:xfrm>
+                <a:prstGeom prst="rect">
+                  <a:avLst/>
+                </a:prstGeom>
+              </p:spPr>
+            </p:pic>
+          </mc:Fallback>
+        </mc:AlternateContent>
+        <mc:AlternateContent xmlns:mc="http://schemas.openxmlformats.org/markup-compatibility/2006">
+          <mc:Choice xmlns:p14="http://schemas.microsoft.com/office/powerpoint/2010/main" Requires="p14">
+            <p:contentPart p14:bwMode="auto" r:id="rId28">
+              <p14:nvContentPartPr>
+                <p14:cNvPr id="25" name="Ink 24">
+                  <a:extLst>
+                    <a:ext uri="{FF2B5EF4-FFF2-40B4-BE49-F238E27FC236}">
+                      <a16:creationId xmlns:a16="http://schemas.microsoft.com/office/drawing/2014/main" id="{A203B252-B0F5-8644-ACC5-00728E4BD703}"/>
+                    </a:ext>
+                  </a:extLst>
+                </p14:cNvPr>
+                <p14:cNvContentPartPr/>
+                <p14:nvPr/>
+              </p14:nvContentPartPr>
+              <p14:xfrm>
+                <a:off x="3481303" y="4018712"/>
+                <a:ext cx="206280" cy="384120"/>
+              </p14:xfrm>
+            </p:contentPart>
+          </mc:Choice>
+          <mc:Fallback>
+            <p:pic>
+              <p:nvPicPr>
+                <p:cNvPr id="25" name="Ink 24">
+                  <a:extLst>
+                    <a:ext uri="{FF2B5EF4-FFF2-40B4-BE49-F238E27FC236}">
+                      <a16:creationId xmlns:a16="http://schemas.microsoft.com/office/drawing/2014/main" id="{A203B252-B0F5-8644-ACC5-00728E4BD703}"/>
+                    </a:ext>
+                  </a:extLst>
+                </p:cNvPr>
+                <p:cNvPicPr/>
+                <p:nvPr/>
+              </p:nvPicPr>
+              <p:blipFill>
+                <a:blip r:embed="rId29"/>
+                <a:stretch>
+                  <a:fillRect/>
+                </a:stretch>
+              </p:blipFill>
+              <p:spPr>
+                <a:xfrm>
+                  <a:off x="3463663" y="4000712"/>
+                  <a:ext cx="241920" cy="419760"/>
+                </a:xfrm>
+                <a:prstGeom prst="rect">
+                  <a:avLst/>
+                </a:prstGeom>
+              </p:spPr>
+            </p:pic>
+          </mc:Fallback>
+        </mc:AlternateContent>
+        <mc:AlternateContent xmlns:mc="http://schemas.openxmlformats.org/markup-compatibility/2006">
+          <mc:Choice xmlns:p14="http://schemas.microsoft.com/office/powerpoint/2010/main" Requires="p14">
+            <p:contentPart p14:bwMode="auto" r:id="rId30">
+              <p14:nvContentPartPr>
+                <p14:cNvPr id="27" name="Ink 26">
+                  <a:extLst>
+                    <a:ext uri="{FF2B5EF4-FFF2-40B4-BE49-F238E27FC236}">
+                      <a16:creationId xmlns:a16="http://schemas.microsoft.com/office/drawing/2014/main" id="{2619FCE8-DB5C-FE48-BEF3-C9A9937F4DE9}"/>
+                    </a:ext>
+                  </a:extLst>
+                </p14:cNvPr>
+                <p14:cNvContentPartPr/>
+                <p14:nvPr/>
+              </p14:nvContentPartPr>
+              <p14:xfrm>
+                <a:off x="4462663" y="4828352"/>
+                <a:ext cx="360" cy="88560"/>
+              </p14:xfrm>
+            </p:contentPart>
+          </mc:Choice>
+          <mc:Fallback>
+            <p:pic>
+              <p:nvPicPr>
+                <p:cNvPr id="27" name="Ink 26">
+                  <a:extLst>
+                    <a:ext uri="{FF2B5EF4-FFF2-40B4-BE49-F238E27FC236}">
+                      <a16:creationId xmlns:a16="http://schemas.microsoft.com/office/drawing/2014/main" id="{2619FCE8-DB5C-FE48-BEF3-C9A9937F4DE9}"/>
+                    </a:ext>
+                  </a:extLst>
+                </p:cNvPr>
+                <p:cNvPicPr/>
+                <p:nvPr/>
+              </p:nvPicPr>
+              <p:blipFill>
+                <a:blip r:embed="rId31"/>
+                <a:stretch>
+                  <a:fillRect/>
+                </a:stretch>
+              </p:blipFill>
+              <p:spPr>
+                <a:xfrm>
+                  <a:off x="4444663" y="4810712"/>
+                  <a:ext cx="36000" cy="124200"/>
+                </a:xfrm>
+                <a:prstGeom prst="rect">
+                  <a:avLst/>
+                </a:prstGeom>
+              </p:spPr>
+            </p:pic>
+          </mc:Fallback>
+        </mc:AlternateContent>
+        <mc:AlternateContent xmlns:mc="http://schemas.openxmlformats.org/markup-compatibility/2006">
+          <mc:Choice xmlns:p14="http://schemas.microsoft.com/office/powerpoint/2010/main" Requires="p14">
+            <p:contentPart p14:bwMode="auto" r:id="rId32">
+              <p14:nvContentPartPr>
+                <p14:cNvPr id="28" name="Ink 27">
+                  <a:extLst>
+                    <a:ext uri="{FF2B5EF4-FFF2-40B4-BE49-F238E27FC236}">
+                      <a16:creationId xmlns:a16="http://schemas.microsoft.com/office/drawing/2014/main" id="{22A6F491-9954-8F48-B516-461DBFBD566F}"/>
+                    </a:ext>
+                  </a:extLst>
+                </p14:cNvPr>
+                <p14:cNvContentPartPr/>
+                <p14:nvPr/>
+              </p14:nvContentPartPr>
+              <p14:xfrm>
+                <a:off x="4479223" y="4789112"/>
+                <a:ext cx="360" cy="237960"/>
+              </p14:xfrm>
+            </p:contentPart>
+          </mc:Choice>
+          <mc:Fallback>
+            <p:pic>
+              <p:nvPicPr>
+                <p:cNvPr id="28" name="Ink 27">
+                  <a:extLst>
+                    <a:ext uri="{FF2B5EF4-FFF2-40B4-BE49-F238E27FC236}">
+                      <a16:creationId xmlns:a16="http://schemas.microsoft.com/office/drawing/2014/main" id="{22A6F491-9954-8F48-B516-461DBFBD566F}"/>
+                    </a:ext>
+                  </a:extLst>
+                </p:cNvPr>
+                <p:cNvPicPr/>
+                <p:nvPr/>
+              </p:nvPicPr>
+              <p:blipFill>
+                <a:blip r:embed="rId33"/>
+                <a:stretch>
+                  <a:fillRect/>
+                </a:stretch>
+              </p:blipFill>
+              <p:spPr>
+                <a:xfrm>
+                  <a:off x="4461223" y="4771472"/>
+                  <a:ext cx="36000" cy="273600"/>
+                </a:xfrm>
+                <a:prstGeom prst="rect">
+                  <a:avLst/>
+                </a:prstGeom>
+              </p:spPr>
+            </p:pic>
+          </mc:Fallback>
+        </mc:AlternateContent>
+        <mc:AlternateContent xmlns:mc="http://schemas.openxmlformats.org/markup-compatibility/2006">
+          <mc:Choice xmlns:p14="http://schemas.microsoft.com/office/powerpoint/2010/main" Requires="p14">
+            <p:contentPart p14:bwMode="auto" r:id="rId34">
+              <p14:nvContentPartPr>
+                <p14:cNvPr id="30" name="Ink 29">
+                  <a:extLst>
+                    <a:ext uri="{FF2B5EF4-FFF2-40B4-BE49-F238E27FC236}">
+                      <a16:creationId xmlns:a16="http://schemas.microsoft.com/office/drawing/2014/main" id="{D2125455-8339-944B-8088-F07AA1209F27}"/>
+                    </a:ext>
+                  </a:extLst>
+                </p14:cNvPr>
+                <p14:cNvContentPartPr/>
+                <p14:nvPr/>
+              </p14:nvContentPartPr>
+              <p14:xfrm>
+                <a:off x="4793143" y="4753472"/>
+                <a:ext cx="236160" cy="287280"/>
+              </p14:xfrm>
+            </p:contentPart>
+          </mc:Choice>
+          <mc:Fallback>
+            <p:pic>
+              <p:nvPicPr>
+                <p:cNvPr id="30" name="Ink 29">
+                  <a:extLst>
+                    <a:ext uri="{FF2B5EF4-FFF2-40B4-BE49-F238E27FC236}">
+                      <a16:creationId xmlns:a16="http://schemas.microsoft.com/office/drawing/2014/main" id="{D2125455-8339-944B-8088-F07AA1209F27}"/>
+                    </a:ext>
+                  </a:extLst>
+                </p:cNvPr>
+                <p:cNvPicPr/>
+                <p:nvPr/>
+              </p:nvPicPr>
+              <p:blipFill>
+                <a:blip r:embed="rId35"/>
+                <a:stretch>
+                  <a:fillRect/>
+                </a:stretch>
+              </p:blipFill>
+              <p:spPr>
+                <a:xfrm>
+                  <a:off x="4775143" y="4735472"/>
+                  <a:ext cx="271800" cy="322920"/>
+                </a:xfrm>
+                <a:prstGeom prst="rect">
+                  <a:avLst/>
+                </a:prstGeom>
+              </p:spPr>
+            </p:pic>
+          </mc:Fallback>
+        </mc:AlternateContent>
+        <mc:AlternateContent xmlns:mc="http://schemas.openxmlformats.org/markup-compatibility/2006">
+          <mc:Choice xmlns:p14="http://schemas.microsoft.com/office/powerpoint/2010/main" Requires="p14">
+            <p:contentPart p14:bwMode="auto" r:id="rId36">
+              <p14:nvContentPartPr>
+                <p14:cNvPr id="31" name="Ink 30">
+                  <a:extLst>
+                    <a:ext uri="{FF2B5EF4-FFF2-40B4-BE49-F238E27FC236}">
+                      <a16:creationId xmlns:a16="http://schemas.microsoft.com/office/drawing/2014/main" id="{F4C5A5B5-F964-664D-961A-4EAC5DE0E8C5}"/>
+                    </a:ext>
+                  </a:extLst>
+                </p14:cNvPr>
+                <p14:cNvContentPartPr/>
+                <p14:nvPr/>
+              </p14:nvContentPartPr>
+              <p14:xfrm>
+                <a:off x="5276263" y="4795592"/>
+                <a:ext cx="592200" cy="160560"/>
+              </p14:xfrm>
+            </p:contentPart>
+          </mc:Choice>
+          <mc:Fallback>
+            <p:pic>
+              <p:nvPicPr>
+                <p:cNvPr id="31" name="Ink 30">
+                  <a:extLst>
+                    <a:ext uri="{FF2B5EF4-FFF2-40B4-BE49-F238E27FC236}">
+                      <a16:creationId xmlns:a16="http://schemas.microsoft.com/office/drawing/2014/main" id="{F4C5A5B5-F964-664D-961A-4EAC5DE0E8C5}"/>
+                    </a:ext>
+                  </a:extLst>
+                </p:cNvPr>
+                <p:cNvPicPr/>
+                <p:nvPr/>
+              </p:nvPicPr>
+              <p:blipFill>
+                <a:blip r:embed="rId37"/>
+                <a:stretch>
+                  <a:fillRect/>
+                </a:stretch>
+              </p:blipFill>
+              <p:spPr>
+                <a:xfrm>
+                  <a:off x="5258623" y="4777592"/>
+                  <a:ext cx="627840" cy="196200"/>
+                </a:xfrm>
+                <a:prstGeom prst="rect">
+                  <a:avLst/>
+                </a:prstGeom>
+              </p:spPr>
+            </p:pic>
+          </mc:Fallback>
+        </mc:AlternateContent>
+        <mc:AlternateContent xmlns:mc="http://schemas.openxmlformats.org/markup-compatibility/2006">
+          <mc:Choice xmlns:p14="http://schemas.microsoft.com/office/powerpoint/2010/main" Requires="p14">
+            <p:contentPart p14:bwMode="auto" r:id="rId38">
+              <p14:nvContentPartPr>
+                <p14:cNvPr id="32" name="Ink 31">
+                  <a:extLst>
+                    <a:ext uri="{FF2B5EF4-FFF2-40B4-BE49-F238E27FC236}">
+                      <a16:creationId xmlns:a16="http://schemas.microsoft.com/office/drawing/2014/main" id="{D6674820-BD55-9F44-9279-6EE8F8541A38}"/>
+                    </a:ext>
+                  </a:extLst>
+                </p14:cNvPr>
+                <p14:cNvContentPartPr/>
+                <p14:nvPr/>
+              </p14:nvContentPartPr>
+              <p14:xfrm>
+                <a:off x="5871343" y="4658792"/>
+                <a:ext cx="304920" cy="271080"/>
+              </p14:xfrm>
+            </p:contentPart>
+          </mc:Choice>
+          <mc:Fallback>
+            <p:pic>
+              <p:nvPicPr>
+                <p:cNvPr id="32" name="Ink 31">
+                  <a:extLst>
+                    <a:ext uri="{FF2B5EF4-FFF2-40B4-BE49-F238E27FC236}">
+                      <a16:creationId xmlns:a16="http://schemas.microsoft.com/office/drawing/2014/main" id="{D6674820-BD55-9F44-9279-6EE8F8541A38}"/>
+                    </a:ext>
+                  </a:extLst>
+                </p:cNvPr>
+                <p:cNvPicPr/>
+                <p:nvPr/>
+              </p:nvPicPr>
+              <p:blipFill>
+                <a:blip r:embed="rId39"/>
+                <a:stretch>
+                  <a:fillRect/>
+                </a:stretch>
+              </p:blipFill>
+              <p:spPr>
+                <a:xfrm>
+                  <a:off x="5853343" y="4640792"/>
+                  <a:ext cx="340560" cy="306720"/>
+                </a:xfrm>
+                <a:prstGeom prst="rect">
+                  <a:avLst/>
+                </a:prstGeom>
+              </p:spPr>
+            </p:pic>
+          </mc:Fallback>
+        </mc:AlternateContent>
+        <mc:AlternateContent xmlns:mc="http://schemas.openxmlformats.org/markup-compatibility/2006">
+          <mc:Choice xmlns:p14="http://schemas.microsoft.com/office/powerpoint/2010/main" Requires="p14">
+            <p:contentPart p14:bwMode="auto" r:id="rId40">
+              <p14:nvContentPartPr>
+                <p14:cNvPr id="33" name="Ink 32">
+                  <a:extLst>
+                    <a:ext uri="{FF2B5EF4-FFF2-40B4-BE49-F238E27FC236}">
+                      <a16:creationId xmlns:a16="http://schemas.microsoft.com/office/drawing/2014/main" id="{05BDB47D-400A-6343-A764-BE6CC903D3B4}"/>
+                    </a:ext>
+                  </a:extLst>
+                </p14:cNvPr>
+                <p14:cNvContentPartPr/>
+                <p14:nvPr/>
+              </p14:nvContentPartPr>
+              <p14:xfrm>
+                <a:off x="4212103" y="4807832"/>
+                <a:ext cx="1944360" cy="586800"/>
+              </p14:xfrm>
+            </p:contentPart>
+          </mc:Choice>
+          <mc:Fallback>
+            <p:pic>
+              <p:nvPicPr>
+                <p:cNvPr id="33" name="Ink 32">
+                  <a:extLst>
+                    <a:ext uri="{FF2B5EF4-FFF2-40B4-BE49-F238E27FC236}">
+                      <a16:creationId xmlns:a16="http://schemas.microsoft.com/office/drawing/2014/main" id="{05BDB47D-400A-6343-A764-BE6CC903D3B4}"/>
+                    </a:ext>
+                  </a:extLst>
+                </p:cNvPr>
+                <p:cNvPicPr/>
+                <p:nvPr/>
+              </p:nvPicPr>
+              <p:blipFill>
+                <a:blip r:embed="rId41"/>
+                <a:stretch>
+                  <a:fillRect/>
+                </a:stretch>
+              </p:blipFill>
+              <p:spPr>
+                <a:xfrm>
+                  <a:off x="4194463" y="4789832"/>
+                  <a:ext cx="1980000" cy="622440"/>
+                </a:xfrm>
+                <a:prstGeom prst="rect">
+                  <a:avLst/>
+                </a:prstGeom>
+              </p:spPr>
+            </p:pic>
+          </mc:Fallback>
+        </mc:AlternateContent>
+        <mc:AlternateContent xmlns:mc="http://schemas.openxmlformats.org/markup-compatibility/2006">
+          <mc:Choice xmlns:p14="http://schemas.microsoft.com/office/powerpoint/2010/main" Requires="p14">
+            <p:contentPart p14:bwMode="auto" r:id="rId42">
+              <p14:nvContentPartPr>
+                <p14:cNvPr id="34" name="Ink 33">
+                  <a:extLst>
+                    <a:ext uri="{FF2B5EF4-FFF2-40B4-BE49-F238E27FC236}">
+                      <a16:creationId xmlns:a16="http://schemas.microsoft.com/office/drawing/2014/main" id="{F6C5E416-0EA5-2E4A-85E6-95A1ADED29AF}"/>
+                    </a:ext>
+                  </a:extLst>
+                </p14:cNvPr>
+                <p14:cNvContentPartPr/>
+                <p14:nvPr/>
+              </p14:nvContentPartPr>
+              <p14:xfrm>
+                <a:off x="3720703" y="5039672"/>
+                <a:ext cx="146880" cy="476640"/>
+              </p14:xfrm>
+            </p:contentPart>
+          </mc:Choice>
+          <mc:Fallback>
+            <p:pic>
+              <p:nvPicPr>
+                <p:cNvPr id="34" name="Ink 33">
+                  <a:extLst>
+                    <a:ext uri="{FF2B5EF4-FFF2-40B4-BE49-F238E27FC236}">
+                      <a16:creationId xmlns:a16="http://schemas.microsoft.com/office/drawing/2014/main" id="{F6C5E416-0EA5-2E4A-85E6-95A1ADED29AF}"/>
+                    </a:ext>
+                  </a:extLst>
+                </p:cNvPr>
+                <p:cNvPicPr/>
+                <p:nvPr/>
+              </p:nvPicPr>
+              <p:blipFill>
+                <a:blip r:embed="rId43"/>
+                <a:stretch>
+                  <a:fillRect/>
+                </a:stretch>
+              </p:blipFill>
+              <p:spPr>
+                <a:xfrm>
+                  <a:off x="3703063" y="5021672"/>
+                  <a:ext cx="182520" cy="512280"/>
+                </a:xfrm>
+                <a:prstGeom prst="rect">
+                  <a:avLst/>
+                </a:prstGeom>
+              </p:spPr>
+            </p:pic>
+          </mc:Fallback>
+        </mc:AlternateContent>
+        <mc:AlternateContent xmlns:mc="http://schemas.openxmlformats.org/markup-compatibility/2006">
+          <mc:Choice xmlns:p14="http://schemas.microsoft.com/office/powerpoint/2010/main" Requires="p14">
+            <p:contentPart p14:bwMode="auto" r:id="rId44">
+              <p14:nvContentPartPr>
+                <p14:cNvPr id="35" name="Ink 34">
+                  <a:extLst>
+                    <a:ext uri="{FF2B5EF4-FFF2-40B4-BE49-F238E27FC236}">
+                      <a16:creationId xmlns:a16="http://schemas.microsoft.com/office/drawing/2014/main" id="{E34EFB29-7975-0146-90D1-417C15CF8E06}"/>
+                    </a:ext>
+                  </a:extLst>
+                </p14:cNvPr>
+                <p14:cNvContentPartPr/>
+                <p14:nvPr/>
+              </p14:nvContentPartPr>
+              <p14:xfrm>
+                <a:off x="5047303" y="5472032"/>
+                <a:ext cx="300240" cy="353520"/>
+              </p14:xfrm>
+            </p:contentPart>
+          </mc:Choice>
+          <mc:Fallback>
+            <p:pic>
+              <p:nvPicPr>
+                <p:cNvPr id="35" name="Ink 34">
+                  <a:extLst>
+                    <a:ext uri="{FF2B5EF4-FFF2-40B4-BE49-F238E27FC236}">
+                      <a16:creationId xmlns:a16="http://schemas.microsoft.com/office/drawing/2014/main" id="{E34EFB29-7975-0146-90D1-417C15CF8E06}"/>
+                    </a:ext>
+                  </a:extLst>
+                </p:cNvPr>
+                <p:cNvPicPr/>
+                <p:nvPr/>
+              </p:nvPicPr>
+              <p:blipFill>
+                <a:blip r:embed="rId45"/>
+                <a:stretch>
+                  <a:fillRect/>
+                </a:stretch>
+              </p:blipFill>
+              <p:spPr>
+                <a:xfrm>
+                  <a:off x="5029303" y="5454392"/>
+                  <a:ext cx="335880" cy="389160"/>
+                </a:xfrm>
+                <a:prstGeom prst="rect">
+                  <a:avLst/>
+                </a:prstGeom>
+              </p:spPr>
+            </p:pic>
+          </mc:Fallback>
+        </mc:AlternateContent>
+        <mc:AlternateContent xmlns:mc="http://schemas.openxmlformats.org/markup-compatibility/2006">
+          <mc:Choice xmlns:p14="http://schemas.microsoft.com/office/powerpoint/2010/main" Requires="p14">
+            <p:contentPart p14:bwMode="auto" r:id="rId46">
+              <p14:nvContentPartPr>
+                <p14:cNvPr id="36" name="Ink 35">
+                  <a:extLst>
+                    <a:ext uri="{FF2B5EF4-FFF2-40B4-BE49-F238E27FC236}">
+                      <a16:creationId xmlns:a16="http://schemas.microsoft.com/office/drawing/2014/main" id="{FAD134D4-C2F0-1149-83D5-2EEE66E1F06B}"/>
+                    </a:ext>
+                  </a:extLst>
+                </p14:cNvPr>
+                <p14:cNvContentPartPr/>
+                <p14:nvPr/>
+              </p14:nvContentPartPr>
+              <p14:xfrm>
+                <a:off x="5533663" y="5552672"/>
+                <a:ext cx="72720" cy="29520"/>
+              </p14:xfrm>
+            </p:contentPart>
+          </mc:Choice>
+          <mc:Fallback>
+            <p:pic>
+              <p:nvPicPr>
+                <p:cNvPr id="36" name="Ink 35">
+                  <a:extLst>
+                    <a:ext uri="{FF2B5EF4-FFF2-40B4-BE49-F238E27FC236}">
+                      <a16:creationId xmlns:a16="http://schemas.microsoft.com/office/drawing/2014/main" id="{FAD134D4-C2F0-1149-83D5-2EEE66E1F06B}"/>
+                    </a:ext>
+                  </a:extLst>
+                </p:cNvPr>
+                <p:cNvPicPr/>
+                <p:nvPr/>
+              </p:nvPicPr>
+              <p:blipFill>
+                <a:blip r:embed="rId47"/>
+                <a:stretch>
+                  <a:fillRect/>
+                </a:stretch>
+              </p:blipFill>
+              <p:spPr>
+                <a:xfrm>
+                  <a:off x="5516023" y="5534672"/>
+                  <a:ext cx="108360" cy="65160"/>
+                </a:xfrm>
+                <a:prstGeom prst="rect">
+                  <a:avLst/>
+                </a:prstGeom>
+              </p:spPr>
+            </p:pic>
+          </mc:Fallback>
+        </mc:AlternateContent>
+        <mc:AlternateContent xmlns:mc="http://schemas.openxmlformats.org/markup-compatibility/2006">
+          <mc:Choice xmlns:p14="http://schemas.microsoft.com/office/powerpoint/2010/main" Requires="p14">
+            <p:contentPart p14:bwMode="auto" r:id="rId48">
+              <p14:nvContentPartPr>
+                <p14:cNvPr id="37" name="Ink 36">
+                  <a:extLst>
+                    <a:ext uri="{FF2B5EF4-FFF2-40B4-BE49-F238E27FC236}">
+                      <a16:creationId xmlns:a16="http://schemas.microsoft.com/office/drawing/2014/main" id="{33A238FB-7154-A846-A75E-3FE77DE7C609}"/>
+                    </a:ext>
+                  </a:extLst>
+                </p14:cNvPr>
+                <p14:cNvContentPartPr/>
+                <p14:nvPr/>
+              </p14:nvContentPartPr>
+              <p14:xfrm>
+                <a:off x="5757223" y="5186192"/>
+                <a:ext cx="187560" cy="168120"/>
+              </p14:xfrm>
+            </p:contentPart>
+          </mc:Choice>
+          <mc:Fallback>
+            <p:pic>
+              <p:nvPicPr>
+                <p:cNvPr id="37" name="Ink 36">
+                  <a:extLst>
+                    <a:ext uri="{FF2B5EF4-FFF2-40B4-BE49-F238E27FC236}">
+                      <a16:creationId xmlns:a16="http://schemas.microsoft.com/office/drawing/2014/main" id="{33A238FB-7154-A846-A75E-3FE77DE7C609}"/>
+                    </a:ext>
+                  </a:extLst>
+                </p:cNvPr>
+                <p:cNvPicPr/>
+                <p:nvPr/>
+              </p:nvPicPr>
+              <p:blipFill>
+                <a:blip r:embed="rId49"/>
+                <a:stretch>
+                  <a:fillRect/>
+                </a:stretch>
+              </p:blipFill>
+              <p:spPr>
+                <a:xfrm>
+                  <a:off x="5739583" y="5168192"/>
+                  <a:ext cx="223200" cy="203760"/>
+                </a:xfrm>
+                <a:prstGeom prst="rect">
+                  <a:avLst/>
+                </a:prstGeom>
+              </p:spPr>
+            </p:pic>
+          </mc:Fallback>
+        </mc:AlternateContent>
+        <mc:AlternateContent xmlns:mc="http://schemas.openxmlformats.org/markup-compatibility/2006">
+          <mc:Choice xmlns:p14="http://schemas.microsoft.com/office/powerpoint/2010/main" Requires="p14">
+            <p:contentPart p14:bwMode="auto" r:id="rId50">
+              <p14:nvContentPartPr>
+                <p14:cNvPr id="38" name="Ink 37">
+                  <a:extLst>
+                    <a:ext uri="{FF2B5EF4-FFF2-40B4-BE49-F238E27FC236}">
+                      <a16:creationId xmlns:a16="http://schemas.microsoft.com/office/drawing/2014/main" id="{E1A1975E-451A-0F4B-A97A-7EB2A439D387}"/>
+                    </a:ext>
+                  </a:extLst>
+                </p14:cNvPr>
+                <p14:cNvContentPartPr/>
+                <p14:nvPr/>
+              </p14:nvContentPartPr>
+              <p14:xfrm>
+                <a:off x="4799263" y="5375552"/>
+                <a:ext cx="1660320" cy="748080"/>
+              </p14:xfrm>
+            </p:contentPart>
+          </mc:Choice>
+          <mc:Fallback>
+            <p:pic>
+              <p:nvPicPr>
+                <p:cNvPr id="38" name="Ink 37">
+                  <a:extLst>
+                    <a:ext uri="{FF2B5EF4-FFF2-40B4-BE49-F238E27FC236}">
+                      <a16:creationId xmlns:a16="http://schemas.microsoft.com/office/drawing/2014/main" id="{E1A1975E-451A-0F4B-A97A-7EB2A439D387}"/>
+                    </a:ext>
+                  </a:extLst>
+                </p:cNvPr>
+                <p:cNvPicPr/>
+                <p:nvPr/>
+              </p:nvPicPr>
+              <p:blipFill>
+                <a:blip r:embed="rId51"/>
+                <a:stretch>
+                  <a:fillRect/>
+                </a:stretch>
+              </p:blipFill>
+              <p:spPr>
+                <a:xfrm>
+                  <a:off x="4781623" y="5357912"/>
+                  <a:ext cx="1695960" cy="783720"/>
+                </a:xfrm>
+                <a:prstGeom prst="rect">
+                  <a:avLst/>
+                </a:prstGeom>
+              </p:spPr>
+            </p:pic>
+          </mc:Fallback>
+        </mc:AlternateContent>
+        <mc:AlternateContent xmlns:mc="http://schemas.openxmlformats.org/markup-compatibility/2006">
+          <mc:Choice xmlns:p14="http://schemas.microsoft.com/office/powerpoint/2010/main" Requires="p14">
+            <p:contentPart p14:bwMode="auto" r:id="rId52">
+              <p14:nvContentPartPr>
+                <p14:cNvPr id="39" name="Ink 38">
+                  <a:extLst>
+                    <a:ext uri="{FF2B5EF4-FFF2-40B4-BE49-F238E27FC236}">
+                      <a16:creationId xmlns:a16="http://schemas.microsoft.com/office/drawing/2014/main" id="{323154E0-8865-A64B-885F-75BB15F7E93D}"/>
+                    </a:ext>
+                  </a:extLst>
+                </p14:cNvPr>
+                <p14:cNvContentPartPr/>
+                <p14:nvPr/>
+              </p14:nvContentPartPr>
+              <p14:xfrm>
+                <a:off x="4536823" y="5858312"/>
+                <a:ext cx="202320" cy="300240"/>
+              </p14:xfrm>
+            </p:contentPart>
+          </mc:Choice>
+          <mc:Fallback>
+            <p:pic>
+              <p:nvPicPr>
+                <p:cNvPr id="39" name="Ink 38">
+                  <a:extLst>
+                    <a:ext uri="{FF2B5EF4-FFF2-40B4-BE49-F238E27FC236}">
+                      <a16:creationId xmlns:a16="http://schemas.microsoft.com/office/drawing/2014/main" id="{323154E0-8865-A64B-885F-75BB15F7E93D}"/>
+                    </a:ext>
+                  </a:extLst>
+                </p:cNvPr>
+                <p:cNvPicPr/>
+                <p:nvPr/>
+              </p:nvPicPr>
+              <p:blipFill>
+                <a:blip r:embed="rId53"/>
+                <a:stretch>
+                  <a:fillRect/>
+                </a:stretch>
+              </p:blipFill>
+              <p:spPr>
+                <a:xfrm>
+                  <a:off x="4519183" y="5840672"/>
+                  <a:ext cx="237960" cy="335880"/>
+                </a:xfrm>
+                <a:prstGeom prst="rect">
+                  <a:avLst/>
+                </a:prstGeom>
+              </p:spPr>
+            </p:pic>
+          </mc:Fallback>
+        </mc:AlternateContent>
+        <mc:AlternateContent xmlns:mc="http://schemas.openxmlformats.org/markup-compatibility/2006">
+          <mc:Choice xmlns:p14="http://schemas.microsoft.com/office/powerpoint/2010/main" Requires="p14">
+            <p:contentPart p14:bwMode="auto" r:id="rId54">
+              <p14:nvContentPartPr>
+                <p14:cNvPr id="40" name="Ink 39">
+                  <a:extLst>
+                    <a:ext uri="{FF2B5EF4-FFF2-40B4-BE49-F238E27FC236}">
+                      <a16:creationId xmlns:a16="http://schemas.microsoft.com/office/drawing/2014/main" id="{626F3B0A-3D94-5341-B34A-69A6A97DEA53}"/>
+                    </a:ext>
+                  </a:extLst>
+                </p14:cNvPr>
+                <p14:cNvContentPartPr/>
+                <p14:nvPr/>
+              </p14:nvContentPartPr>
+              <p14:xfrm>
+                <a:off x="5817703" y="6067832"/>
+                <a:ext cx="155160" cy="104040"/>
+              </p14:xfrm>
+            </p:contentPart>
+          </mc:Choice>
+          <mc:Fallback>
+            <p:pic>
+              <p:nvPicPr>
+                <p:cNvPr id="40" name="Ink 39">
+                  <a:extLst>
+                    <a:ext uri="{FF2B5EF4-FFF2-40B4-BE49-F238E27FC236}">
+                      <a16:creationId xmlns:a16="http://schemas.microsoft.com/office/drawing/2014/main" id="{626F3B0A-3D94-5341-B34A-69A6A97DEA53}"/>
+                    </a:ext>
+                  </a:extLst>
+                </p:cNvPr>
+                <p:cNvPicPr/>
+                <p:nvPr/>
+              </p:nvPicPr>
+              <p:blipFill>
+                <a:blip r:embed="rId55"/>
+                <a:stretch>
+                  <a:fillRect/>
+                </a:stretch>
+              </p:blipFill>
+              <p:spPr>
+                <a:xfrm>
+                  <a:off x="5799703" y="6049832"/>
+                  <a:ext cx="190800" cy="139680"/>
+                </a:xfrm>
+                <a:prstGeom prst="rect">
+                  <a:avLst/>
+                </a:prstGeom>
+              </p:spPr>
+            </p:pic>
+          </mc:Fallback>
+        </mc:AlternateContent>
+        <mc:AlternateContent xmlns:mc="http://schemas.openxmlformats.org/markup-compatibility/2006">
+          <mc:Choice xmlns:p14="http://schemas.microsoft.com/office/powerpoint/2010/main" Requires="p14">
+            <p:contentPart p14:bwMode="auto" r:id="rId56">
+              <p14:nvContentPartPr>
+                <p14:cNvPr id="41" name="Ink 40">
+                  <a:extLst>
+                    <a:ext uri="{FF2B5EF4-FFF2-40B4-BE49-F238E27FC236}">
+                      <a16:creationId xmlns:a16="http://schemas.microsoft.com/office/drawing/2014/main" id="{33485979-B8B5-D846-8937-85EA4A09909A}"/>
+                    </a:ext>
+                  </a:extLst>
+                </p14:cNvPr>
+                <p14:cNvContentPartPr/>
+                <p14:nvPr/>
+              </p14:nvContentPartPr>
+              <p14:xfrm>
+                <a:off x="5969983" y="6067832"/>
+                <a:ext cx="360" cy="14040"/>
+              </p14:xfrm>
+            </p:contentPart>
+          </mc:Choice>
+          <mc:Fallback>
+            <p:pic>
+              <p:nvPicPr>
+                <p:cNvPr id="41" name="Ink 40">
+                  <a:extLst>
+                    <a:ext uri="{FF2B5EF4-FFF2-40B4-BE49-F238E27FC236}">
+                      <a16:creationId xmlns:a16="http://schemas.microsoft.com/office/drawing/2014/main" id="{33485979-B8B5-D846-8937-85EA4A09909A}"/>
+                    </a:ext>
+                  </a:extLst>
+                </p:cNvPr>
+                <p:cNvPicPr/>
+                <p:nvPr/>
+              </p:nvPicPr>
+              <p:blipFill>
+                <a:blip r:embed="rId57"/>
+                <a:stretch>
+                  <a:fillRect/>
+                </a:stretch>
+              </p:blipFill>
+              <p:spPr>
+                <a:xfrm>
+                  <a:off x="5952343" y="6049832"/>
+                  <a:ext cx="36000" cy="49680"/>
+                </a:xfrm>
+                <a:prstGeom prst="rect">
+                  <a:avLst/>
+                </a:prstGeom>
+              </p:spPr>
+            </p:pic>
+          </mc:Fallback>
+        </mc:AlternateContent>
+        <mc:AlternateContent xmlns:mc="http://schemas.openxmlformats.org/markup-compatibility/2006">
+          <mc:Choice xmlns:p14="http://schemas.microsoft.com/office/powerpoint/2010/main" Requires="p14">
+            <p:contentPart p14:bwMode="auto" r:id="rId58">
+              <p14:nvContentPartPr>
+                <p14:cNvPr id="43" name="Ink 42">
+                  <a:extLst>
+                    <a:ext uri="{FF2B5EF4-FFF2-40B4-BE49-F238E27FC236}">
+                      <a16:creationId xmlns:a16="http://schemas.microsoft.com/office/drawing/2014/main" id="{4E1FB541-0937-324C-ACD4-836FB055051E}"/>
+                    </a:ext>
+                  </a:extLst>
+                </p14:cNvPr>
+                <p14:cNvContentPartPr/>
+                <p14:nvPr/>
+              </p14:nvContentPartPr>
+              <p14:xfrm>
+                <a:off x="5917423" y="6025352"/>
+                <a:ext cx="121320" cy="195120"/>
+              </p14:xfrm>
+            </p:contentPart>
+          </mc:Choice>
+          <mc:Fallback>
+            <p:pic>
+              <p:nvPicPr>
+                <p:cNvPr id="43" name="Ink 42">
+                  <a:extLst>
+                    <a:ext uri="{FF2B5EF4-FFF2-40B4-BE49-F238E27FC236}">
+                      <a16:creationId xmlns:a16="http://schemas.microsoft.com/office/drawing/2014/main" id="{4E1FB541-0937-324C-ACD4-836FB055051E}"/>
+                    </a:ext>
+                  </a:extLst>
+                </p:cNvPr>
+                <p:cNvPicPr/>
+                <p:nvPr/>
+              </p:nvPicPr>
+              <p:blipFill>
+                <a:blip r:embed="rId59"/>
+                <a:stretch>
+                  <a:fillRect/>
+                </a:stretch>
+              </p:blipFill>
+              <p:spPr>
+                <a:xfrm>
+                  <a:off x="5899783" y="6007352"/>
+                  <a:ext cx="156960" cy="230760"/>
+                </a:xfrm>
+                <a:prstGeom prst="rect">
+                  <a:avLst/>
+                </a:prstGeom>
+              </p:spPr>
+            </p:pic>
+          </mc:Fallback>
+        </mc:AlternateContent>
+        <mc:AlternateContent xmlns:mc="http://schemas.openxmlformats.org/markup-compatibility/2006">
+          <mc:Choice xmlns:p14="http://schemas.microsoft.com/office/powerpoint/2010/main" Requires="p14">
+            <p:contentPart p14:bwMode="auto" r:id="rId60">
+              <p14:nvContentPartPr>
+                <p14:cNvPr id="44" name="Ink 43">
+                  <a:extLst>
+                    <a:ext uri="{FF2B5EF4-FFF2-40B4-BE49-F238E27FC236}">
+                      <a16:creationId xmlns:a16="http://schemas.microsoft.com/office/drawing/2014/main" id="{CDFABF51-3DB8-1A40-8AE8-70109D3F93F8}"/>
+                    </a:ext>
+                  </a:extLst>
+                </p14:cNvPr>
+                <p14:cNvContentPartPr/>
+                <p14:nvPr/>
+              </p14:nvContentPartPr>
+              <p14:xfrm>
+                <a:off x="6150343" y="5813312"/>
+                <a:ext cx="101520" cy="136800"/>
+              </p14:xfrm>
+            </p:contentPart>
+          </mc:Choice>
+          <mc:Fallback>
+            <p:pic>
+              <p:nvPicPr>
+                <p:cNvPr id="44" name="Ink 43">
+                  <a:extLst>
+                    <a:ext uri="{FF2B5EF4-FFF2-40B4-BE49-F238E27FC236}">
+                      <a16:creationId xmlns:a16="http://schemas.microsoft.com/office/drawing/2014/main" id="{CDFABF51-3DB8-1A40-8AE8-70109D3F93F8}"/>
+                    </a:ext>
+                  </a:extLst>
+                </p:cNvPr>
+                <p:cNvPicPr/>
+                <p:nvPr/>
+              </p:nvPicPr>
+              <p:blipFill>
+                <a:blip r:embed="rId61"/>
+                <a:stretch>
+                  <a:fillRect/>
+                </a:stretch>
+              </p:blipFill>
+              <p:spPr>
+                <a:xfrm>
+                  <a:off x="6132343" y="5795672"/>
+                  <a:ext cx="137160" cy="172440"/>
+                </a:xfrm>
+                <a:prstGeom prst="rect">
+                  <a:avLst/>
+                </a:prstGeom>
+              </p:spPr>
+            </p:pic>
+          </mc:Fallback>
+        </mc:AlternateContent>
+        <mc:AlternateContent xmlns:mc="http://schemas.openxmlformats.org/markup-compatibility/2006">
+          <mc:Choice xmlns:p14="http://schemas.microsoft.com/office/powerpoint/2010/main" Requires="p14">
+            <p:contentPart p14:bwMode="auto" r:id="rId62">
+              <p14:nvContentPartPr>
+                <p14:cNvPr id="45" name="Ink 44">
+                  <a:extLst>
+                    <a:ext uri="{FF2B5EF4-FFF2-40B4-BE49-F238E27FC236}">
+                      <a16:creationId xmlns:a16="http://schemas.microsoft.com/office/drawing/2014/main" id="{86548ADF-6DF1-1146-A0D9-43A66F003893}"/>
+                    </a:ext>
+                  </a:extLst>
+                </p14:cNvPr>
+                <p14:cNvContentPartPr/>
+                <p14:nvPr/>
+              </p14:nvContentPartPr>
+              <p14:xfrm>
+                <a:off x="6334663" y="5536112"/>
+                <a:ext cx="217800" cy="135720"/>
+              </p14:xfrm>
+            </p:contentPart>
+          </mc:Choice>
+          <mc:Fallback>
+            <p:pic>
+              <p:nvPicPr>
+                <p:cNvPr id="45" name="Ink 44">
+                  <a:extLst>
+                    <a:ext uri="{FF2B5EF4-FFF2-40B4-BE49-F238E27FC236}">
+                      <a16:creationId xmlns:a16="http://schemas.microsoft.com/office/drawing/2014/main" id="{86548ADF-6DF1-1146-A0D9-43A66F003893}"/>
+                    </a:ext>
+                  </a:extLst>
+                </p:cNvPr>
+                <p:cNvPicPr/>
+                <p:nvPr/>
+              </p:nvPicPr>
+              <p:blipFill>
+                <a:blip r:embed="rId63"/>
+                <a:stretch>
+                  <a:fillRect/>
+                </a:stretch>
+              </p:blipFill>
+              <p:spPr>
+                <a:xfrm>
+                  <a:off x="6317023" y="5518112"/>
+                  <a:ext cx="253440" cy="171360"/>
+                </a:xfrm>
+                <a:prstGeom prst="rect">
+                  <a:avLst/>
+                </a:prstGeom>
+              </p:spPr>
+            </p:pic>
+          </mc:Fallback>
+        </mc:AlternateContent>
+        <mc:AlternateContent xmlns:mc="http://schemas.openxmlformats.org/markup-compatibility/2006">
+          <mc:Choice xmlns:p14="http://schemas.microsoft.com/office/powerpoint/2010/main" Requires="p14">
+            <p:contentPart p14:bwMode="auto" r:id="rId64">
+              <p14:nvContentPartPr>
+                <p14:cNvPr id="46" name="Ink 45">
+                  <a:extLst>
+                    <a:ext uri="{FF2B5EF4-FFF2-40B4-BE49-F238E27FC236}">
+                      <a16:creationId xmlns:a16="http://schemas.microsoft.com/office/drawing/2014/main" id="{21E74DF3-2FA4-2D45-8B86-CDF5D40C882C}"/>
+                    </a:ext>
+                  </a:extLst>
+                </p14:cNvPr>
+                <p14:cNvContentPartPr/>
+                <p14:nvPr/>
+              </p14:nvContentPartPr>
+              <p14:xfrm>
+                <a:off x="5589103" y="5559512"/>
+                <a:ext cx="1263960" cy="660240"/>
+              </p14:xfrm>
+            </p:contentPart>
+          </mc:Choice>
+          <mc:Fallback>
+            <p:pic>
+              <p:nvPicPr>
+                <p:cNvPr id="46" name="Ink 45">
+                  <a:extLst>
+                    <a:ext uri="{FF2B5EF4-FFF2-40B4-BE49-F238E27FC236}">
+                      <a16:creationId xmlns:a16="http://schemas.microsoft.com/office/drawing/2014/main" id="{21E74DF3-2FA4-2D45-8B86-CDF5D40C882C}"/>
+                    </a:ext>
+                  </a:extLst>
+                </p:cNvPr>
+                <p:cNvPicPr/>
+                <p:nvPr/>
+              </p:nvPicPr>
+              <p:blipFill>
+                <a:blip r:embed="rId65"/>
+                <a:stretch>
+                  <a:fillRect/>
+                </a:stretch>
+              </p:blipFill>
+              <p:spPr>
+                <a:xfrm>
+                  <a:off x="5571103" y="5541512"/>
+                  <a:ext cx="1299600" cy="695880"/>
+                </a:xfrm>
+                <a:prstGeom prst="rect">
+                  <a:avLst/>
+                </a:prstGeom>
+              </p:spPr>
+            </p:pic>
+          </mc:Fallback>
+        </mc:AlternateContent>
+        <mc:AlternateContent xmlns:mc="http://schemas.openxmlformats.org/markup-compatibility/2006">
+          <mc:Choice xmlns:p14="http://schemas.microsoft.com/office/powerpoint/2010/main" Requires="p14">
+            <p:contentPart p14:bwMode="auto" r:id="rId66">
+              <p14:nvContentPartPr>
+                <p14:cNvPr id="47" name="Ink 46">
+                  <a:extLst>
+                    <a:ext uri="{FF2B5EF4-FFF2-40B4-BE49-F238E27FC236}">
+                      <a16:creationId xmlns:a16="http://schemas.microsoft.com/office/drawing/2014/main" id="{977FD5F8-583A-7B44-818B-EB3498C44444}"/>
+                    </a:ext>
+                  </a:extLst>
+                </p14:cNvPr>
+                <p14:cNvContentPartPr/>
+                <p14:nvPr/>
+              </p14:nvContentPartPr>
+              <p14:xfrm>
+                <a:off x="5521783" y="6347192"/>
+                <a:ext cx="257400" cy="249480"/>
+              </p14:xfrm>
+            </p:contentPart>
+          </mc:Choice>
+          <mc:Fallback>
+            <p:pic>
+              <p:nvPicPr>
+                <p:cNvPr id="47" name="Ink 46">
+                  <a:extLst>
+                    <a:ext uri="{FF2B5EF4-FFF2-40B4-BE49-F238E27FC236}">
+                      <a16:creationId xmlns:a16="http://schemas.microsoft.com/office/drawing/2014/main" id="{977FD5F8-583A-7B44-818B-EB3498C44444}"/>
+                    </a:ext>
+                  </a:extLst>
+                </p:cNvPr>
+                <p:cNvPicPr/>
+                <p:nvPr/>
+              </p:nvPicPr>
+              <p:blipFill>
+                <a:blip r:embed="rId67"/>
+                <a:stretch>
+                  <a:fillRect/>
+                </a:stretch>
+              </p:blipFill>
+              <p:spPr>
+                <a:xfrm>
+                  <a:off x="5503783" y="6329192"/>
+                  <a:ext cx="293040" cy="285120"/>
+                </a:xfrm>
+                <a:prstGeom prst="rect">
+                  <a:avLst/>
+                </a:prstGeom>
+              </p:spPr>
+            </p:pic>
+          </mc:Fallback>
+        </mc:AlternateContent>
+        <mc:AlternateContent xmlns:mc="http://schemas.openxmlformats.org/markup-compatibility/2006">
+          <mc:Choice xmlns:p14="http://schemas.microsoft.com/office/powerpoint/2010/main" Requires="p14">
+            <p:contentPart p14:bwMode="auto" r:id="rId68">
+              <p14:nvContentPartPr>
+                <p14:cNvPr id="48" name="Ink 47">
+                  <a:extLst>
+                    <a:ext uri="{FF2B5EF4-FFF2-40B4-BE49-F238E27FC236}">
+                      <a16:creationId xmlns:a16="http://schemas.microsoft.com/office/drawing/2014/main" id="{F41CFE9C-3187-AB46-8F29-A699E9CF2DB9}"/>
+                    </a:ext>
+                  </a:extLst>
+                </p14:cNvPr>
+                <p14:cNvContentPartPr/>
+                <p14:nvPr/>
+              </p14:nvContentPartPr>
+              <p14:xfrm>
+                <a:off x="6424303" y="6048752"/>
+                <a:ext cx="302400" cy="277200"/>
+              </p14:xfrm>
+            </p:contentPart>
+          </mc:Choice>
+          <mc:Fallback>
+            <p:pic>
+              <p:nvPicPr>
+                <p:cNvPr id="48" name="Ink 47">
+                  <a:extLst>
+                    <a:ext uri="{FF2B5EF4-FFF2-40B4-BE49-F238E27FC236}">
+                      <a16:creationId xmlns:a16="http://schemas.microsoft.com/office/drawing/2014/main" id="{F41CFE9C-3187-AB46-8F29-A699E9CF2DB9}"/>
+                    </a:ext>
+                  </a:extLst>
+                </p:cNvPr>
+                <p:cNvPicPr/>
+                <p:nvPr/>
+              </p:nvPicPr>
+              <p:blipFill>
+                <a:blip r:embed="rId69"/>
+                <a:stretch>
+                  <a:fillRect/>
+                </a:stretch>
+              </p:blipFill>
+              <p:spPr>
+                <a:xfrm>
+                  <a:off x="6406303" y="6030752"/>
+                  <a:ext cx="338040" cy="312840"/>
+                </a:xfrm>
+                <a:prstGeom prst="rect">
+                  <a:avLst/>
+                </a:prstGeom>
+              </p:spPr>
+            </p:pic>
+          </mc:Fallback>
+        </mc:AlternateContent>
+        <mc:AlternateContent xmlns:mc="http://schemas.openxmlformats.org/markup-compatibility/2006">
+          <mc:Choice xmlns:p14="http://schemas.microsoft.com/office/powerpoint/2010/main" Requires="p14">
+            <p:contentPart p14:bwMode="auto" r:id="rId70">
+              <p14:nvContentPartPr>
+                <p14:cNvPr id="49" name="Ink 48">
+                  <a:extLst>
+                    <a:ext uri="{FF2B5EF4-FFF2-40B4-BE49-F238E27FC236}">
+                      <a16:creationId xmlns:a16="http://schemas.microsoft.com/office/drawing/2014/main" id="{D54E6A81-3008-EA45-9BA5-89177253C393}"/>
+                    </a:ext>
+                  </a:extLst>
+                </p14:cNvPr>
+                <p14:cNvContentPartPr/>
+                <p14:nvPr/>
+              </p14:nvContentPartPr>
+              <p14:xfrm>
+                <a:off x="6862783" y="5778032"/>
+                <a:ext cx="158400" cy="154440"/>
+              </p14:xfrm>
+            </p:contentPart>
+          </mc:Choice>
+          <mc:Fallback>
+            <p:pic>
+              <p:nvPicPr>
+                <p:cNvPr id="49" name="Ink 48">
+                  <a:extLst>
+                    <a:ext uri="{FF2B5EF4-FFF2-40B4-BE49-F238E27FC236}">
+                      <a16:creationId xmlns:a16="http://schemas.microsoft.com/office/drawing/2014/main" id="{D54E6A81-3008-EA45-9BA5-89177253C393}"/>
+                    </a:ext>
+                  </a:extLst>
+                </p:cNvPr>
+                <p:cNvPicPr/>
+                <p:nvPr/>
+              </p:nvPicPr>
+              <p:blipFill>
+                <a:blip r:embed="rId71"/>
+                <a:stretch>
+                  <a:fillRect/>
+                </a:stretch>
+              </p:blipFill>
+              <p:spPr>
+                <a:xfrm>
+                  <a:off x="6844783" y="5760392"/>
+                  <a:ext cx="194040" cy="190080"/>
+                </a:xfrm>
+                <a:prstGeom prst="rect">
+                  <a:avLst/>
+                </a:prstGeom>
+              </p:spPr>
+            </p:pic>
+          </mc:Fallback>
+        </mc:AlternateContent>
+        <mc:AlternateContent xmlns:mc="http://schemas.openxmlformats.org/markup-compatibility/2006">
+          <mc:Choice xmlns:p14="http://schemas.microsoft.com/office/powerpoint/2010/main" Requires="p14">
+            <p:contentPart p14:bwMode="auto" r:id="rId72">
+              <p14:nvContentPartPr>
+                <p14:cNvPr id="50" name="Ink 49">
+                  <a:extLst>
+                    <a:ext uri="{FF2B5EF4-FFF2-40B4-BE49-F238E27FC236}">
+                      <a16:creationId xmlns:a16="http://schemas.microsoft.com/office/drawing/2014/main" id="{3B336A27-4EE9-D04D-AE55-DC818ABA33FF}"/>
+                    </a:ext>
+                  </a:extLst>
+                </p14:cNvPr>
+                <p14:cNvContentPartPr/>
+                <p14:nvPr/>
+              </p14:nvContentPartPr>
+              <p14:xfrm>
+                <a:off x="7179943" y="5414792"/>
+                <a:ext cx="214200" cy="205200"/>
+              </p14:xfrm>
+            </p:contentPart>
+          </mc:Choice>
+          <mc:Fallback>
+            <p:pic>
+              <p:nvPicPr>
+                <p:cNvPr id="50" name="Ink 49">
+                  <a:extLst>
+                    <a:ext uri="{FF2B5EF4-FFF2-40B4-BE49-F238E27FC236}">
+                      <a16:creationId xmlns:a16="http://schemas.microsoft.com/office/drawing/2014/main" id="{3B336A27-4EE9-D04D-AE55-DC818ABA33FF}"/>
+                    </a:ext>
+                  </a:extLst>
+                </p:cNvPr>
+                <p:cNvPicPr/>
+                <p:nvPr/>
+              </p:nvPicPr>
+              <p:blipFill>
+                <a:blip r:embed="rId73"/>
+                <a:stretch>
+                  <a:fillRect/>
+                </a:stretch>
+              </p:blipFill>
+              <p:spPr>
+                <a:xfrm>
+                  <a:off x="7162303" y="5396792"/>
+                  <a:ext cx="249840" cy="240840"/>
+                </a:xfrm>
+                <a:prstGeom prst="rect">
+                  <a:avLst/>
+                </a:prstGeom>
+              </p:spPr>
+            </p:pic>
+          </mc:Fallback>
+        </mc:AlternateContent>
+        <mc:AlternateContent xmlns:mc="http://schemas.openxmlformats.org/markup-compatibility/2006">
+          <mc:Choice xmlns:p14="http://schemas.microsoft.com/office/powerpoint/2010/main" Requires="p14">
+            <p:contentPart p14:bwMode="auto" r:id="rId74">
+              <p14:nvContentPartPr>
+                <p14:cNvPr id="51" name="Ink 50">
+                  <a:extLst>
+                    <a:ext uri="{FF2B5EF4-FFF2-40B4-BE49-F238E27FC236}">
+                      <a16:creationId xmlns:a16="http://schemas.microsoft.com/office/drawing/2014/main" id="{08704566-2A30-8F48-BC0F-E30DF81AD257}"/>
+                    </a:ext>
+                  </a:extLst>
+                </p14:cNvPr>
+                <p14:cNvContentPartPr/>
+                <p14:nvPr/>
+              </p14:nvContentPartPr>
+              <p14:xfrm>
+                <a:off x="6197143" y="5536112"/>
+                <a:ext cx="1579320" cy="1042200"/>
+              </p14:xfrm>
+            </p:contentPart>
+          </mc:Choice>
+          <mc:Fallback>
+            <p:pic>
+              <p:nvPicPr>
+                <p:cNvPr id="51" name="Ink 50">
+                  <a:extLst>
+                    <a:ext uri="{FF2B5EF4-FFF2-40B4-BE49-F238E27FC236}">
+                      <a16:creationId xmlns:a16="http://schemas.microsoft.com/office/drawing/2014/main" id="{08704566-2A30-8F48-BC0F-E30DF81AD257}"/>
+                    </a:ext>
+                  </a:extLst>
+                </p:cNvPr>
+                <p:cNvPicPr/>
+                <p:nvPr/>
+              </p:nvPicPr>
+              <p:blipFill>
+                <a:blip r:embed="rId75"/>
+                <a:stretch>
+                  <a:fillRect/>
+                </a:stretch>
+              </p:blipFill>
+              <p:spPr>
+                <a:xfrm>
+                  <a:off x="6179143" y="5518472"/>
+                  <a:ext cx="1614960" cy="1077840"/>
+                </a:xfrm>
+                <a:prstGeom prst="rect">
+                  <a:avLst/>
+                </a:prstGeom>
+              </p:spPr>
+            </p:pic>
+          </mc:Fallback>
+        </mc:AlternateContent>
+        <mc:AlternateContent xmlns:mc="http://schemas.openxmlformats.org/markup-compatibility/2006">
+          <mc:Choice xmlns:p14="http://schemas.microsoft.com/office/powerpoint/2010/main" Requires="p14">
+            <p:contentPart p14:bwMode="auto" r:id="rId76">
+              <p14:nvContentPartPr>
+                <p14:cNvPr id="53" name="Ink 52">
+                  <a:extLst>
+                    <a:ext uri="{FF2B5EF4-FFF2-40B4-BE49-F238E27FC236}">
+                      <a16:creationId xmlns:a16="http://schemas.microsoft.com/office/drawing/2014/main" id="{B8D2C052-EC9B-974E-8B3F-E215DA2A4C7A}"/>
+                    </a:ext>
+                  </a:extLst>
+                </p14:cNvPr>
+                <p14:cNvContentPartPr/>
+                <p14:nvPr/>
+              </p14:nvContentPartPr>
+              <p14:xfrm>
+                <a:off x="6095263" y="6515672"/>
+                <a:ext cx="201240" cy="279720"/>
+              </p14:xfrm>
+            </p:contentPart>
+          </mc:Choice>
+          <mc:Fallback>
+            <p:pic>
+              <p:nvPicPr>
+                <p:cNvPr id="53" name="Ink 52">
+                  <a:extLst>
+                    <a:ext uri="{FF2B5EF4-FFF2-40B4-BE49-F238E27FC236}">
+                      <a16:creationId xmlns:a16="http://schemas.microsoft.com/office/drawing/2014/main" id="{B8D2C052-EC9B-974E-8B3F-E215DA2A4C7A}"/>
+                    </a:ext>
+                  </a:extLst>
+                </p:cNvPr>
+                <p:cNvPicPr/>
+                <p:nvPr/>
+              </p:nvPicPr>
+              <p:blipFill>
+                <a:blip r:embed="rId77"/>
+                <a:stretch>
+                  <a:fillRect/>
+                </a:stretch>
+              </p:blipFill>
+              <p:spPr>
+                <a:xfrm>
+                  <a:off x="6077263" y="6497672"/>
+                  <a:ext cx="236880" cy="315360"/>
+                </a:xfrm>
+                <a:prstGeom prst="rect">
+                  <a:avLst/>
+                </a:prstGeom>
+              </p:spPr>
+            </p:pic>
+          </mc:Fallback>
+        </mc:AlternateContent>
+        <mc:AlternateContent xmlns:mc="http://schemas.openxmlformats.org/markup-compatibility/2006">
+          <mc:Choice xmlns:p14="http://schemas.microsoft.com/office/powerpoint/2010/main" Requires="p14">
+            <p:contentPart p14:bwMode="auto" r:id="rId78">
+              <p14:nvContentPartPr>
+                <p14:cNvPr id="55" name="Ink 54">
+                  <a:extLst>
+                    <a:ext uri="{FF2B5EF4-FFF2-40B4-BE49-F238E27FC236}">
+                      <a16:creationId xmlns:a16="http://schemas.microsoft.com/office/drawing/2014/main" id="{B7F7C1E1-F8DE-0449-98E2-C150BD2A10AC}"/>
+                    </a:ext>
+                  </a:extLst>
+                </p14:cNvPr>
+                <p14:cNvContentPartPr/>
+                <p14:nvPr/>
+              </p14:nvContentPartPr>
+              <p14:xfrm>
+                <a:off x="7187143" y="6516032"/>
+                <a:ext cx="18360" cy="48240"/>
+              </p14:xfrm>
+            </p:contentPart>
+          </mc:Choice>
+          <mc:Fallback>
+            <p:pic>
+              <p:nvPicPr>
+                <p:cNvPr id="55" name="Ink 54">
+                  <a:extLst>
+                    <a:ext uri="{FF2B5EF4-FFF2-40B4-BE49-F238E27FC236}">
+                      <a16:creationId xmlns:a16="http://schemas.microsoft.com/office/drawing/2014/main" id="{B7F7C1E1-F8DE-0449-98E2-C150BD2A10AC}"/>
+                    </a:ext>
+                  </a:extLst>
+                </p:cNvPr>
+                <p:cNvPicPr/>
+                <p:nvPr/>
+              </p:nvPicPr>
+              <p:blipFill>
+                <a:blip r:embed="rId79"/>
+                <a:stretch>
+                  <a:fillRect/>
+                </a:stretch>
+              </p:blipFill>
+              <p:spPr>
+                <a:xfrm>
+                  <a:off x="7169143" y="6498032"/>
+                  <a:ext cx="54000" cy="83880"/>
+                </a:xfrm>
+                <a:prstGeom prst="rect">
+                  <a:avLst/>
+                </a:prstGeom>
+              </p:spPr>
+            </p:pic>
+          </mc:Fallback>
+        </mc:AlternateContent>
+        <mc:AlternateContent xmlns:mc="http://schemas.openxmlformats.org/markup-compatibility/2006">
+          <mc:Choice xmlns:p14="http://schemas.microsoft.com/office/powerpoint/2010/main" Requires="p14">
+            <p:contentPart p14:bwMode="auto" r:id="rId80">
+              <p14:nvContentPartPr>
+                <p14:cNvPr id="57" name="Ink 56">
+                  <a:extLst>
+                    <a:ext uri="{FF2B5EF4-FFF2-40B4-BE49-F238E27FC236}">
+                      <a16:creationId xmlns:a16="http://schemas.microsoft.com/office/drawing/2014/main" id="{50099D2B-C066-2F44-8DCF-FA6DEEAA2C6E}"/>
+                    </a:ext>
+                  </a:extLst>
+                </p14:cNvPr>
+                <p14:cNvContentPartPr/>
+                <p14:nvPr/>
+              </p14:nvContentPartPr>
+              <p14:xfrm>
+                <a:off x="7410703" y="6391472"/>
+                <a:ext cx="37800" cy="62280"/>
+              </p14:xfrm>
+            </p:contentPart>
+          </mc:Choice>
+          <mc:Fallback>
+            <p:pic>
+              <p:nvPicPr>
+                <p:cNvPr id="57" name="Ink 56">
+                  <a:extLst>
+                    <a:ext uri="{FF2B5EF4-FFF2-40B4-BE49-F238E27FC236}">
+                      <a16:creationId xmlns:a16="http://schemas.microsoft.com/office/drawing/2014/main" id="{50099D2B-C066-2F44-8DCF-FA6DEEAA2C6E}"/>
+                    </a:ext>
+                  </a:extLst>
+                </p:cNvPr>
+                <p:cNvPicPr/>
+                <p:nvPr/>
+              </p:nvPicPr>
+              <p:blipFill>
+                <a:blip r:embed="rId81"/>
+                <a:stretch>
+                  <a:fillRect/>
+                </a:stretch>
+              </p:blipFill>
+              <p:spPr>
+                <a:xfrm>
+                  <a:off x="7392703" y="6373832"/>
+                  <a:ext cx="73440" cy="97920"/>
+                </a:xfrm>
+                <a:prstGeom prst="rect">
+                  <a:avLst/>
+                </a:prstGeom>
+              </p:spPr>
+            </p:pic>
+          </mc:Fallback>
+        </mc:AlternateContent>
+        <mc:AlternateContent xmlns:mc="http://schemas.openxmlformats.org/markup-compatibility/2006">
+          <mc:Choice xmlns:p14="http://schemas.microsoft.com/office/powerpoint/2010/main" Requires="p14">
+            <p:contentPart p14:bwMode="auto" r:id="rId82">
+              <p14:nvContentPartPr>
+                <p14:cNvPr id="59" name="Ink 58">
+                  <a:extLst>
+                    <a:ext uri="{FF2B5EF4-FFF2-40B4-BE49-F238E27FC236}">
+                      <a16:creationId xmlns:a16="http://schemas.microsoft.com/office/drawing/2014/main" id="{6E02EEDD-F397-414A-9641-198A2794B043}"/>
+                    </a:ext>
+                  </a:extLst>
+                </p14:cNvPr>
+                <p14:cNvContentPartPr/>
+                <p14:nvPr/>
+              </p14:nvContentPartPr>
+              <p14:xfrm>
+                <a:off x="7683943" y="6064592"/>
+                <a:ext cx="324000" cy="250200"/>
+              </p14:xfrm>
+            </p:contentPart>
+          </mc:Choice>
+          <mc:Fallback>
+            <p:pic>
+              <p:nvPicPr>
+                <p:cNvPr id="59" name="Ink 58">
+                  <a:extLst>
+                    <a:ext uri="{FF2B5EF4-FFF2-40B4-BE49-F238E27FC236}">
+                      <a16:creationId xmlns:a16="http://schemas.microsoft.com/office/drawing/2014/main" id="{6E02EEDD-F397-414A-9641-198A2794B043}"/>
+                    </a:ext>
+                  </a:extLst>
+                </p:cNvPr>
+                <p:cNvPicPr/>
+                <p:nvPr/>
+              </p:nvPicPr>
+              <p:blipFill>
+                <a:blip r:embed="rId83"/>
+                <a:stretch>
+                  <a:fillRect/>
+                </a:stretch>
+              </p:blipFill>
+              <p:spPr>
+                <a:xfrm>
+                  <a:off x="7665943" y="6046952"/>
+                  <a:ext cx="359640" cy="285840"/>
+                </a:xfrm>
+                <a:prstGeom prst="rect">
+                  <a:avLst/>
+                </a:prstGeom>
+              </p:spPr>
+            </p:pic>
+          </mc:Fallback>
+        </mc:AlternateContent>
+        <mc:AlternateContent xmlns:mc="http://schemas.openxmlformats.org/markup-compatibility/2006">
+          <mc:Choice xmlns:p14="http://schemas.microsoft.com/office/powerpoint/2010/main" Requires="p14">
+            <p:contentPart p14:bwMode="auto" r:id="rId84">
+              <p14:nvContentPartPr>
+                <p14:cNvPr id="61" name="Ink 60">
+                  <a:extLst>
+                    <a:ext uri="{FF2B5EF4-FFF2-40B4-BE49-F238E27FC236}">
+                      <a16:creationId xmlns:a16="http://schemas.microsoft.com/office/drawing/2014/main" id="{2C725641-13D7-2A41-9117-79786352F569}"/>
+                    </a:ext>
+                  </a:extLst>
+                </p14:cNvPr>
+                <p14:cNvContentPartPr/>
+                <p14:nvPr/>
+              </p14:nvContentPartPr>
+              <p14:xfrm>
+                <a:off x="7222423" y="6630872"/>
+                <a:ext cx="18720" cy="16560"/>
+              </p14:xfrm>
+            </p:contentPart>
+          </mc:Choice>
+          <mc:Fallback>
+            <p:pic>
+              <p:nvPicPr>
+                <p:cNvPr id="61" name="Ink 60">
+                  <a:extLst>
+                    <a:ext uri="{FF2B5EF4-FFF2-40B4-BE49-F238E27FC236}">
+                      <a16:creationId xmlns:a16="http://schemas.microsoft.com/office/drawing/2014/main" id="{2C725641-13D7-2A41-9117-79786352F569}"/>
+                    </a:ext>
+                  </a:extLst>
+                </p:cNvPr>
+                <p:cNvPicPr/>
+                <p:nvPr/>
+              </p:nvPicPr>
+              <p:blipFill>
+                <a:blip r:embed="rId85"/>
+                <a:stretch>
+                  <a:fillRect/>
+                </a:stretch>
+              </p:blipFill>
+              <p:spPr>
+                <a:xfrm>
+                  <a:off x="7204423" y="6613232"/>
+                  <a:ext cx="54360" cy="52200"/>
+                </a:xfrm>
+                <a:prstGeom prst="rect">
+                  <a:avLst/>
+                </a:prstGeom>
+              </p:spPr>
+            </p:pic>
+          </mc:Fallback>
+        </mc:AlternateContent>
+      </p:grpSp>
+      <mc:AlternateContent xmlns:mc="http://schemas.openxmlformats.org/markup-compatibility/2006">
+        <mc:Choice xmlns:p14="http://schemas.microsoft.com/office/powerpoint/2010/main" Requires="p14">
+          <p:contentPart p14:bwMode="auto" r:id="rId86">
+            <p14:nvContentPartPr>
+              <p14:cNvPr id="63" name="Ink 62">
+                <a:extLst>
+                  <a:ext uri="{FF2B5EF4-FFF2-40B4-BE49-F238E27FC236}">
+                    <a16:creationId xmlns:a16="http://schemas.microsoft.com/office/drawing/2014/main" id="{B91C3C01-42E6-3A4E-8EC5-B8BF0D54643B}"/>
+                  </a:ext>
+                </a:extLst>
+              </p14:cNvPr>
+              <p14:cNvContentPartPr/>
+              <p14:nvPr/>
+            </p14:nvContentPartPr>
+            <p14:xfrm>
+              <a:off x="6486943" y="2267672"/>
+              <a:ext cx="360" cy="403560"/>
+            </p14:xfrm>
+          </p:contentPart>
+        </mc:Choice>
+        <mc:Fallback>
+          <p:pic>
+            <p:nvPicPr>
+              <p:cNvPr id="63" name="Ink 62">
+                <a:extLst>
+                  <a:ext uri="{FF2B5EF4-FFF2-40B4-BE49-F238E27FC236}">
+                    <a16:creationId xmlns:a16="http://schemas.microsoft.com/office/drawing/2014/main" id="{B91C3C01-42E6-3A4E-8EC5-B8BF0D54643B}"/>
+                  </a:ext>
+                </a:extLst>
+              </p:cNvPr>
+              <p:cNvPicPr/>
+              <p:nvPr/>
+            </p:nvPicPr>
+            <p:blipFill>
+              <a:blip r:embed="rId87"/>
+              <a:stretch>
+                <a:fillRect/>
+              </a:stretch>
+            </p:blipFill>
+            <p:spPr>
+              <a:xfrm>
+                <a:off x="6468943" y="2249672"/>
+                <a:ext cx="36000" cy="439200"/>
+              </a:xfrm>
+              <a:prstGeom prst="rect">
+                <a:avLst/>
+              </a:prstGeom>
+            </p:spPr>
+          </p:pic>
+        </mc:Fallback>
+      </mc:AlternateContent>
+      <p:grpSp>
+        <p:nvGrpSpPr>
+          <p:cNvPr id="72" name="Group 71">
+            <a:extLst>
+              <a:ext uri="{FF2B5EF4-FFF2-40B4-BE49-F238E27FC236}">
+                <a16:creationId xmlns:a16="http://schemas.microsoft.com/office/drawing/2014/main" id="{991571F9-6AC7-5241-BAB7-D453DD48FB36}"/>
+              </a:ext>
+            </a:extLst>
+          </p:cNvPr>
+          <p:cNvGrpSpPr/>
+          <p:nvPr/>
+        </p:nvGrpSpPr>
+        <p:grpSpPr>
+          <a:xfrm>
+            <a:off x="6749023" y="2304752"/>
+            <a:ext cx="1370160" cy="322560"/>
+            <a:chOff x="6749023" y="2304752"/>
+            <a:chExt cx="1370160" cy="322560"/>
+          </a:xfrm>
+        </p:grpSpPr>
+        <mc:AlternateContent xmlns:mc="http://schemas.openxmlformats.org/markup-compatibility/2006">
+          <mc:Choice xmlns:p14="http://schemas.microsoft.com/office/powerpoint/2010/main" Requires="p14">
+            <p:contentPart p14:bwMode="auto" r:id="rId88">
+              <p14:nvContentPartPr>
+                <p14:cNvPr id="64" name="Ink 63">
+                  <a:extLst>
+                    <a:ext uri="{FF2B5EF4-FFF2-40B4-BE49-F238E27FC236}">
+                      <a16:creationId xmlns:a16="http://schemas.microsoft.com/office/drawing/2014/main" id="{37F6C0CD-614E-2240-83A9-921200DD8E48}"/>
+                    </a:ext>
+                  </a:extLst>
+                </p14:cNvPr>
+                <p14:cNvContentPartPr/>
+                <p14:nvPr/>
+              </p14:nvContentPartPr>
+              <p14:xfrm>
+                <a:off x="6749023" y="2390072"/>
+                <a:ext cx="90000" cy="235800"/>
+              </p14:xfrm>
+            </p:contentPart>
+          </mc:Choice>
+          <mc:Fallback>
+            <p:pic>
+              <p:nvPicPr>
+                <p:cNvPr id="64" name="Ink 63">
+                  <a:extLst>
+                    <a:ext uri="{FF2B5EF4-FFF2-40B4-BE49-F238E27FC236}">
+                      <a16:creationId xmlns:a16="http://schemas.microsoft.com/office/drawing/2014/main" id="{37F6C0CD-614E-2240-83A9-921200DD8E48}"/>
+                    </a:ext>
+                  </a:extLst>
+                </p:cNvPr>
+                <p:cNvPicPr/>
+                <p:nvPr/>
+              </p:nvPicPr>
+              <p:blipFill>
+                <a:blip r:embed="rId89"/>
+                <a:stretch>
+                  <a:fillRect/>
+                </a:stretch>
+              </p:blipFill>
+              <p:spPr>
+                <a:xfrm>
+                  <a:off x="6731383" y="2372072"/>
+                  <a:ext cx="125640" cy="271440"/>
+                </a:xfrm>
+                <a:prstGeom prst="rect">
+                  <a:avLst/>
+                </a:prstGeom>
+              </p:spPr>
+            </p:pic>
+          </mc:Fallback>
+        </mc:AlternateContent>
+        <mc:AlternateContent xmlns:mc="http://schemas.openxmlformats.org/markup-compatibility/2006">
+          <mc:Choice xmlns:p14="http://schemas.microsoft.com/office/powerpoint/2010/main" Requires="p14">
+            <p:contentPart p14:bwMode="auto" r:id="rId90">
+              <p14:nvContentPartPr>
+                <p14:cNvPr id="65" name="Ink 64">
+                  <a:extLst>
+                    <a:ext uri="{FF2B5EF4-FFF2-40B4-BE49-F238E27FC236}">
+                      <a16:creationId xmlns:a16="http://schemas.microsoft.com/office/drawing/2014/main" id="{78787E78-6ABB-B745-A76C-A4D647174CD8}"/>
+                    </a:ext>
+                  </a:extLst>
+                </p14:cNvPr>
+                <p14:cNvContentPartPr/>
+                <p14:nvPr/>
+              </p14:nvContentPartPr>
+              <p14:xfrm>
+                <a:off x="7005703" y="2321312"/>
+                <a:ext cx="199440" cy="230400"/>
+              </p14:xfrm>
+            </p:contentPart>
+          </mc:Choice>
+          <mc:Fallback>
+            <p:pic>
+              <p:nvPicPr>
+                <p:cNvPr id="65" name="Ink 64">
+                  <a:extLst>
+                    <a:ext uri="{FF2B5EF4-FFF2-40B4-BE49-F238E27FC236}">
+                      <a16:creationId xmlns:a16="http://schemas.microsoft.com/office/drawing/2014/main" id="{78787E78-6ABB-B745-A76C-A4D647174CD8}"/>
+                    </a:ext>
+                  </a:extLst>
+                </p:cNvPr>
+                <p:cNvPicPr/>
+                <p:nvPr/>
+              </p:nvPicPr>
+              <p:blipFill>
+                <a:blip r:embed="rId91"/>
+                <a:stretch>
+                  <a:fillRect/>
+                </a:stretch>
+              </p:blipFill>
+              <p:spPr>
+                <a:xfrm>
+                  <a:off x="6988063" y="2303312"/>
+                  <a:ext cx="235080" cy="266040"/>
+                </a:xfrm>
+                <a:prstGeom prst="rect">
+                  <a:avLst/>
+                </a:prstGeom>
+              </p:spPr>
+            </p:pic>
+          </mc:Fallback>
+        </mc:AlternateContent>
+        <mc:AlternateContent xmlns:mc="http://schemas.openxmlformats.org/markup-compatibility/2006">
+          <mc:Choice xmlns:p14="http://schemas.microsoft.com/office/powerpoint/2010/main" Requires="p14">
+            <p:contentPart p14:bwMode="auto" r:id="rId92">
+              <p14:nvContentPartPr>
+                <p14:cNvPr id="67" name="Ink 66">
+                  <a:extLst>
+                    <a:ext uri="{FF2B5EF4-FFF2-40B4-BE49-F238E27FC236}">
+                      <a16:creationId xmlns:a16="http://schemas.microsoft.com/office/drawing/2014/main" id="{ED995E03-FEB0-A04F-B7AA-AAEEE9EBED5A}"/>
+                    </a:ext>
+                  </a:extLst>
+                </p14:cNvPr>
+                <p14:cNvContentPartPr/>
+                <p14:nvPr/>
+              </p14:nvContentPartPr>
+              <p14:xfrm>
+                <a:off x="7420063" y="2304752"/>
+                <a:ext cx="174600" cy="220680"/>
+              </p14:xfrm>
+            </p:contentPart>
+          </mc:Choice>
+          <mc:Fallback>
+            <p:pic>
+              <p:nvPicPr>
+                <p:cNvPr id="67" name="Ink 66">
+                  <a:extLst>
+                    <a:ext uri="{FF2B5EF4-FFF2-40B4-BE49-F238E27FC236}">
+                      <a16:creationId xmlns:a16="http://schemas.microsoft.com/office/drawing/2014/main" id="{ED995E03-FEB0-A04F-B7AA-AAEEE9EBED5A}"/>
+                    </a:ext>
+                  </a:extLst>
+                </p:cNvPr>
+                <p:cNvPicPr/>
+                <p:nvPr/>
+              </p:nvPicPr>
+              <p:blipFill>
+                <a:blip r:embed="rId93"/>
+                <a:stretch>
+                  <a:fillRect/>
+                </a:stretch>
+              </p:blipFill>
+              <p:spPr>
+                <a:xfrm>
+                  <a:off x="7402063" y="2287112"/>
+                  <a:ext cx="210240" cy="256320"/>
+                </a:xfrm>
+                <a:prstGeom prst="rect">
+                  <a:avLst/>
+                </a:prstGeom>
+              </p:spPr>
+            </p:pic>
+          </mc:Fallback>
+        </mc:AlternateContent>
+        <mc:AlternateContent xmlns:mc="http://schemas.openxmlformats.org/markup-compatibility/2006">
+          <mc:Choice xmlns:p14="http://schemas.microsoft.com/office/powerpoint/2010/main" Requires="p14">
+            <p:contentPart p14:bwMode="auto" r:id="rId94">
+              <p14:nvContentPartPr>
+                <p14:cNvPr id="69" name="Ink 68">
+                  <a:extLst>
+                    <a:ext uri="{FF2B5EF4-FFF2-40B4-BE49-F238E27FC236}">
+                      <a16:creationId xmlns:a16="http://schemas.microsoft.com/office/drawing/2014/main" id="{B02045D4-CAB7-374B-91E6-7F3A4507BEE4}"/>
+                    </a:ext>
+                  </a:extLst>
+                </p14:cNvPr>
+                <p14:cNvContentPartPr/>
+                <p14:nvPr/>
+              </p14:nvContentPartPr>
+              <p14:xfrm>
+                <a:off x="7792663" y="2311592"/>
+                <a:ext cx="99360" cy="183600"/>
+              </p14:xfrm>
+            </p:contentPart>
+          </mc:Choice>
+          <mc:Fallback>
+            <p:pic>
+              <p:nvPicPr>
+                <p:cNvPr id="69" name="Ink 68">
+                  <a:extLst>
+                    <a:ext uri="{FF2B5EF4-FFF2-40B4-BE49-F238E27FC236}">
+                      <a16:creationId xmlns:a16="http://schemas.microsoft.com/office/drawing/2014/main" id="{B02045D4-CAB7-374B-91E6-7F3A4507BEE4}"/>
+                    </a:ext>
+                  </a:extLst>
+                </p:cNvPr>
+                <p:cNvPicPr/>
+                <p:nvPr/>
+              </p:nvPicPr>
+              <p:blipFill>
+                <a:blip r:embed="rId95"/>
+                <a:stretch>
+                  <a:fillRect/>
+                </a:stretch>
+              </p:blipFill>
+              <p:spPr>
+                <a:xfrm>
+                  <a:off x="7774663" y="2293592"/>
+                  <a:ext cx="135000" cy="219240"/>
+                </a:xfrm>
+                <a:prstGeom prst="rect">
+                  <a:avLst/>
+                </a:prstGeom>
+              </p:spPr>
+            </p:pic>
+          </mc:Fallback>
+        </mc:AlternateContent>
+        <mc:AlternateContent xmlns:mc="http://schemas.openxmlformats.org/markup-compatibility/2006">
+          <mc:Choice xmlns:p14="http://schemas.microsoft.com/office/powerpoint/2010/main" Requires="p14">
+            <p:contentPart p14:bwMode="auto" r:id="rId96">
+              <p14:nvContentPartPr>
+                <p14:cNvPr id="71" name="Ink 70">
+                  <a:extLst>
+                    <a:ext uri="{FF2B5EF4-FFF2-40B4-BE49-F238E27FC236}">
+                      <a16:creationId xmlns:a16="http://schemas.microsoft.com/office/drawing/2014/main" id="{F7AA5707-6661-A44D-90E4-423D124A097C}"/>
+                    </a:ext>
+                  </a:extLst>
+                </p14:cNvPr>
+                <p14:cNvContentPartPr/>
+                <p14:nvPr/>
+              </p14:nvContentPartPr>
+              <p14:xfrm>
+                <a:off x="8118823" y="2311232"/>
+                <a:ext cx="360" cy="316080"/>
+              </p14:xfrm>
+            </p:contentPart>
+          </mc:Choice>
+          <mc:Fallback>
+            <p:pic>
+              <p:nvPicPr>
+                <p:cNvPr id="71" name="Ink 70">
+                  <a:extLst>
+                    <a:ext uri="{FF2B5EF4-FFF2-40B4-BE49-F238E27FC236}">
+                      <a16:creationId xmlns:a16="http://schemas.microsoft.com/office/drawing/2014/main" id="{F7AA5707-6661-A44D-90E4-423D124A097C}"/>
+                    </a:ext>
+                  </a:extLst>
+                </p:cNvPr>
+                <p:cNvPicPr/>
+                <p:nvPr/>
+              </p:nvPicPr>
+              <p:blipFill>
+                <a:blip r:embed="rId97"/>
+                <a:stretch>
+                  <a:fillRect/>
+                </a:stretch>
+              </p:blipFill>
+              <p:spPr>
+                <a:xfrm>
+                  <a:off x="8101183" y="2293592"/>
+                  <a:ext cx="36000" cy="351720"/>
+                </a:xfrm>
+                <a:prstGeom prst="rect">
+                  <a:avLst/>
+                </a:prstGeom>
+              </p:spPr>
+            </p:pic>
+          </mc:Fallback>
+        </mc:AlternateContent>
+      </p:grpSp>
+      <p:grpSp>
+        <p:nvGrpSpPr>
+          <p:cNvPr id="75" name="Group 74">
+            <a:extLst>
+              <a:ext uri="{FF2B5EF4-FFF2-40B4-BE49-F238E27FC236}">
+                <a16:creationId xmlns:a16="http://schemas.microsoft.com/office/drawing/2014/main" id="{EEF5DBCC-841B-7C4C-8951-850EA1371DA9}"/>
+              </a:ext>
+            </a:extLst>
+          </p:cNvPr>
+          <p:cNvGrpSpPr/>
+          <p:nvPr/>
+        </p:nvGrpSpPr>
+        <p:grpSpPr>
+          <a:xfrm>
+            <a:off x="574303" y="5070272"/>
+            <a:ext cx="360" cy="360"/>
+            <a:chOff x="574303" y="5070272"/>
+            <a:chExt cx="360" cy="360"/>
+          </a:xfrm>
+        </p:grpSpPr>
+        <mc:AlternateContent xmlns:mc="http://schemas.openxmlformats.org/markup-compatibility/2006">
+          <mc:Choice xmlns:p14="http://schemas.microsoft.com/office/powerpoint/2010/main" Requires="p14">
+            <p:contentPart p14:bwMode="auto" r:id="rId98">
+              <p14:nvContentPartPr>
+                <p14:cNvPr id="73" name="Ink 72">
+                  <a:extLst>
+                    <a:ext uri="{FF2B5EF4-FFF2-40B4-BE49-F238E27FC236}">
+                      <a16:creationId xmlns:a16="http://schemas.microsoft.com/office/drawing/2014/main" id="{911E1056-326F-AC4F-87EA-6A0320BAA9D1}"/>
+                    </a:ext>
+                  </a:extLst>
+                </p14:cNvPr>
+                <p14:cNvContentPartPr/>
+                <p14:nvPr/>
+              </p14:nvContentPartPr>
+              <p14:xfrm>
+                <a:off x="574303" y="5070272"/>
+                <a:ext cx="360" cy="360"/>
+              </p14:xfrm>
+            </p:contentPart>
+          </mc:Choice>
+          <mc:Fallback>
+            <p:pic>
+              <p:nvPicPr>
+                <p:cNvPr id="73" name="Ink 72">
+                  <a:extLst>
+                    <a:ext uri="{FF2B5EF4-FFF2-40B4-BE49-F238E27FC236}">
+                      <a16:creationId xmlns:a16="http://schemas.microsoft.com/office/drawing/2014/main" id="{911E1056-326F-AC4F-87EA-6A0320BAA9D1}"/>
+                    </a:ext>
+                  </a:extLst>
+                </p:cNvPr>
+                <p:cNvPicPr/>
+                <p:nvPr/>
+              </p:nvPicPr>
+              <p:blipFill>
+                <a:blip r:embed="rId99"/>
+                <a:stretch>
+                  <a:fillRect/>
+                </a:stretch>
+              </p:blipFill>
+              <p:spPr>
+                <a:xfrm>
+                  <a:off x="556663" y="5052632"/>
+                  <a:ext cx="36000" cy="36000"/>
+                </a:xfrm>
+                <a:prstGeom prst="rect">
+                  <a:avLst/>
+                </a:prstGeom>
+              </p:spPr>
+            </p:pic>
+          </mc:Fallback>
+        </mc:AlternateContent>
+        <mc:AlternateContent xmlns:mc="http://schemas.openxmlformats.org/markup-compatibility/2006">
+          <mc:Choice xmlns:p14="http://schemas.microsoft.com/office/powerpoint/2010/main" Requires="p14">
+            <p:contentPart p14:bwMode="auto" r:id="rId100">
+              <p14:nvContentPartPr>
+                <p14:cNvPr id="74" name="Ink 73">
+                  <a:extLst>
+                    <a:ext uri="{FF2B5EF4-FFF2-40B4-BE49-F238E27FC236}">
+                      <a16:creationId xmlns:a16="http://schemas.microsoft.com/office/drawing/2014/main" id="{57F1C998-CAC4-9144-A1ED-BD9049C60A1A}"/>
+                    </a:ext>
+                  </a:extLst>
+                </p14:cNvPr>
+                <p14:cNvContentPartPr/>
+                <p14:nvPr/>
+              </p14:nvContentPartPr>
+              <p14:xfrm>
+                <a:off x="574303" y="5070272"/>
+                <a:ext cx="360" cy="360"/>
+              </p14:xfrm>
+            </p:contentPart>
+          </mc:Choice>
+          <mc:Fallback>
+            <p:pic>
+              <p:nvPicPr>
+                <p:cNvPr id="74" name="Ink 73">
+                  <a:extLst>
+                    <a:ext uri="{FF2B5EF4-FFF2-40B4-BE49-F238E27FC236}">
+                      <a16:creationId xmlns:a16="http://schemas.microsoft.com/office/drawing/2014/main" id="{57F1C998-CAC4-9144-A1ED-BD9049C60A1A}"/>
+                    </a:ext>
+                  </a:extLst>
+                </p:cNvPr>
+                <p:cNvPicPr/>
+                <p:nvPr/>
+              </p:nvPicPr>
+              <p:blipFill>
+                <a:blip r:embed="rId99"/>
+                <a:stretch>
+                  <a:fillRect/>
+                </a:stretch>
+              </p:blipFill>
+              <p:spPr>
+                <a:xfrm>
+                  <a:off x="556663" y="5052632"/>
+                  <a:ext cx="36000" cy="36000"/>
+                </a:xfrm>
+                <a:prstGeom prst="rect">
+                  <a:avLst/>
+                </a:prstGeom>
+              </p:spPr>
+            </p:pic>
+          </mc:Fallback>
+        </mc:AlternateContent>
+      </p:grpSp>
     </p:spTree>
     <p:extLst>
       <p:ext uri="{BB962C8B-B14F-4D97-AF65-F5344CB8AC3E}">
@@ -7322,6 +12211,579 @@
           </a:p>
         </p:txBody>
       </p:sp>
+      <p:grpSp>
+        <p:nvGrpSpPr>
+          <p:cNvPr id="9" name="Group 8">
+            <a:extLst>
+              <a:ext uri="{FF2B5EF4-FFF2-40B4-BE49-F238E27FC236}">
+                <a16:creationId xmlns:a16="http://schemas.microsoft.com/office/drawing/2014/main" id="{5C39AD12-C195-4849-A1E0-25551391B191}"/>
+              </a:ext>
+            </a:extLst>
+          </p:cNvPr>
+          <p:cNvGrpSpPr/>
+          <p:nvPr/>
+        </p:nvGrpSpPr>
+        <p:grpSpPr>
+          <a:xfrm>
+            <a:off x="1585543" y="4276112"/>
+            <a:ext cx="1774080" cy="468000"/>
+            <a:chOff x="1585543" y="4276112"/>
+            <a:chExt cx="1774080" cy="468000"/>
+          </a:xfrm>
+        </p:grpSpPr>
+        <mc:AlternateContent xmlns:mc="http://schemas.openxmlformats.org/markup-compatibility/2006">
+          <mc:Choice xmlns:p14="http://schemas.microsoft.com/office/powerpoint/2010/main" Requires="p14">
+            <p:contentPart p14:bwMode="auto" r:id="rId2">
+              <p14:nvContentPartPr>
+                <p14:cNvPr id="4" name="Ink 3">
+                  <a:extLst>
+                    <a:ext uri="{FF2B5EF4-FFF2-40B4-BE49-F238E27FC236}">
+                      <a16:creationId xmlns:a16="http://schemas.microsoft.com/office/drawing/2014/main" id="{1B02FC50-94F2-D442-B0F9-1A18D47F0CBD}"/>
+                    </a:ext>
+                  </a:extLst>
+                </p14:cNvPr>
+                <p14:cNvContentPartPr/>
+                <p14:nvPr/>
+              </p14:nvContentPartPr>
+              <p14:xfrm>
+                <a:off x="1585543" y="4380872"/>
+                <a:ext cx="428040" cy="195120"/>
+              </p14:xfrm>
+            </p:contentPart>
+          </mc:Choice>
+          <mc:Fallback>
+            <p:pic>
+              <p:nvPicPr>
+                <p:cNvPr id="4" name="Ink 3">
+                  <a:extLst>
+                    <a:ext uri="{FF2B5EF4-FFF2-40B4-BE49-F238E27FC236}">
+                      <a16:creationId xmlns:a16="http://schemas.microsoft.com/office/drawing/2014/main" id="{1B02FC50-94F2-D442-B0F9-1A18D47F0CBD}"/>
+                    </a:ext>
+                  </a:extLst>
+                </p:cNvPr>
+                <p:cNvPicPr/>
+                <p:nvPr/>
+              </p:nvPicPr>
+              <p:blipFill>
+                <a:blip r:embed="rId3"/>
+                <a:stretch>
+                  <a:fillRect/>
+                </a:stretch>
+              </p:blipFill>
+              <p:spPr>
+                <a:xfrm>
+                  <a:off x="1567543" y="4362872"/>
+                  <a:ext cx="463680" cy="230760"/>
+                </a:xfrm>
+                <a:prstGeom prst="rect">
+                  <a:avLst/>
+                </a:prstGeom>
+              </p:spPr>
+            </p:pic>
+          </mc:Fallback>
+        </mc:AlternateContent>
+        <mc:AlternateContent xmlns:mc="http://schemas.openxmlformats.org/markup-compatibility/2006">
+          <mc:Choice xmlns:p14="http://schemas.microsoft.com/office/powerpoint/2010/main" Requires="p14">
+            <p:contentPart p14:bwMode="auto" r:id="rId4">
+              <p14:nvContentPartPr>
+                <p14:cNvPr id="5" name="Ink 4">
+                  <a:extLst>
+                    <a:ext uri="{FF2B5EF4-FFF2-40B4-BE49-F238E27FC236}">
+                      <a16:creationId xmlns:a16="http://schemas.microsoft.com/office/drawing/2014/main" id="{6BE99AEE-C782-4A4D-9FC5-943A83292E21}"/>
+                    </a:ext>
+                  </a:extLst>
+                </p14:cNvPr>
+                <p14:cNvContentPartPr/>
+                <p14:nvPr/>
+              </p14:nvContentPartPr>
+              <p14:xfrm>
+                <a:off x="2116183" y="4340912"/>
+                <a:ext cx="195840" cy="147600"/>
+              </p14:xfrm>
+            </p:contentPart>
+          </mc:Choice>
+          <mc:Fallback>
+            <p:pic>
+              <p:nvPicPr>
+                <p:cNvPr id="5" name="Ink 4">
+                  <a:extLst>
+                    <a:ext uri="{FF2B5EF4-FFF2-40B4-BE49-F238E27FC236}">
+                      <a16:creationId xmlns:a16="http://schemas.microsoft.com/office/drawing/2014/main" id="{6BE99AEE-C782-4A4D-9FC5-943A83292E21}"/>
+                    </a:ext>
+                  </a:extLst>
+                </p:cNvPr>
+                <p:cNvPicPr/>
+                <p:nvPr/>
+              </p:nvPicPr>
+              <p:blipFill>
+                <a:blip r:embed="rId5"/>
+                <a:stretch>
+                  <a:fillRect/>
+                </a:stretch>
+              </p:blipFill>
+              <p:spPr>
+                <a:xfrm>
+                  <a:off x="2098183" y="4323272"/>
+                  <a:ext cx="231480" cy="183240"/>
+                </a:xfrm>
+                <a:prstGeom prst="rect">
+                  <a:avLst/>
+                </a:prstGeom>
+              </p:spPr>
+            </p:pic>
+          </mc:Fallback>
+        </mc:AlternateContent>
+        <mc:AlternateContent xmlns:mc="http://schemas.openxmlformats.org/markup-compatibility/2006">
+          <mc:Choice xmlns:p14="http://schemas.microsoft.com/office/powerpoint/2010/main" Requires="p14">
+            <p:contentPart p14:bwMode="auto" r:id="rId6">
+              <p14:nvContentPartPr>
+                <p14:cNvPr id="7" name="Ink 6">
+                  <a:extLst>
+                    <a:ext uri="{FF2B5EF4-FFF2-40B4-BE49-F238E27FC236}">
+                      <a16:creationId xmlns:a16="http://schemas.microsoft.com/office/drawing/2014/main" id="{6421704C-DE4C-7347-AE16-647F70E58C3C}"/>
+                    </a:ext>
+                  </a:extLst>
+                </p14:cNvPr>
+                <p14:cNvContentPartPr/>
+                <p14:nvPr/>
+              </p14:nvContentPartPr>
+              <p14:xfrm>
+                <a:off x="2475463" y="4403912"/>
+                <a:ext cx="367920" cy="237240"/>
+              </p14:xfrm>
+            </p:contentPart>
+          </mc:Choice>
+          <mc:Fallback>
+            <p:pic>
+              <p:nvPicPr>
+                <p:cNvPr id="7" name="Ink 6">
+                  <a:extLst>
+                    <a:ext uri="{FF2B5EF4-FFF2-40B4-BE49-F238E27FC236}">
+                      <a16:creationId xmlns:a16="http://schemas.microsoft.com/office/drawing/2014/main" id="{6421704C-DE4C-7347-AE16-647F70E58C3C}"/>
+                    </a:ext>
+                  </a:extLst>
+                </p:cNvPr>
+                <p:cNvPicPr/>
+                <p:nvPr/>
+              </p:nvPicPr>
+              <p:blipFill>
+                <a:blip r:embed="rId7"/>
+                <a:stretch>
+                  <a:fillRect/>
+                </a:stretch>
+              </p:blipFill>
+              <p:spPr>
+                <a:xfrm>
+                  <a:off x="2457463" y="4386272"/>
+                  <a:ext cx="403560" cy="272880"/>
+                </a:xfrm>
+                <a:prstGeom prst="rect">
+                  <a:avLst/>
+                </a:prstGeom>
+              </p:spPr>
+            </p:pic>
+          </mc:Fallback>
+        </mc:AlternateContent>
+        <mc:AlternateContent xmlns:mc="http://schemas.openxmlformats.org/markup-compatibility/2006">
+          <mc:Choice xmlns:p14="http://schemas.microsoft.com/office/powerpoint/2010/main" Requires="p14">
+            <p:contentPart p14:bwMode="auto" r:id="rId8">
+              <p14:nvContentPartPr>
+                <p14:cNvPr id="8" name="Ink 7">
+                  <a:extLst>
+                    <a:ext uri="{FF2B5EF4-FFF2-40B4-BE49-F238E27FC236}">
+                      <a16:creationId xmlns:a16="http://schemas.microsoft.com/office/drawing/2014/main" id="{D865C392-D377-0442-B234-FF3D9345BD9A}"/>
+                    </a:ext>
+                  </a:extLst>
+                </p14:cNvPr>
+                <p14:cNvContentPartPr/>
+                <p14:nvPr/>
+              </p14:nvContentPartPr>
+              <p14:xfrm>
+                <a:off x="3051103" y="4276112"/>
+                <a:ext cx="308520" cy="468000"/>
+              </p14:xfrm>
+            </p:contentPart>
+          </mc:Choice>
+          <mc:Fallback>
+            <p:pic>
+              <p:nvPicPr>
+                <p:cNvPr id="8" name="Ink 7">
+                  <a:extLst>
+                    <a:ext uri="{FF2B5EF4-FFF2-40B4-BE49-F238E27FC236}">
+                      <a16:creationId xmlns:a16="http://schemas.microsoft.com/office/drawing/2014/main" id="{D865C392-D377-0442-B234-FF3D9345BD9A}"/>
+                    </a:ext>
+                  </a:extLst>
+                </p:cNvPr>
+                <p:cNvPicPr/>
+                <p:nvPr/>
+              </p:nvPicPr>
+              <p:blipFill>
+                <a:blip r:embed="rId9"/>
+                <a:stretch>
+                  <a:fillRect/>
+                </a:stretch>
+              </p:blipFill>
+              <p:spPr>
+                <a:xfrm>
+                  <a:off x="3033103" y="4258472"/>
+                  <a:ext cx="344160" cy="503640"/>
+                </a:xfrm>
+                <a:prstGeom prst="rect">
+                  <a:avLst/>
+                </a:prstGeom>
+              </p:spPr>
+            </p:pic>
+          </mc:Fallback>
+        </mc:AlternateContent>
+      </p:grpSp>
+      <p:grpSp>
+        <p:nvGrpSpPr>
+          <p:cNvPr id="17" name="Group 16">
+            <a:extLst>
+              <a:ext uri="{FF2B5EF4-FFF2-40B4-BE49-F238E27FC236}">
+                <a16:creationId xmlns:a16="http://schemas.microsoft.com/office/drawing/2014/main" id="{CE64FC89-ADC1-8C40-8262-959BC0789A46}"/>
+              </a:ext>
+            </a:extLst>
+          </p:cNvPr>
+          <p:cNvGrpSpPr/>
+          <p:nvPr/>
+        </p:nvGrpSpPr>
+        <p:grpSpPr>
+          <a:xfrm>
+            <a:off x="4293823" y="4341992"/>
+            <a:ext cx="594000" cy="207000"/>
+            <a:chOff x="4293823" y="4341992"/>
+            <a:chExt cx="594000" cy="207000"/>
+          </a:xfrm>
+        </p:grpSpPr>
+        <mc:AlternateContent xmlns:mc="http://schemas.openxmlformats.org/markup-compatibility/2006">
+          <mc:Choice xmlns:p14="http://schemas.microsoft.com/office/powerpoint/2010/main" Requires="p14">
+            <p:contentPart p14:bwMode="auto" r:id="rId10">
+              <p14:nvContentPartPr>
+                <p14:cNvPr id="10" name="Ink 9">
+                  <a:extLst>
+                    <a:ext uri="{FF2B5EF4-FFF2-40B4-BE49-F238E27FC236}">
+                      <a16:creationId xmlns:a16="http://schemas.microsoft.com/office/drawing/2014/main" id="{FFA6DA5D-3687-BA40-B986-F57B7514A635}"/>
+                    </a:ext>
+                  </a:extLst>
+                </p14:cNvPr>
+                <p14:cNvContentPartPr/>
+                <p14:nvPr/>
+              </p14:nvContentPartPr>
+              <p14:xfrm>
+                <a:off x="4293823" y="4397072"/>
+                <a:ext cx="2520" cy="151920"/>
+              </p14:xfrm>
+            </p:contentPart>
+          </mc:Choice>
+          <mc:Fallback>
+            <p:pic>
+              <p:nvPicPr>
+                <p:cNvPr id="10" name="Ink 9">
+                  <a:extLst>
+                    <a:ext uri="{FF2B5EF4-FFF2-40B4-BE49-F238E27FC236}">
+                      <a16:creationId xmlns:a16="http://schemas.microsoft.com/office/drawing/2014/main" id="{FFA6DA5D-3687-BA40-B986-F57B7514A635}"/>
+                    </a:ext>
+                  </a:extLst>
+                </p:cNvPr>
+                <p:cNvPicPr/>
+                <p:nvPr/>
+              </p:nvPicPr>
+              <p:blipFill>
+                <a:blip r:embed="rId11"/>
+                <a:stretch>
+                  <a:fillRect/>
+                </a:stretch>
+              </p:blipFill>
+              <p:spPr>
+                <a:xfrm>
+                  <a:off x="4276183" y="4379432"/>
+                  <a:ext cx="38160" cy="187560"/>
+                </a:xfrm>
+                <a:prstGeom prst="rect">
+                  <a:avLst/>
+                </a:prstGeom>
+              </p:spPr>
+            </p:pic>
+          </mc:Fallback>
+        </mc:AlternateContent>
+        <mc:AlternateContent xmlns:mc="http://schemas.openxmlformats.org/markup-compatibility/2006">
+          <mc:Choice xmlns:p14="http://schemas.microsoft.com/office/powerpoint/2010/main" Requires="p14">
+            <p:contentPart p14:bwMode="auto" r:id="rId12">
+              <p14:nvContentPartPr>
+                <p14:cNvPr id="11" name="Ink 10">
+                  <a:extLst>
+                    <a:ext uri="{FF2B5EF4-FFF2-40B4-BE49-F238E27FC236}">
+                      <a16:creationId xmlns:a16="http://schemas.microsoft.com/office/drawing/2014/main" id="{A6ECF126-43EF-D840-89EB-5C378AF130A5}"/>
+                    </a:ext>
+                  </a:extLst>
+                </p14:cNvPr>
+                <p14:cNvContentPartPr/>
+                <p14:nvPr/>
+              </p14:nvContentPartPr>
+              <p14:xfrm>
+                <a:off x="4481383" y="4341992"/>
+                <a:ext cx="291600" cy="200520"/>
+              </p14:xfrm>
+            </p:contentPart>
+          </mc:Choice>
+          <mc:Fallback>
+            <p:pic>
+              <p:nvPicPr>
+                <p:cNvPr id="11" name="Ink 10">
+                  <a:extLst>
+                    <a:ext uri="{FF2B5EF4-FFF2-40B4-BE49-F238E27FC236}">
+                      <a16:creationId xmlns:a16="http://schemas.microsoft.com/office/drawing/2014/main" id="{A6ECF126-43EF-D840-89EB-5C378AF130A5}"/>
+                    </a:ext>
+                  </a:extLst>
+                </p:cNvPr>
+                <p:cNvPicPr/>
+                <p:nvPr/>
+              </p:nvPicPr>
+              <p:blipFill>
+                <a:blip r:embed="rId13"/>
+                <a:stretch>
+                  <a:fillRect/>
+                </a:stretch>
+              </p:blipFill>
+              <p:spPr>
+                <a:xfrm>
+                  <a:off x="4463743" y="4323992"/>
+                  <a:ext cx="327240" cy="236160"/>
+                </a:xfrm>
+                <a:prstGeom prst="rect">
+                  <a:avLst/>
+                </a:prstGeom>
+              </p:spPr>
+            </p:pic>
+          </mc:Fallback>
+        </mc:AlternateContent>
+        <mc:AlternateContent xmlns:mc="http://schemas.openxmlformats.org/markup-compatibility/2006">
+          <mc:Choice xmlns:p14="http://schemas.microsoft.com/office/powerpoint/2010/main" Requires="p14">
+            <p:contentPart p14:bwMode="auto" r:id="rId14">
+              <p14:nvContentPartPr>
+                <p14:cNvPr id="12" name="Ink 11">
+                  <a:extLst>
+                    <a:ext uri="{FF2B5EF4-FFF2-40B4-BE49-F238E27FC236}">
+                      <a16:creationId xmlns:a16="http://schemas.microsoft.com/office/drawing/2014/main" id="{02EA4A83-5DF6-B34C-807B-310B67E4DF49}"/>
+                    </a:ext>
+                  </a:extLst>
+                </p14:cNvPr>
+                <p14:cNvContentPartPr/>
+                <p14:nvPr/>
+              </p14:nvContentPartPr>
+              <p14:xfrm>
+                <a:off x="4887463" y="4409672"/>
+                <a:ext cx="360" cy="62640"/>
+              </p14:xfrm>
+            </p:contentPart>
+          </mc:Choice>
+          <mc:Fallback>
+            <p:pic>
+              <p:nvPicPr>
+                <p:cNvPr id="12" name="Ink 11">
+                  <a:extLst>
+                    <a:ext uri="{FF2B5EF4-FFF2-40B4-BE49-F238E27FC236}">
+                      <a16:creationId xmlns:a16="http://schemas.microsoft.com/office/drawing/2014/main" id="{02EA4A83-5DF6-B34C-807B-310B67E4DF49}"/>
+                    </a:ext>
+                  </a:extLst>
+                </p:cNvPr>
+                <p:cNvPicPr/>
+                <p:nvPr/>
+              </p:nvPicPr>
+              <p:blipFill>
+                <a:blip r:embed="rId15"/>
+                <a:stretch>
+                  <a:fillRect/>
+                </a:stretch>
+              </p:blipFill>
+              <p:spPr>
+                <a:xfrm>
+                  <a:off x="4869463" y="4391672"/>
+                  <a:ext cx="36000" cy="98280"/>
+                </a:xfrm>
+                <a:prstGeom prst="rect">
+                  <a:avLst/>
+                </a:prstGeom>
+              </p:spPr>
+            </p:pic>
+          </mc:Fallback>
+        </mc:AlternateContent>
+      </p:grpSp>
+      <p:grpSp>
+        <p:nvGrpSpPr>
+          <p:cNvPr id="16" name="Group 15">
+            <a:extLst>
+              <a:ext uri="{FF2B5EF4-FFF2-40B4-BE49-F238E27FC236}">
+                <a16:creationId xmlns:a16="http://schemas.microsoft.com/office/drawing/2014/main" id="{23C7BA4A-224B-1842-A707-C7D4A41C19D6}"/>
+              </a:ext>
+            </a:extLst>
+          </p:cNvPr>
+          <p:cNvGrpSpPr/>
+          <p:nvPr/>
+        </p:nvGrpSpPr>
+        <p:grpSpPr>
+          <a:xfrm>
+            <a:off x="5248903" y="4151552"/>
+            <a:ext cx="626760" cy="333000"/>
+            <a:chOff x="5248903" y="4151552"/>
+            <a:chExt cx="626760" cy="333000"/>
+          </a:xfrm>
+        </p:grpSpPr>
+        <mc:AlternateContent xmlns:mc="http://schemas.openxmlformats.org/markup-compatibility/2006">
+          <mc:Choice xmlns:p14="http://schemas.microsoft.com/office/powerpoint/2010/main" Requires="p14">
+            <p:contentPart p14:bwMode="auto" r:id="rId16">
+              <p14:nvContentPartPr>
+                <p14:cNvPr id="13" name="Ink 12">
+                  <a:extLst>
+                    <a:ext uri="{FF2B5EF4-FFF2-40B4-BE49-F238E27FC236}">
+                      <a16:creationId xmlns:a16="http://schemas.microsoft.com/office/drawing/2014/main" id="{103812F0-8C92-E146-AC53-BE27088576E7}"/>
+                    </a:ext>
+                  </a:extLst>
+                </p14:cNvPr>
+                <p14:cNvContentPartPr/>
+                <p14:nvPr/>
+              </p14:nvContentPartPr>
+              <p14:xfrm>
+                <a:off x="5248903" y="4316072"/>
+                <a:ext cx="360" cy="168480"/>
+              </p14:xfrm>
+            </p:contentPart>
+          </mc:Choice>
+          <mc:Fallback>
+            <p:pic>
+              <p:nvPicPr>
+                <p:cNvPr id="13" name="Ink 12">
+                  <a:extLst>
+                    <a:ext uri="{FF2B5EF4-FFF2-40B4-BE49-F238E27FC236}">
+                      <a16:creationId xmlns:a16="http://schemas.microsoft.com/office/drawing/2014/main" id="{103812F0-8C92-E146-AC53-BE27088576E7}"/>
+                    </a:ext>
+                  </a:extLst>
+                </p:cNvPr>
+                <p:cNvPicPr/>
+                <p:nvPr/>
+              </p:nvPicPr>
+              <p:blipFill>
+                <a:blip r:embed="rId17"/>
+                <a:stretch>
+                  <a:fillRect/>
+                </a:stretch>
+              </p:blipFill>
+              <p:spPr>
+                <a:xfrm>
+                  <a:off x="5231263" y="4298432"/>
+                  <a:ext cx="36000" cy="204120"/>
+                </a:xfrm>
+                <a:prstGeom prst="rect">
+                  <a:avLst/>
+                </a:prstGeom>
+              </p:spPr>
+            </p:pic>
+          </mc:Fallback>
+        </mc:AlternateContent>
+        <mc:AlternateContent xmlns:mc="http://schemas.openxmlformats.org/markup-compatibility/2006">
+          <mc:Choice xmlns:p14="http://schemas.microsoft.com/office/powerpoint/2010/main" Requires="p14">
+            <p:contentPart p14:bwMode="auto" r:id="rId18">
+              <p14:nvContentPartPr>
+                <p14:cNvPr id="14" name="Ink 13">
+                  <a:extLst>
+                    <a:ext uri="{FF2B5EF4-FFF2-40B4-BE49-F238E27FC236}">
+                      <a16:creationId xmlns:a16="http://schemas.microsoft.com/office/drawing/2014/main" id="{6A999DD9-D32B-F446-8C5A-ED5003ED5BAA}"/>
+                    </a:ext>
+                  </a:extLst>
+                </p14:cNvPr>
+                <p14:cNvContentPartPr/>
+                <p14:nvPr/>
+              </p14:nvContentPartPr>
+              <p14:xfrm>
+                <a:off x="5390743" y="4151552"/>
+                <a:ext cx="307440" cy="245160"/>
+              </p14:xfrm>
+            </p:contentPart>
+          </mc:Choice>
+          <mc:Fallback>
+            <p:pic>
+              <p:nvPicPr>
+                <p:cNvPr id="14" name="Ink 13">
+                  <a:extLst>
+                    <a:ext uri="{FF2B5EF4-FFF2-40B4-BE49-F238E27FC236}">
+                      <a16:creationId xmlns:a16="http://schemas.microsoft.com/office/drawing/2014/main" id="{6A999DD9-D32B-F446-8C5A-ED5003ED5BAA}"/>
+                    </a:ext>
+                  </a:extLst>
+                </p:cNvPr>
+                <p:cNvPicPr/>
+                <p:nvPr/>
+              </p:nvPicPr>
+              <p:blipFill>
+                <a:blip r:embed="rId19"/>
+                <a:stretch>
+                  <a:fillRect/>
+                </a:stretch>
+              </p:blipFill>
+              <p:spPr>
+                <a:xfrm>
+                  <a:off x="5372743" y="4133912"/>
+                  <a:ext cx="343080" cy="280800"/>
+                </a:xfrm>
+                <a:prstGeom prst="rect">
+                  <a:avLst/>
+                </a:prstGeom>
+              </p:spPr>
+            </p:pic>
+          </mc:Fallback>
+        </mc:AlternateContent>
+        <mc:AlternateContent xmlns:mc="http://schemas.openxmlformats.org/markup-compatibility/2006">
+          <mc:Choice xmlns:p14="http://schemas.microsoft.com/office/powerpoint/2010/main" Requires="p14">
+            <p:contentPart p14:bwMode="auto" r:id="rId20">
+              <p14:nvContentPartPr>
+                <p14:cNvPr id="15" name="Ink 14">
+                  <a:extLst>
+                    <a:ext uri="{FF2B5EF4-FFF2-40B4-BE49-F238E27FC236}">
+                      <a16:creationId xmlns:a16="http://schemas.microsoft.com/office/drawing/2014/main" id="{A790E461-CD98-A741-833F-6A78C1D983AA}"/>
+                    </a:ext>
+                  </a:extLst>
+                </p14:cNvPr>
+                <p14:cNvContentPartPr/>
+                <p14:nvPr/>
+              </p14:nvContentPartPr>
+              <p14:xfrm>
+                <a:off x="5875303" y="4224632"/>
+                <a:ext cx="360" cy="93600"/>
+              </p14:xfrm>
+            </p:contentPart>
+          </mc:Choice>
+          <mc:Fallback>
+            <p:pic>
+              <p:nvPicPr>
+                <p:cNvPr id="15" name="Ink 14">
+                  <a:extLst>
+                    <a:ext uri="{FF2B5EF4-FFF2-40B4-BE49-F238E27FC236}">
+                      <a16:creationId xmlns:a16="http://schemas.microsoft.com/office/drawing/2014/main" id="{A790E461-CD98-A741-833F-6A78C1D983AA}"/>
+                    </a:ext>
+                  </a:extLst>
+                </p:cNvPr>
+                <p:cNvPicPr/>
+                <p:nvPr/>
+              </p:nvPicPr>
+              <p:blipFill>
+                <a:blip r:embed="rId21"/>
+                <a:stretch>
+                  <a:fillRect/>
+                </a:stretch>
+              </p:blipFill>
+              <p:spPr>
+                <a:xfrm>
+                  <a:off x="5857663" y="4206992"/>
+                  <a:ext cx="36000" cy="129240"/>
+                </a:xfrm>
+                <a:prstGeom prst="rect">
+                  <a:avLst/>
+                </a:prstGeom>
+              </p:spPr>
+            </p:pic>
+          </mc:Fallback>
+        </mc:AlternateContent>
+      </p:grpSp>
     </p:spTree>
     <p:extLst>
       <p:ext uri="{BB962C8B-B14F-4D97-AF65-F5344CB8AC3E}">
